--- a/Visual Question Answer/report/GenB.pptx
+++ b/Visual Question Answer/report/GenB.pptx
@@ -212,7 +212,7 @@
           <a:p>
             <a:fld id="{675C9EA3-8339-4757-93E1-72E8115BACD7}" type="datetimeFigureOut">
               <a:rPr lang="zh-CN" altLang="en-US" smtClean="0"/>
-              <a:t>2024/4/18</a:t>
+              <a:t>2024/4/21</a:t>
             </a:fld>
             <a:endParaRPr lang="zh-CN" altLang="en-US"/>
           </a:p>
@@ -479,6 +479,90 @@
 </p:notesMaster>
 </file>
 
+<file path=ppt/notesSlides/notesSlide1.xml><?xml version="1.0" encoding="utf-8"?>
+<p:notes xmlns:a="http://schemas.openxmlformats.org/drawingml/2006/main" xmlns:r="http://schemas.openxmlformats.org/officeDocument/2006/relationships" xmlns:p="http://schemas.openxmlformats.org/presentationml/2006/main">
+  <p:cSld>
+    <p:spTree>
+      <p:nvGrpSpPr>
+        <p:cNvPr id="1" name=""/>
+        <p:cNvGrpSpPr/>
+        <p:nvPr/>
+      </p:nvGrpSpPr>
+      <p:grpSpPr>
+        <a:xfrm>
+          <a:off x="0" y="0"/>
+          <a:ext cx="0" cy="0"/>
+          <a:chOff x="0" y="0"/>
+          <a:chExt cx="0" cy="0"/>
+        </a:xfrm>
+      </p:grpSpPr>
+      <p:sp>
+        <p:nvSpPr>
+          <p:cNvPr id="2" name="幻灯片图像占位符 1"/>
+          <p:cNvSpPr>
+            <a:spLocks noGrp="1" noRot="1" noChangeAspect="1"/>
+          </p:cNvSpPr>
+          <p:nvPr>
+            <p:ph type="sldImg"/>
+          </p:nvPr>
+        </p:nvSpPr>
+        <p:spPr/>
+      </p:sp>
+      <p:sp>
+        <p:nvSpPr>
+          <p:cNvPr id="3" name="备注占位符 2"/>
+          <p:cNvSpPr>
+            <a:spLocks noGrp="1"/>
+          </p:cNvSpPr>
+          <p:nvPr>
+            <p:ph type="body" idx="1"/>
+          </p:nvPr>
+        </p:nvSpPr>
+        <p:spPr/>
+        <p:txBody>
+          <a:bodyPr/>
+          <a:lstStyle/>
+          <a:p>
+            <a:endParaRPr lang="zh-CN" altLang="en-US"/>
+          </a:p>
+        </p:txBody>
+      </p:sp>
+      <p:sp>
+        <p:nvSpPr>
+          <p:cNvPr id="4" name="灯片编号占位符 3"/>
+          <p:cNvSpPr>
+            <a:spLocks noGrp="1"/>
+          </p:cNvSpPr>
+          <p:nvPr>
+            <p:ph type="sldNum" sz="quarter" idx="5"/>
+          </p:nvPr>
+        </p:nvSpPr>
+        <p:spPr/>
+        <p:txBody>
+          <a:bodyPr/>
+          <a:lstStyle/>
+          <a:p>
+            <a:fld id="{5D62A52D-5448-4B25-BEE9-4431914B82AE}" type="slidenum">
+              <a:rPr lang="zh-CN" altLang="en-US" smtClean="0"/>
+              <a:t>7</a:t>
+            </a:fld>
+            <a:endParaRPr lang="zh-CN" altLang="en-US"/>
+          </a:p>
+        </p:txBody>
+      </p:sp>
+    </p:spTree>
+    <p:extLst>
+      <p:ext uri="{BB962C8B-B14F-4D97-AF65-F5344CB8AC3E}">
+        <p14:creationId xmlns:p14="http://schemas.microsoft.com/office/powerpoint/2010/main" val="744288790"/>
+      </p:ext>
+    </p:extLst>
+  </p:cSld>
+  <p:clrMapOvr>
+    <a:masterClrMapping/>
+  </p:clrMapOvr>
+</p:notes>
+</file>
+
 <file path=ppt/slideLayouts/slideLayout1.xml><?xml version="1.0" encoding="utf-8"?>
 <p:sldLayout xmlns:a="http://schemas.openxmlformats.org/drawingml/2006/main" xmlns:r="http://schemas.openxmlformats.org/officeDocument/2006/relationships" xmlns:p="http://schemas.openxmlformats.org/presentationml/2006/main" type="title" preserve="1">
   <p:cSld name="标题幻灯片">
@@ -626,7 +710,7 @@
           <a:p>
             <a:fld id="{84E1B15D-ED39-43E9-B7C0-D34E54E36641}" type="datetimeFigureOut">
               <a:rPr lang="zh-CN" altLang="en-US" smtClean="0"/>
-              <a:t>2024/4/18</a:t>
+              <a:t>2024/4/21</a:t>
             </a:fld>
             <a:endParaRPr lang="zh-CN" altLang="en-US"/>
           </a:p>
@@ -824,7 +908,7 @@
           <a:p>
             <a:fld id="{84E1B15D-ED39-43E9-B7C0-D34E54E36641}" type="datetimeFigureOut">
               <a:rPr lang="zh-CN" altLang="en-US" smtClean="0"/>
-              <a:t>2024/4/18</a:t>
+              <a:t>2024/4/21</a:t>
             </a:fld>
             <a:endParaRPr lang="zh-CN" altLang="en-US"/>
           </a:p>
@@ -1032,7 +1116,7 @@
           <a:p>
             <a:fld id="{84E1B15D-ED39-43E9-B7C0-D34E54E36641}" type="datetimeFigureOut">
               <a:rPr lang="zh-CN" altLang="en-US" smtClean="0"/>
-              <a:t>2024/4/18</a:t>
+              <a:t>2024/4/21</a:t>
             </a:fld>
             <a:endParaRPr lang="zh-CN" altLang="en-US"/>
           </a:p>
@@ -1230,7 +1314,7 @@
           <a:p>
             <a:fld id="{84E1B15D-ED39-43E9-B7C0-D34E54E36641}" type="datetimeFigureOut">
               <a:rPr lang="zh-CN" altLang="en-US" smtClean="0"/>
-              <a:t>2024/4/18</a:t>
+              <a:t>2024/4/21</a:t>
             </a:fld>
             <a:endParaRPr lang="zh-CN" altLang="en-US"/>
           </a:p>
@@ -1505,7 +1589,7 @@
           <a:p>
             <a:fld id="{84E1B15D-ED39-43E9-B7C0-D34E54E36641}" type="datetimeFigureOut">
               <a:rPr lang="zh-CN" altLang="en-US" smtClean="0"/>
-              <a:t>2024/4/18</a:t>
+              <a:t>2024/4/21</a:t>
             </a:fld>
             <a:endParaRPr lang="zh-CN" altLang="en-US"/>
           </a:p>
@@ -1770,7 +1854,7 @@
           <a:p>
             <a:fld id="{84E1B15D-ED39-43E9-B7C0-D34E54E36641}" type="datetimeFigureOut">
               <a:rPr lang="zh-CN" altLang="en-US" smtClean="0"/>
-              <a:t>2024/4/18</a:t>
+              <a:t>2024/4/21</a:t>
             </a:fld>
             <a:endParaRPr lang="zh-CN" altLang="en-US"/>
           </a:p>
@@ -2182,7 +2266,7 @@
           <a:p>
             <a:fld id="{84E1B15D-ED39-43E9-B7C0-D34E54E36641}" type="datetimeFigureOut">
               <a:rPr lang="zh-CN" altLang="en-US" smtClean="0"/>
-              <a:t>2024/4/18</a:t>
+              <a:t>2024/4/21</a:t>
             </a:fld>
             <a:endParaRPr lang="zh-CN" altLang="en-US"/>
           </a:p>
@@ -2323,7 +2407,7 @@
           <a:p>
             <a:fld id="{84E1B15D-ED39-43E9-B7C0-D34E54E36641}" type="datetimeFigureOut">
               <a:rPr lang="zh-CN" altLang="en-US" smtClean="0"/>
-              <a:t>2024/4/18</a:t>
+              <a:t>2024/4/21</a:t>
             </a:fld>
             <a:endParaRPr lang="zh-CN" altLang="en-US"/>
           </a:p>
@@ -2436,7 +2520,7 @@
           <a:p>
             <a:fld id="{84E1B15D-ED39-43E9-B7C0-D34E54E36641}" type="datetimeFigureOut">
               <a:rPr lang="zh-CN" altLang="en-US" smtClean="0"/>
-              <a:t>2024/4/18</a:t>
+              <a:t>2024/4/21</a:t>
             </a:fld>
             <a:endParaRPr lang="zh-CN" altLang="en-US"/>
           </a:p>
@@ -2747,7 +2831,7 @@
           <a:p>
             <a:fld id="{84E1B15D-ED39-43E9-B7C0-D34E54E36641}" type="datetimeFigureOut">
               <a:rPr lang="zh-CN" altLang="en-US" smtClean="0"/>
-              <a:t>2024/4/18</a:t>
+              <a:t>2024/4/21</a:t>
             </a:fld>
             <a:endParaRPr lang="zh-CN" altLang="en-US"/>
           </a:p>
@@ -3035,7 +3119,7 @@
           <a:p>
             <a:fld id="{84E1B15D-ED39-43E9-B7C0-D34E54E36641}" type="datetimeFigureOut">
               <a:rPr lang="zh-CN" altLang="en-US" smtClean="0"/>
-              <a:t>2024/4/18</a:t>
+              <a:t>2024/4/21</a:t>
             </a:fld>
             <a:endParaRPr lang="zh-CN" altLang="en-US"/>
           </a:p>
@@ -3276,7 +3360,7 @@
           <a:p>
             <a:fld id="{84E1B15D-ED39-43E9-B7C0-D34E54E36641}" type="datetimeFigureOut">
               <a:rPr lang="zh-CN" altLang="en-US" smtClean="0"/>
-              <a:t>2024/4/18</a:t>
+              <a:t>2024/4/21</a:t>
             </a:fld>
             <a:endParaRPr lang="zh-CN" altLang="en-US"/>
           </a:p>
@@ -10983,128 +11067,6 @@
           </p:txBody>
         </p:sp>
       </p:grpSp>
-      <p:grpSp>
-        <p:nvGrpSpPr>
-          <p:cNvPr id="2" name="组合 1">
-            <a:extLst>
-              <a:ext uri="{FF2B5EF4-FFF2-40B4-BE49-F238E27FC236}">
-                <a16:creationId xmlns:a16="http://schemas.microsoft.com/office/drawing/2014/main" id="{DD6874C7-38A0-7455-967E-D9B106C2544C}"/>
-              </a:ext>
-            </a:extLst>
-          </p:cNvPr>
-          <p:cNvGrpSpPr/>
-          <p:nvPr/>
-        </p:nvGrpSpPr>
-        <p:grpSpPr>
-          <a:xfrm>
-            <a:off x="143513" y="1141562"/>
-            <a:ext cx="11859434" cy="3128987"/>
-            <a:chOff x="143513" y="1141562"/>
-            <a:chExt cx="11859434" cy="3128987"/>
-          </a:xfrm>
-        </p:grpSpPr>
-        <p:sp>
-          <p:nvSpPr>
-            <p:cNvPr id="13" name="矩形: 圆角 12">
-              <a:extLst>
-                <a:ext uri="{FF2B5EF4-FFF2-40B4-BE49-F238E27FC236}">
-                  <a16:creationId xmlns:a16="http://schemas.microsoft.com/office/drawing/2014/main" id="{3CF039E9-D2E0-5934-0DA4-7D5FA9301C19}"/>
-                </a:ext>
-              </a:extLst>
-            </p:cNvPr>
-            <p:cNvSpPr/>
-            <p:nvPr/>
-          </p:nvSpPr>
-          <p:spPr>
-            <a:xfrm>
-              <a:off x="143513" y="1141562"/>
-              <a:ext cx="11859434" cy="3128987"/>
-            </a:xfrm>
-            <a:prstGeom prst="roundRect">
-              <a:avLst>
-                <a:gd name="adj" fmla="val 2889"/>
-              </a:avLst>
-            </a:prstGeom>
-            <a:solidFill>
-              <a:srgbClr val="E8EBFA"/>
-            </a:solidFill>
-            <a:ln w="57150">
-              <a:solidFill>
-                <a:srgbClr val="3C5CE8"/>
-              </a:solidFill>
-            </a:ln>
-          </p:spPr>
-          <p:style>
-            <a:lnRef idx="2">
-              <a:schemeClr val="accent1">
-                <a:shade val="15000"/>
-              </a:schemeClr>
-            </a:lnRef>
-            <a:fillRef idx="1">
-              <a:schemeClr val="accent1"/>
-            </a:fillRef>
-            <a:effectRef idx="0">
-              <a:schemeClr val="accent1"/>
-            </a:effectRef>
-            <a:fontRef idx="minor">
-              <a:schemeClr val="lt1"/>
-            </a:fontRef>
-          </p:style>
-          <p:txBody>
-            <a:bodyPr rtlCol="0" anchor="ctr"/>
-            <a:lstStyle/>
-            <a:p>
-              <a:pPr algn="ctr"/>
-              <a:endParaRPr lang="zh-CN" altLang="en-US"/>
-            </a:p>
-          </p:txBody>
-        </p:sp>
-        <p:pic>
-          <p:nvPicPr>
-            <p:cNvPr id="3074" name="Picture 2">
-              <a:extLst>
-                <a:ext uri="{FF2B5EF4-FFF2-40B4-BE49-F238E27FC236}">
-                  <a16:creationId xmlns:a16="http://schemas.microsoft.com/office/drawing/2014/main" id="{B7BB7390-D942-9724-786A-45CCC6D1A0A2}"/>
-                </a:ext>
-              </a:extLst>
-            </p:cNvPr>
-            <p:cNvPicPr>
-              <a:picLocks noChangeAspect="1" noChangeArrowheads="1"/>
-            </p:cNvPicPr>
-            <p:nvPr/>
-          </p:nvPicPr>
-          <p:blipFill rotWithShape="1">
-            <a:blip r:embed="rId2">
-              <a:extLst>
-                <a:ext uri="{28A0092B-C50C-407E-A947-70E740481C1C}">
-                  <a14:useLocalDpi xmlns:a14="http://schemas.microsoft.com/office/drawing/2010/main" val="0"/>
-                </a:ext>
-              </a:extLst>
-            </a:blip>
-            <a:srcRect l="115" r="83"/>
-            <a:stretch/>
-          </p:blipFill>
-          <p:spPr bwMode="auto">
-            <a:xfrm>
-              <a:off x="300222" y="1397509"/>
-              <a:ext cx="5988817" cy="2511587"/>
-            </a:xfrm>
-            <a:prstGeom prst="rect">
-              <a:avLst/>
-            </a:prstGeom>
-            <a:noFill/>
-            <a:extLst>
-              <a:ext uri="{909E8E84-426E-40DD-AFC4-6F175D3DCCD1}">
-                <a14:hiddenFill xmlns:a14="http://schemas.microsoft.com/office/drawing/2010/main">
-                  <a:solidFill>
-                    <a:srgbClr val="FFFFFF"/>
-                  </a:solidFill>
-                </a14:hiddenFill>
-              </a:ext>
-            </a:extLst>
-          </p:spPr>
-        </p:pic>
-      </p:grpSp>
       <p:sp>
         <p:nvSpPr>
           <p:cNvPr id="7" name="文本框 6">
@@ -11184,42 +11146,185 @@
           </a:p>
         </p:txBody>
       </p:sp>
-      <p:pic>
-        <p:nvPicPr>
-          <p:cNvPr id="11" name="图片 10" descr="表格&#10;&#10;描述已自动生成">
+      <p:grpSp>
+        <p:nvGrpSpPr>
+          <p:cNvPr id="3" name="组合 2">
             <a:extLst>
               <a:ext uri="{FF2B5EF4-FFF2-40B4-BE49-F238E27FC236}">
-                <a16:creationId xmlns:a16="http://schemas.microsoft.com/office/drawing/2014/main" id="{B4659C67-69C3-DDF5-7922-50F0C620D98C}"/>
+                <a16:creationId xmlns:a16="http://schemas.microsoft.com/office/drawing/2014/main" id="{1323E484-5071-F6C7-2C98-E94B6BEF93D1}"/>
               </a:ext>
             </a:extLst>
           </p:cNvPr>
-          <p:cNvPicPr>
-            <a:picLocks noChangeAspect="1"/>
-          </p:cNvPicPr>
+          <p:cNvGrpSpPr/>
           <p:nvPr/>
-        </p:nvPicPr>
-        <p:blipFill>
-          <a:blip r:embed="rId3">
-            <a:extLst>
-              <a:ext uri="{28A0092B-C50C-407E-A947-70E740481C1C}">
-                <a14:useLocalDpi xmlns:a14="http://schemas.microsoft.com/office/drawing/2010/main" val="0"/>
-              </a:ext>
-            </a:extLst>
-          </a:blip>
-          <a:stretch>
-            <a:fillRect/>
-          </a:stretch>
-        </p:blipFill>
-        <p:spPr>
+        </p:nvGrpSpPr>
+        <p:grpSpPr>
           <a:xfrm>
-            <a:off x="6608169" y="1397509"/>
-            <a:ext cx="5075647" cy="2543605"/>
+            <a:off x="143513" y="1141562"/>
+            <a:ext cx="11859434" cy="3128987"/>
+            <a:chOff x="143513" y="1141562"/>
+            <a:chExt cx="11859434" cy="3128987"/>
           </a:xfrm>
-          <a:prstGeom prst="rect">
-            <a:avLst/>
-          </a:prstGeom>
-        </p:spPr>
-      </p:pic>
+        </p:grpSpPr>
+        <p:grpSp>
+          <p:nvGrpSpPr>
+            <p:cNvPr id="2" name="组合 1">
+              <a:extLst>
+                <a:ext uri="{FF2B5EF4-FFF2-40B4-BE49-F238E27FC236}">
+                  <a16:creationId xmlns:a16="http://schemas.microsoft.com/office/drawing/2014/main" id="{DD6874C7-38A0-7455-967E-D9B106C2544C}"/>
+                </a:ext>
+              </a:extLst>
+            </p:cNvPr>
+            <p:cNvGrpSpPr/>
+            <p:nvPr/>
+          </p:nvGrpSpPr>
+          <p:grpSpPr>
+            <a:xfrm>
+              <a:off x="143513" y="1141562"/>
+              <a:ext cx="11859434" cy="3128987"/>
+              <a:chOff x="143513" y="1141562"/>
+              <a:chExt cx="11859434" cy="3128987"/>
+            </a:xfrm>
+          </p:grpSpPr>
+          <p:sp>
+            <p:nvSpPr>
+              <p:cNvPr id="13" name="矩形: 圆角 12">
+                <a:extLst>
+                  <a:ext uri="{FF2B5EF4-FFF2-40B4-BE49-F238E27FC236}">
+                    <a16:creationId xmlns:a16="http://schemas.microsoft.com/office/drawing/2014/main" id="{3CF039E9-D2E0-5934-0DA4-7D5FA9301C19}"/>
+                  </a:ext>
+                </a:extLst>
+              </p:cNvPr>
+              <p:cNvSpPr/>
+              <p:nvPr/>
+            </p:nvSpPr>
+            <p:spPr>
+              <a:xfrm>
+                <a:off x="143513" y="1141562"/>
+                <a:ext cx="11859434" cy="3128987"/>
+              </a:xfrm>
+              <a:prstGeom prst="roundRect">
+                <a:avLst>
+                  <a:gd name="adj" fmla="val 2889"/>
+                </a:avLst>
+              </a:prstGeom>
+              <a:solidFill>
+                <a:srgbClr val="E8EBFA"/>
+              </a:solidFill>
+              <a:ln w="57150">
+                <a:solidFill>
+                  <a:srgbClr val="3C5CE8"/>
+                </a:solidFill>
+              </a:ln>
+            </p:spPr>
+            <p:style>
+              <a:lnRef idx="2">
+                <a:schemeClr val="accent1">
+                  <a:shade val="15000"/>
+                </a:schemeClr>
+              </a:lnRef>
+              <a:fillRef idx="1">
+                <a:schemeClr val="accent1"/>
+              </a:fillRef>
+              <a:effectRef idx="0">
+                <a:schemeClr val="accent1"/>
+              </a:effectRef>
+              <a:fontRef idx="minor">
+                <a:schemeClr val="lt1"/>
+              </a:fontRef>
+            </p:style>
+            <p:txBody>
+              <a:bodyPr rtlCol="0" anchor="ctr"/>
+              <a:lstStyle/>
+              <a:p>
+                <a:pPr algn="ctr"/>
+                <a:endParaRPr lang="zh-CN" altLang="en-US"/>
+              </a:p>
+            </p:txBody>
+          </p:sp>
+          <p:pic>
+            <p:nvPicPr>
+              <p:cNvPr id="3074" name="Picture 2">
+                <a:extLst>
+                  <a:ext uri="{FF2B5EF4-FFF2-40B4-BE49-F238E27FC236}">
+                    <a16:creationId xmlns:a16="http://schemas.microsoft.com/office/drawing/2014/main" id="{B7BB7390-D942-9724-786A-45CCC6D1A0A2}"/>
+                  </a:ext>
+                </a:extLst>
+              </p:cNvPr>
+              <p:cNvPicPr>
+                <a:picLocks noChangeAspect="1" noChangeArrowheads="1"/>
+              </p:cNvPicPr>
+              <p:nvPr/>
+            </p:nvPicPr>
+            <p:blipFill rotWithShape="1">
+              <a:blip r:embed="rId2">
+                <a:extLst>
+                  <a:ext uri="{28A0092B-C50C-407E-A947-70E740481C1C}">
+                    <a14:useLocalDpi xmlns:a14="http://schemas.microsoft.com/office/drawing/2010/main" val="0"/>
+                  </a:ext>
+                </a:extLst>
+              </a:blip>
+              <a:srcRect l="115" r="83"/>
+              <a:stretch/>
+            </p:blipFill>
+            <p:spPr bwMode="auto">
+              <a:xfrm>
+                <a:off x="300222" y="1397509"/>
+                <a:ext cx="5988817" cy="2511587"/>
+              </a:xfrm>
+              <a:prstGeom prst="rect">
+                <a:avLst/>
+              </a:prstGeom>
+              <a:noFill/>
+              <a:extLst>
+                <a:ext uri="{909E8E84-426E-40DD-AFC4-6F175D3DCCD1}">
+                  <a14:hiddenFill xmlns:a14="http://schemas.microsoft.com/office/drawing/2010/main">
+                    <a:solidFill>
+                      <a:srgbClr val="FFFFFF"/>
+                    </a:solidFill>
+                  </a14:hiddenFill>
+                </a:ext>
+              </a:extLst>
+            </p:spPr>
+          </p:pic>
+        </p:grpSp>
+        <p:pic>
+          <p:nvPicPr>
+            <p:cNvPr id="11" name="图片 10" descr="表格&#10;&#10;描述已自动生成">
+              <a:extLst>
+                <a:ext uri="{FF2B5EF4-FFF2-40B4-BE49-F238E27FC236}">
+                  <a16:creationId xmlns:a16="http://schemas.microsoft.com/office/drawing/2014/main" id="{B4659C67-69C3-DDF5-7922-50F0C620D98C}"/>
+                </a:ext>
+              </a:extLst>
+            </p:cNvPr>
+            <p:cNvPicPr>
+              <a:picLocks noChangeAspect="1"/>
+            </p:cNvPicPr>
+            <p:nvPr/>
+          </p:nvPicPr>
+          <p:blipFill>
+            <a:blip r:embed="rId3">
+              <a:extLst>
+                <a:ext uri="{28A0092B-C50C-407E-A947-70E740481C1C}">
+                  <a14:useLocalDpi xmlns:a14="http://schemas.microsoft.com/office/drawing/2010/main" val="0"/>
+                </a:ext>
+              </a:extLst>
+            </a:blip>
+            <a:stretch>
+              <a:fillRect/>
+            </a:stretch>
+          </p:blipFill>
+          <p:spPr>
+            <a:xfrm>
+              <a:off x="6608169" y="1397509"/>
+              <a:ext cx="5075647" cy="2543605"/>
+            </a:xfrm>
+            <a:prstGeom prst="rect">
+              <a:avLst/>
+            </a:prstGeom>
+          </p:spPr>
+        </p:pic>
+      </p:grpSp>
     </p:spTree>
     <p:extLst>
       <p:ext uri="{BB962C8B-B14F-4D97-AF65-F5344CB8AC3E}">
@@ -11344,7 +11449,7 @@
                             </p:stCondLst>
                             <p:childTnLst>
                               <p:par>
-                                <p:cTn id="11" presetID="42" presetClass="entr" presetSubtype="0" fill="hold" nodeType="afterEffect">
+                                <p:cTn id="11" presetID="10" presetClass="entr" presetSubtype="0" fill="hold" nodeType="afterEffect">
                                   <p:stCondLst>
                                     <p:cond delay="0"/>
                                   </p:stCondLst>
@@ -11357,7 +11462,7 @@
                                           </p:stCondLst>
                                         </p:cTn>
                                         <p:tgtEl>
-                                          <p:spTgt spid="2"/>
+                                          <p:spTgt spid="3"/>
                                         </p:tgtEl>
                                         <p:attrNameLst>
                                           <p:attrName>style.visibility</p:attrName>
@@ -11369,58 +11474,12 @@
                                     </p:set>
                                     <p:animEffect transition="in" filter="fade">
                                       <p:cBhvr>
-                                        <p:cTn id="13" dur="1000"/>
+                                        <p:cTn id="13" dur="500"/>
                                         <p:tgtEl>
-                                          <p:spTgt spid="2"/>
+                                          <p:spTgt spid="3"/>
                                         </p:tgtEl>
                                       </p:cBhvr>
                                     </p:animEffect>
-                                    <p:anim calcmode="lin" valueType="num">
-                                      <p:cBhvr>
-                                        <p:cTn id="14" dur="1000" fill="hold"/>
-                                        <p:tgtEl>
-                                          <p:spTgt spid="2"/>
-                                        </p:tgtEl>
-                                        <p:attrNameLst>
-                                          <p:attrName>ppt_x</p:attrName>
-                                        </p:attrNameLst>
-                                      </p:cBhvr>
-                                      <p:tavLst>
-                                        <p:tav tm="0">
-                                          <p:val>
-                                            <p:strVal val="#ppt_x"/>
-                                          </p:val>
-                                        </p:tav>
-                                        <p:tav tm="100000">
-                                          <p:val>
-                                            <p:strVal val="#ppt_x"/>
-                                          </p:val>
-                                        </p:tav>
-                                      </p:tavLst>
-                                    </p:anim>
-                                    <p:anim calcmode="lin" valueType="num">
-                                      <p:cBhvr>
-                                        <p:cTn id="15" dur="1000" fill="hold"/>
-                                        <p:tgtEl>
-                                          <p:spTgt spid="2"/>
-                                        </p:tgtEl>
-                                        <p:attrNameLst>
-                                          <p:attrName>ppt_y</p:attrName>
-                                        </p:attrNameLst>
-                                      </p:cBhvr>
-                                      <p:tavLst>
-                                        <p:tav tm="0">
-                                          <p:val>
-                                            <p:strVal val="#ppt_y+.1"/>
-                                          </p:val>
-                                        </p:tav>
-                                        <p:tav tm="100000">
-                                          <p:val>
-                                            <p:strVal val="#ppt_y"/>
-                                          </p:val>
-                                        </p:tav>
-                                      </p:tavLst>
-                                    </p:anim>
                                   </p:childTnLst>
                                 </p:cTn>
                               </p:par>
@@ -11428,20 +11487,20 @@
                           </p:cTn>
                         </p:par>
                         <p:par>
-                          <p:cTn id="16" fill="hold">
+                          <p:cTn id="14" fill="hold">
                             <p:stCondLst>
-                              <p:cond delay="2000"/>
+                              <p:cond delay="1500"/>
                             </p:stCondLst>
                             <p:childTnLst>
                               <p:par>
-                                <p:cTn id="17" presetID="10" presetClass="entr" presetSubtype="0" fill="hold" grpId="0" nodeType="afterEffect">
+                                <p:cTn id="15" presetID="10" presetClass="entr" presetSubtype="0" fill="hold" grpId="0" nodeType="afterEffect">
                                   <p:stCondLst>
                                     <p:cond delay="0"/>
                                   </p:stCondLst>
                                   <p:childTnLst>
                                     <p:set>
                                       <p:cBhvr>
-                                        <p:cTn id="18" dur="1" fill="hold">
+                                        <p:cTn id="16" dur="1" fill="hold">
                                           <p:stCondLst>
                                             <p:cond delay="0"/>
                                           </p:stCondLst>
@@ -11459,7 +11518,7 @@
                                     </p:set>
                                     <p:animEffect transition="in" filter="fade">
                                       <p:cBhvr>
-                                        <p:cTn id="19" dur="500"/>
+                                        <p:cTn id="17" dur="500"/>
                                         <p:tgtEl>
                                           <p:spTgt spid="7"/>
                                         </p:tgtEl>
@@ -14071,10 +14130,10 @@
       </p:grpSp>
       <p:grpSp>
         <p:nvGrpSpPr>
-          <p:cNvPr id="2" name="组合 1">
+          <p:cNvPr id="38" name="组合 37">
             <a:extLst>
               <a:ext uri="{FF2B5EF4-FFF2-40B4-BE49-F238E27FC236}">
-                <a16:creationId xmlns:a16="http://schemas.microsoft.com/office/drawing/2014/main" id="{DD6874C7-38A0-7455-967E-D9B106C2544C}"/>
+                <a16:creationId xmlns:a16="http://schemas.microsoft.com/office/drawing/2014/main" id="{BDFF7156-6811-5472-1FCA-658D5522E2CE}"/>
               </a:ext>
             </a:extLst>
           </p:cNvPr>
@@ -14089,105 +14148,161 @@
             <a:chExt cx="11859434" cy="3561068"/>
           </a:xfrm>
         </p:grpSpPr>
-        <p:sp>
-          <p:nvSpPr>
-            <p:cNvPr id="13" name="矩形: 圆角 12">
+        <p:grpSp>
+          <p:nvGrpSpPr>
+            <p:cNvPr id="2" name="组合 1">
               <a:extLst>
                 <a:ext uri="{FF2B5EF4-FFF2-40B4-BE49-F238E27FC236}">
-                  <a16:creationId xmlns:a16="http://schemas.microsoft.com/office/drawing/2014/main" id="{3CF039E9-D2E0-5934-0DA4-7D5FA9301C19}"/>
+                  <a16:creationId xmlns:a16="http://schemas.microsoft.com/office/drawing/2014/main" id="{DD6874C7-38A0-7455-967E-D9B106C2544C}"/>
                 </a:ext>
               </a:extLst>
             </p:cNvPr>
-            <p:cNvSpPr/>
+            <p:cNvGrpSpPr/>
             <p:nvPr/>
-          </p:nvSpPr>
-          <p:spPr>
+          </p:nvGrpSpPr>
+          <p:grpSpPr>
             <a:xfrm>
               <a:off x="143513" y="1141562"/>
               <a:ext cx="11859434" cy="3561068"/>
+              <a:chOff x="143513" y="1141562"/>
+              <a:chExt cx="11859434" cy="3561068"/>
             </a:xfrm>
-            <a:prstGeom prst="roundRect">
-              <a:avLst>
-                <a:gd name="adj" fmla="val 2889"/>
-              </a:avLst>
-            </a:prstGeom>
-            <a:solidFill>
-              <a:srgbClr val="E8EBFA"/>
-            </a:solidFill>
-            <a:ln w="57150">
+          </p:grpSpPr>
+          <p:sp>
+            <p:nvSpPr>
+              <p:cNvPr id="13" name="矩形: 圆角 12">
+                <a:extLst>
+                  <a:ext uri="{FF2B5EF4-FFF2-40B4-BE49-F238E27FC236}">
+                    <a16:creationId xmlns:a16="http://schemas.microsoft.com/office/drawing/2014/main" id="{3CF039E9-D2E0-5934-0DA4-7D5FA9301C19}"/>
+                  </a:ext>
+                </a:extLst>
+              </p:cNvPr>
+              <p:cNvSpPr/>
+              <p:nvPr/>
+            </p:nvSpPr>
+            <p:spPr>
+              <a:xfrm>
+                <a:off x="143513" y="1141562"/>
+                <a:ext cx="11859434" cy="3561068"/>
+              </a:xfrm>
+              <a:prstGeom prst="roundRect">
+                <a:avLst>
+                  <a:gd name="adj" fmla="val 2889"/>
+                </a:avLst>
+              </a:prstGeom>
               <a:solidFill>
-                <a:srgbClr val="3C5CE8"/>
+                <a:srgbClr val="E8EBFA"/>
               </a:solidFill>
-            </a:ln>
-          </p:spPr>
-          <p:style>
-            <a:lnRef idx="2">
-              <a:schemeClr val="accent1">
-                <a:shade val="15000"/>
-              </a:schemeClr>
-            </a:lnRef>
-            <a:fillRef idx="1">
-              <a:schemeClr val="accent1"/>
-            </a:fillRef>
-            <a:effectRef idx="0">
-              <a:schemeClr val="accent1"/>
-            </a:effectRef>
-            <a:fontRef idx="minor">
-              <a:schemeClr val="lt1"/>
-            </a:fontRef>
-          </p:style>
-          <p:txBody>
-            <a:bodyPr rtlCol="0" anchor="ctr"/>
-            <a:lstStyle/>
-            <a:p>
-              <a:pPr algn="ctr"/>
-              <a:endParaRPr lang="zh-CN" altLang="en-US"/>
-            </a:p>
-          </p:txBody>
-        </p:sp>
+              <a:ln w="57150">
+                <a:solidFill>
+                  <a:srgbClr val="3C5CE8"/>
+                </a:solidFill>
+              </a:ln>
+            </p:spPr>
+            <p:style>
+              <a:lnRef idx="2">
+                <a:schemeClr val="accent1">
+                  <a:shade val="15000"/>
+                </a:schemeClr>
+              </a:lnRef>
+              <a:fillRef idx="1">
+                <a:schemeClr val="accent1"/>
+              </a:fillRef>
+              <a:effectRef idx="0">
+                <a:schemeClr val="accent1"/>
+              </a:effectRef>
+              <a:fontRef idx="minor">
+                <a:schemeClr val="lt1"/>
+              </a:fontRef>
+            </p:style>
+            <p:txBody>
+              <a:bodyPr rtlCol="0" anchor="ctr"/>
+              <a:lstStyle/>
+              <a:p>
+                <a:pPr algn="ctr"/>
+                <a:endParaRPr lang="zh-CN" altLang="en-US"/>
+              </a:p>
+            </p:txBody>
+          </p:sp>
+          <p:pic>
+            <p:nvPicPr>
+              <p:cNvPr id="3074" name="Picture 2">
+                <a:extLst>
+                  <a:ext uri="{FF2B5EF4-FFF2-40B4-BE49-F238E27FC236}">
+                    <a16:creationId xmlns:a16="http://schemas.microsoft.com/office/drawing/2014/main" id="{B7BB7390-D942-9724-786A-45CCC6D1A0A2}"/>
+                  </a:ext>
+                </a:extLst>
+              </p:cNvPr>
+              <p:cNvPicPr>
+                <a:picLocks noChangeAspect="1" noChangeArrowheads="1"/>
+              </p:cNvPicPr>
+              <p:nvPr/>
+            </p:nvPicPr>
+            <p:blipFill rotWithShape="1">
+              <a:blip r:embed="rId2">
+                <a:extLst>
+                  <a:ext uri="{28A0092B-C50C-407E-A947-70E740481C1C}">
+                    <a14:useLocalDpi xmlns:a14="http://schemas.microsoft.com/office/drawing/2010/main" val="0"/>
+                  </a:ext>
+                </a:extLst>
+              </a:blip>
+              <a:srcRect l="2964" r="1572"/>
+              <a:stretch/>
+            </p:blipFill>
+            <p:spPr bwMode="auto">
+              <a:xfrm>
+                <a:off x="375318" y="1390280"/>
+                <a:ext cx="5875450" cy="3063631"/>
+              </a:xfrm>
+              <a:prstGeom prst="rect">
+                <a:avLst/>
+              </a:prstGeom>
+              <a:noFill/>
+              <a:extLst>
+                <a:ext uri="{909E8E84-426E-40DD-AFC4-6F175D3DCCD1}">
+                  <a14:hiddenFill xmlns:a14="http://schemas.microsoft.com/office/drawing/2010/main">
+                    <a:solidFill>
+                      <a:srgbClr val="FFFFFF"/>
+                    </a:solidFill>
+                  </a14:hiddenFill>
+                </a:ext>
+              </a:extLst>
+            </p:spPr>
+          </p:pic>
+        </p:grpSp>
         <p:pic>
           <p:nvPicPr>
-            <p:cNvPr id="3074" name="Picture 2">
+            <p:cNvPr id="5" name="图片 4">
               <a:extLst>
                 <a:ext uri="{FF2B5EF4-FFF2-40B4-BE49-F238E27FC236}">
-                  <a16:creationId xmlns:a16="http://schemas.microsoft.com/office/drawing/2014/main" id="{B7BB7390-D942-9724-786A-45CCC6D1A0A2}"/>
+                  <a16:creationId xmlns:a16="http://schemas.microsoft.com/office/drawing/2014/main" id="{27BA0A76-7C87-FE1B-8892-4F0856A117A7}"/>
                 </a:ext>
               </a:extLst>
             </p:cNvPr>
             <p:cNvPicPr>
-              <a:picLocks noChangeAspect="1" noChangeArrowheads="1"/>
+              <a:picLocks noChangeAspect="1"/>
             </p:cNvPicPr>
             <p:nvPr/>
           </p:nvPicPr>
-          <p:blipFill rotWithShape="1">
-            <a:blip r:embed="rId2">
+          <p:blipFill>
+            <a:blip r:embed="rId3">
               <a:extLst>
                 <a:ext uri="{28A0092B-C50C-407E-A947-70E740481C1C}">
                   <a14:useLocalDpi xmlns:a14="http://schemas.microsoft.com/office/drawing/2010/main" val="0"/>
                 </a:ext>
               </a:extLst>
             </a:blip>
-            <a:srcRect l="2964" r="1572"/>
+            <a:srcRect/>
             <a:stretch/>
           </p:blipFill>
-          <p:spPr bwMode="auto">
+          <p:spPr>
             <a:xfrm>
-              <a:off x="375318" y="1390280"/>
-              <a:ext cx="5875450" cy="3063631"/>
+              <a:off x="6482573" y="1292288"/>
+              <a:ext cx="5131160" cy="3161623"/>
             </a:xfrm>
             <a:prstGeom prst="rect">
               <a:avLst/>
             </a:prstGeom>
-            <a:noFill/>
-            <a:extLst>
-              <a:ext uri="{909E8E84-426E-40DD-AFC4-6F175D3DCCD1}">
-                <a14:hiddenFill xmlns:a14="http://schemas.microsoft.com/office/drawing/2010/main">
-                  <a:solidFill>
-                    <a:srgbClr val="FFFFFF"/>
-                  </a:solidFill>
-                </a14:hiddenFill>
-              </a:ext>
-            </a:extLst>
           </p:spPr>
         </p:pic>
       </p:grpSp>
@@ -14308,41 +14423,6 @@
           </a:p>
         </p:txBody>
       </p:sp>
-      <p:pic>
-        <p:nvPicPr>
-          <p:cNvPr id="5" name="图片 4">
-            <a:extLst>
-              <a:ext uri="{FF2B5EF4-FFF2-40B4-BE49-F238E27FC236}">
-                <a16:creationId xmlns:a16="http://schemas.microsoft.com/office/drawing/2014/main" id="{27BA0A76-7C87-FE1B-8892-4F0856A117A7}"/>
-              </a:ext>
-            </a:extLst>
-          </p:cNvPr>
-          <p:cNvPicPr>
-            <a:picLocks noChangeAspect="1"/>
-          </p:cNvPicPr>
-          <p:nvPr/>
-        </p:nvPicPr>
-        <p:blipFill>
-          <a:blip r:embed="rId3">
-            <a:extLst>
-              <a:ext uri="{28A0092B-C50C-407E-A947-70E740481C1C}">
-                <a14:useLocalDpi xmlns:a14="http://schemas.microsoft.com/office/drawing/2010/main" val="0"/>
-              </a:ext>
-            </a:extLst>
-          </a:blip>
-          <a:srcRect/>
-          <a:stretch/>
-        </p:blipFill>
-        <p:spPr>
-          <a:xfrm>
-            <a:off x="6482573" y="1292288"/>
-            <a:ext cx="5131160" cy="3161623"/>
-          </a:xfrm>
-          <a:prstGeom prst="rect">
-            <a:avLst/>
-          </a:prstGeom>
-        </p:spPr>
-      </p:pic>
     </p:spTree>
     <p:extLst>
       <p:ext uri="{BB962C8B-B14F-4D97-AF65-F5344CB8AC3E}">
@@ -14467,7 +14547,7 @@
                             </p:stCondLst>
                             <p:childTnLst>
                               <p:par>
-                                <p:cTn id="11" presetID="42" presetClass="entr" presetSubtype="0" fill="hold" nodeType="afterEffect">
+                                <p:cTn id="11" presetID="22" presetClass="entr" presetSubtype="4" fill="hold" nodeType="afterEffect">
                                   <p:stCondLst>
                                     <p:cond delay="0"/>
                                   </p:stCondLst>
@@ -14480,7 +14560,7 @@
                                           </p:stCondLst>
                                         </p:cTn>
                                         <p:tgtEl>
-                                          <p:spTgt spid="2"/>
+                                          <p:spTgt spid="38"/>
                                         </p:tgtEl>
                                         <p:attrNameLst>
                                           <p:attrName>style.visibility</p:attrName>
@@ -14490,60 +14570,14 @@
                                         <p:strVal val="visible"/>
                                       </p:to>
                                     </p:set>
-                                    <p:animEffect transition="in" filter="fade">
+                                    <p:animEffect transition="in" filter="wipe(down)">
                                       <p:cBhvr>
                                         <p:cTn id="13" dur="1000"/>
                                         <p:tgtEl>
-                                          <p:spTgt spid="2"/>
+                                          <p:spTgt spid="38"/>
                                         </p:tgtEl>
                                       </p:cBhvr>
                                     </p:animEffect>
-                                    <p:anim calcmode="lin" valueType="num">
-                                      <p:cBhvr>
-                                        <p:cTn id="14" dur="1000" fill="hold"/>
-                                        <p:tgtEl>
-                                          <p:spTgt spid="2"/>
-                                        </p:tgtEl>
-                                        <p:attrNameLst>
-                                          <p:attrName>ppt_x</p:attrName>
-                                        </p:attrNameLst>
-                                      </p:cBhvr>
-                                      <p:tavLst>
-                                        <p:tav tm="0">
-                                          <p:val>
-                                            <p:strVal val="#ppt_x"/>
-                                          </p:val>
-                                        </p:tav>
-                                        <p:tav tm="100000">
-                                          <p:val>
-                                            <p:strVal val="#ppt_x"/>
-                                          </p:val>
-                                        </p:tav>
-                                      </p:tavLst>
-                                    </p:anim>
-                                    <p:anim calcmode="lin" valueType="num">
-                                      <p:cBhvr>
-                                        <p:cTn id="15" dur="1000" fill="hold"/>
-                                        <p:tgtEl>
-                                          <p:spTgt spid="2"/>
-                                        </p:tgtEl>
-                                        <p:attrNameLst>
-                                          <p:attrName>ppt_y</p:attrName>
-                                        </p:attrNameLst>
-                                      </p:cBhvr>
-                                      <p:tavLst>
-                                        <p:tav tm="0">
-                                          <p:val>
-                                            <p:strVal val="#ppt_y+.1"/>
-                                          </p:val>
-                                        </p:tav>
-                                        <p:tav tm="100000">
-                                          <p:val>
-                                            <p:strVal val="#ppt_y"/>
-                                          </p:val>
-                                        </p:tav>
-                                      </p:tavLst>
-                                    </p:anim>
                                   </p:childTnLst>
                                 </p:cTn>
                               </p:par>
@@ -14551,20 +14585,20 @@
                           </p:cTn>
                         </p:par>
                         <p:par>
-                          <p:cTn id="16" fill="hold">
+                          <p:cTn id="14" fill="hold">
                             <p:stCondLst>
                               <p:cond delay="2000"/>
                             </p:stCondLst>
                             <p:childTnLst>
                               <p:par>
-                                <p:cTn id="17" presetID="10" presetClass="entr" presetSubtype="0" fill="hold" grpId="0" nodeType="afterEffect">
+                                <p:cTn id="15" presetID="10" presetClass="entr" presetSubtype="0" fill="hold" grpId="0" nodeType="afterEffect">
                                   <p:stCondLst>
                                     <p:cond delay="0"/>
                                   </p:stCondLst>
                                   <p:childTnLst>
                                     <p:set>
                                       <p:cBhvr>
-                                        <p:cTn id="18" dur="1" fill="hold">
+                                        <p:cTn id="16" dur="1" fill="hold">
                                           <p:stCondLst>
                                             <p:cond delay="0"/>
                                           </p:stCondLst>
@@ -14582,7 +14616,7 @@
                                     </p:set>
                                     <p:animEffect transition="in" filter="fade">
                                       <p:cBhvr>
-                                        <p:cTn id="19" dur="500"/>
+                                        <p:cTn id="17" dur="500"/>
                                         <p:tgtEl>
                                           <p:spTgt spid="7"/>
                                         </p:tgtEl>
@@ -36247,8 +36281,8 @@
           </p:txBody>
         </p:sp>
       </p:grpSp>
-      <mc:AlternateContent xmlns:mc="http://schemas.openxmlformats.org/markup-compatibility/2006">
-        <mc:Choice xmlns:a14="http://schemas.microsoft.com/office/drawing/2010/main" Requires="a14">
+      <mc:AlternateContent xmlns:mc="http://schemas.openxmlformats.org/markup-compatibility/2006" xmlns:a14="http://schemas.microsoft.com/office/drawing/2010/main">
+        <mc:Choice Requires="a14">
           <p:sp>
             <p:nvSpPr>
               <p:cNvPr id="5" name="矩形 4">
@@ -37668,7 +37702,7 @@
             </p:txBody>
           </p:sp>
         </mc:Choice>
-        <mc:Fallback>
+        <mc:Fallback xmlns="">
           <p:sp>
             <p:nvSpPr>
               <p:cNvPr id="5" name="矩形 4">
@@ -38253,9 +38287,9 @@
         <p:grpSpPr>
           <a:xfrm>
             <a:off x="1617784" y="710208"/>
-            <a:ext cx="8742067" cy="3547672"/>
+            <a:ext cx="8742067" cy="3328535"/>
             <a:chOff x="1597687" y="873604"/>
-            <a:chExt cx="8742067" cy="3547672"/>
+            <a:chExt cx="8742067" cy="3328535"/>
           </a:xfrm>
           <a:effectLst>
             <a:outerShdw blurRad="50800" dist="38100" algn="l" rotWithShape="0">
@@ -38280,7 +38314,7 @@
           <p:spPr>
             <a:xfrm>
               <a:off x="1597687" y="873604"/>
-              <a:ext cx="8742067" cy="3547672"/>
+              <a:ext cx="8742067" cy="3328535"/>
             </a:xfrm>
             <a:prstGeom prst="roundRect">
               <a:avLst>
@@ -38336,7 +38370,7 @@
             <p:nvPr/>
           </p:nvPicPr>
           <p:blipFill>
-            <a:blip r:embed="rId2">
+            <a:blip r:embed="rId3">
               <a:extLst>
                 <a:ext uri="{28A0092B-C50C-407E-A947-70E740481C1C}">
                   <a14:useLocalDpi xmlns:a14="http://schemas.microsoft.com/office/drawing/2010/main" val="0"/>
@@ -38370,7 +38404,7 @@
           </p:nvSpPr>
           <p:spPr>
             <a:xfrm>
-              <a:off x="5542001" y="3955217"/>
+              <a:off x="5521904" y="3832807"/>
               <a:ext cx="1107996" cy="369332"/>
             </a:xfrm>
             <a:prstGeom prst="rect">
@@ -38413,7 +38447,7 @@
             </p:nvSpPr>
             <p:spPr>
               <a:xfrm>
-                <a:off x="318685" y="4344322"/>
+                <a:off x="318685" y="4180927"/>
                 <a:ext cx="11554629" cy="2486189"/>
               </a:xfrm>
               <a:prstGeom prst="rect">
@@ -39294,14 +39328,14 @@
             </p:nvSpPr>
             <p:spPr>
               <a:xfrm>
-                <a:off x="318685" y="4344322"/>
+                <a:off x="318685" y="4180927"/>
                 <a:ext cx="11554629" cy="2486189"/>
               </a:xfrm>
               <a:prstGeom prst="rect">
                 <a:avLst/>
               </a:prstGeom>
               <a:blipFill>
-                <a:blip r:embed="rId3"/>
+                <a:blip r:embed="rId4"/>
                 <a:stretch>
                   <a:fillRect/>
                 </a:stretch>
@@ -39840,195 +39874,160 @@
           </p:txBody>
         </p:sp>
       </p:grpSp>
-      <p:sp>
-        <p:nvSpPr>
-          <p:cNvPr id="6" name="矩形: 圆角 5">
+      <p:grpSp>
+        <p:nvGrpSpPr>
+          <p:cNvPr id="2" name="组合 1">
             <a:extLst>
               <a:ext uri="{FF2B5EF4-FFF2-40B4-BE49-F238E27FC236}">
-                <a16:creationId xmlns:a16="http://schemas.microsoft.com/office/drawing/2014/main" id="{2E3F9D55-9E8D-6201-7FF8-17322E16DDB7}"/>
+                <a16:creationId xmlns:a16="http://schemas.microsoft.com/office/drawing/2014/main" id="{B99F424D-512B-C811-28A0-A18FCCCA752D}"/>
               </a:ext>
             </a:extLst>
           </p:cNvPr>
-          <p:cNvSpPr/>
+          <p:cNvGrpSpPr/>
           <p:nvPr/>
-        </p:nvSpPr>
-        <p:spPr>
+        </p:nvGrpSpPr>
+        <p:grpSpPr>
           <a:xfrm>
             <a:off x="89122" y="1070472"/>
             <a:ext cx="5559838" cy="2610503"/>
+            <a:chOff x="89122" y="1070472"/>
+            <a:chExt cx="5559838" cy="2610503"/>
           </a:xfrm>
-          <a:prstGeom prst="roundRect">
-            <a:avLst>
-              <a:gd name="adj" fmla="val 2889"/>
-            </a:avLst>
-          </a:prstGeom>
-          <a:solidFill>
-            <a:srgbClr val="E8EBFA"/>
-          </a:solidFill>
-          <a:ln w="57150">
+        </p:grpSpPr>
+        <p:sp>
+          <p:nvSpPr>
+            <p:cNvPr id="6" name="矩形: 圆角 5">
+              <a:extLst>
+                <a:ext uri="{FF2B5EF4-FFF2-40B4-BE49-F238E27FC236}">
+                  <a16:creationId xmlns:a16="http://schemas.microsoft.com/office/drawing/2014/main" id="{2E3F9D55-9E8D-6201-7FF8-17322E16DDB7}"/>
+                </a:ext>
+              </a:extLst>
+            </p:cNvPr>
+            <p:cNvSpPr/>
+            <p:nvPr/>
+          </p:nvSpPr>
+          <p:spPr>
+            <a:xfrm>
+              <a:off x="89122" y="1070472"/>
+              <a:ext cx="5559838" cy="2610503"/>
+            </a:xfrm>
+            <a:prstGeom prst="roundRect">
+              <a:avLst>
+                <a:gd name="adj" fmla="val 2889"/>
+              </a:avLst>
+            </a:prstGeom>
             <a:solidFill>
-              <a:srgbClr val="3C5CE8"/>
+              <a:srgbClr val="E8EBFA"/>
             </a:solidFill>
-          </a:ln>
-        </p:spPr>
-        <p:style>
-          <a:lnRef idx="2">
-            <a:schemeClr val="accent1">
-              <a:shade val="15000"/>
-            </a:schemeClr>
-          </a:lnRef>
-          <a:fillRef idx="1">
-            <a:schemeClr val="accent1"/>
-          </a:fillRef>
-          <a:effectRef idx="0">
-            <a:schemeClr val="accent1"/>
-          </a:effectRef>
-          <a:fontRef idx="minor">
-            <a:schemeClr val="lt1"/>
-          </a:fontRef>
-        </p:style>
-        <p:txBody>
-          <a:bodyPr rtlCol="0" anchor="ctr"/>
-          <a:lstStyle/>
-          <a:p>
-            <a:pPr algn="ctr"/>
-            <a:endParaRPr lang="zh-CN" altLang="en-US"/>
-          </a:p>
-        </p:txBody>
-      </p:sp>
-      <p:pic>
-        <p:nvPicPr>
-          <p:cNvPr id="3" name="图片 2">
-            <a:extLst>
-              <a:ext uri="{FF2B5EF4-FFF2-40B4-BE49-F238E27FC236}">
-                <a16:creationId xmlns:a16="http://schemas.microsoft.com/office/drawing/2014/main" id="{73E7DB1E-1E37-E3FC-56D8-F71763202EA8}"/>
-              </a:ext>
-            </a:extLst>
-          </p:cNvPr>
-          <p:cNvPicPr>
-            <a:picLocks noChangeAspect="1"/>
-          </p:cNvPicPr>
-          <p:nvPr/>
-        </p:nvPicPr>
-        <p:blipFill>
-          <a:blip r:embed="rId2">
-            <a:extLst>
-              <a:ext uri="{28A0092B-C50C-407E-A947-70E740481C1C}">
-                <a14:useLocalDpi xmlns:a14="http://schemas.microsoft.com/office/drawing/2010/main" val="0"/>
-              </a:ext>
-            </a:extLst>
-          </a:blip>
-          <a:srcRect/>
-          <a:stretch/>
-        </p:blipFill>
-        <p:spPr>
-          <a:xfrm>
-            <a:off x="215338" y="1179329"/>
-            <a:ext cx="5280781" cy="1875417"/>
-          </a:xfrm>
-          <a:prstGeom prst="rect">
-            <a:avLst/>
-          </a:prstGeom>
-        </p:spPr>
-      </p:pic>
-      <p:sp>
-        <p:nvSpPr>
-          <p:cNvPr id="4" name="文本框 3">
-            <a:extLst>
-              <a:ext uri="{FF2B5EF4-FFF2-40B4-BE49-F238E27FC236}">
-                <a16:creationId xmlns:a16="http://schemas.microsoft.com/office/drawing/2014/main" id="{E4E2D8DA-E2C3-29B9-E806-A1FE2E8F7883}"/>
-              </a:ext>
-            </a:extLst>
-          </p:cNvPr>
-          <p:cNvSpPr txBox="1"/>
-          <p:nvPr/>
-        </p:nvSpPr>
-        <p:spPr>
-          <a:xfrm>
-            <a:off x="2315044" y="3175415"/>
-            <a:ext cx="1107996" cy="369332"/>
-          </a:xfrm>
-          <a:prstGeom prst="rect">
-            <a:avLst/>
-          </a:prstGeom>
-          <a:noFill/>
-        </p:spPr>
-        <p:txBody>
-          <a:bodyPr wrap="none" rtlCol="0">
-            <a:spAutoFit/>
-          </a:bodyPr>
-          <a:lstStyle/>
-          <a:p>
-            <a:pPr algn="ctr"/>
-            <a:r>
-              <a:rPr lang="zh-CN" altLang="en-US">
-                <a:solidFill>
-                  <a:srgbClr val="3C5CE8"/>
-                </a:solidFill>
-              </a:rPr>
-              <a:t>整体结构</a:t>
-            </a:r>
-          </a:p>
-        </p:txBody>
-      </p:sp>
-      <p:sp>
-        <p:nvSpPr>
-          <p:cNvPr id="13" name="矩形: 圆角 12">
-            <a:extLst>
-              <a:ext uri="{FF2B5EF4-FFF2-40B4-BE49-F238E27FC236}">
-                <a16:creationId xmlns:a16="http://schemas.microsoft.com/office/drawing/2014/main" id="{EF8097C7-F6D9-97A6-9E6B-A030C053DF78}"/>
-              </a:ext>
-            </a:extLst>
-          </p:cNvPr>
-          <p:cNvSpPr/>
-          <p:nvPr/>
-        </p:nvSpPr>
-        <p:spPr>
-          <a:xfrm>
-            <a:off x="39873" y="4190163"/>
-            <a:ext cx="5650746" cy="2137011"/>
-          </a:xfrm>
-          <a:prstGeom prst="roundRect">
-            <a:avLst>
-              <a:gd name="adj" fmla="val 2889"/>
-            </a:avLst>
-          </a:prstGeom>
-          <a:solidFill>
-            <a:srgbClr val="E8EBFA"/>
-          </a:solidFill>
-          <a:ln w="57150">
-            <a:solidFill>
-              <a:srgbClr val="3C5CE8"/>
-            </a:solidFill>
-          </a:ln>
-        </p:spPr>
-        <p:style>
-          <a:lnRef idx="2">
-            <a:schemeClr val="accent1">
-              <a:shade val="15000"/>
-            </a:schemeClr>
-          </a:lnRef>
-          <a:fillRef idx="1">
-            <a:schemeClr val="accent1"/>
-          </a:fillRef>
-          <a:effectRef idx="0">
-            <a:schemeClr val="accent1"/>
-          </a:effectRef>
-          <a:fontRef idx="minor">
-            <a:schemeClr val="lt1"/>
-          </a:fontRef>
-        </p:style>
-        <p:txBody>
-          <a:bodyPr rtlCol="0" anchor="ctr"/>
-          <a:lstStyle/>
-          <a:p>
-            <a:pPr algn="ctr"/>
-            <a:endParaRPr lang="zh-CN" altLang="en-US"/>
-          </a:p>
-        </p:txBody>
-      </p:sp>
-      <mc:AlternateContent xmlns:mc="http://schemas.openxmlformats.org/markup-compatibility/2006">
-        <mc:Choice xmlns:a14="http://schemas.microsoft.com/office/drawing/2010/main" Requires="a14">
+            <a:ln w="57150">
+              <a:solidFill>
+                <a:srgbClr val="3C5CE8"/>
+              </a:solidFill>
+            </a:ln>
+          </p:spPr>
+          <p:style>
+            <a:lnRef idx="2">
+              <a:schemeClr val="accent1">
+                <a:shade val="15000"/>
+              </a:schemeClr>
+            </a:lnRef>
+            <a:fillRef idx="1">
+              <a:schemeClr val="accent1"/>
+            </a:fillRef>
+            <a:effectRef idx="0">
+              <a:schemeClr val="accent1"/>
+            </a:effectRef>
+            <a:fontRef idx="minor">
+              <a:schemeClr val="lt1"/>
+            </a:fontRef>
+          </p:style>
+          <p:txBody>
+            <a:bodyPr rtlCol="0" anchor="ctr"/>
+            <a:lstStyle/>
+            <a:p>
+              <a:pPr algn="ctr"/>
+              <a:endParaRPr lang="zh-CN" altLang="en-US"/>
+            </a:p>
+          </p:txBody>
+        </p:sp>
+        <p:pic>
+          <p:nvPicPr>
+            <p:cNvPr id="3" name="图片 2">
+              <a:extLst>
+                <a:ext uri="{FF2B5EF4-FFF2-40B4-BE49-F238E27FC236}">
+                  <a16:creationId xmlns:a16="http://schemas.microsoft.com/office/drawing/2014/main" id="{73E7DB1E-1E37-E3FC-56D8-F71763202EA8}"/>
+                </a:ext>
+              </a:extLst>
+            </p:cNvPr>
+            <p:cNvPicPr>
+              <a:picLocks noChangeAspect="1"/>
+            </p:cNvPicPr>
+            <p:nvPr/>
+          </p:nvPicPr>
+          <p:blipFill>
+            <a:blip r:embed="rId2">
+              <a:extLst>
+                <a:ext uri="{28A0092B-C50C-407E-A947-70E740481C1C}">
+                  <a14:useLocalDpi xmlns:a14="http://schemas.microsoft.com/office/drawing/2010/main" val="0"/>
+                </a:ext>
+              </a:extLst>
+            </a:blip>
+            <a:srcRect/>
+            <a:stretch/>
+          </p:blipFill>
+          <p:spPr>
+            <a:xfrm>
+              <a:off x="215338" y="1179329"/>
+              <a:ext cx="5280781" cy="1875417"/>
+            </a:xfrm>
+            <a:prstGeom prst="rect">
+              <a:avLst/>
+            </a:prstGeom>
+          </p:spPr>
+        </p:pic>
+        <p:sp>
+          <p:nvSpPr>
+            <p:cNvPr id="4" name="文本框 3">
+              <a:extLst>
+                <a:ext uri="{FF2B5EF4-FFF2-40B4-BE49-F238E27FC236}">
+                  <a16:creationId xmlns:a16="http://schemas.microsoft.com/office/drawing/2014/main" id="{E4E2D8DA-E2C3-29B9-E806-A1FE2E8F7883}"/>
+                </a:ext>
+              </a:extLst>
+            </p:cNvPr>
+            <p:cNvSpPr txBox="1"/>
+            <p:nvPr/>
+          </p:nvSpPr>
+          <p:spPr>
+            <a:xfrm>
+              <a:off x="2315044" y="3175415"/>
+              <a:ext cx="1107996" cy="369332"/>
+            </a:xfrm>
+            <a:prstGeom prst="rect">
+              <a:avLst/>
+            </a:prstGeom>
+            <a:noFill/>
+          </p:spPr>
+          <p:txBody>
+            <a:bodyPr wrap="none" rtlCol="0">
+              <a:spAutoFit/>
+            </a:bodyPr>
+            <a:lstStyle/>
+            <a:p>
+              <a:pPr algn="ctr"/>
+              <a:r>
+                <a:rPr lang="zh-CN" altLang="en-US">
+                  <a:solidFill>
+                    <a:srgbClr val="3C5CE8"/>
+                  </a:solidFill>
+                </a:rPr>
+                <a:t>整体结构</a:t>
+              </a:r>
+            </a:p>
+          </p:txBody>
+        </p:sp>
+      </p:grpSp>
+      <mc:AlternateContent xmlns:mc="http://schemas.openxmlformats.org/markup-compatibility/2006" xmlns:a14="http://schemas.microsoft.com/office/drawing/2010/main">
+        <mc:Choice Requires="a14">
           <p:sp>
             <p:nvSpPr>
               <p:cNvPr id="5" name="矩形 4">
@@ -42644,7 +42643,7 @@
             </p:txBody>
           </p:sp>
         </mc:Choice>
-        <mc:Fallback>
+        <mc:Fallback xmlns="">
           <p:sp>
             <p:nvSpPr>
               <p:cNvPr id="5" name="矩形 4">
@@ -42705,586 +42704,663 @@
           </p:sp>
         </mc:Fallback>
       </mc:AlternateContent>
-      <mc:AlternateContent xmlns:mc="http://schemas.openxmlformats.org/markup-compatibility/2006">
-        <mc:Choice xmlns:a14="http://schemas.microsoft.com/office/drawing/2010/main" Requires="a14">
-          <p:sp>
-            <p:nvSpPr>
-              <p:cNvPr id="12" name="文本框 11">
-                <a:extLst>
-                  <a:ext uri="{FF2B5EF4-FFF2-40B4-BE49-F238E27FC236}">
-                    <a16:creationId xmlns:a16="http://schemas.microsoft.com/office/drawing/2014/main" id="{44790F29-606D-510E-B395-968AC5E7B824}"/>
-                  </a:ext>
-                </a:extLst>
-              </p:cNvPr>
-              <p:cNvSpPr txBox="1"/>
-              <p:nvPr/>
-            </p:nvSpPr>
-            <p:spPr>
-              <a:xfrm>
-                <a:off x="0" y="4353804"/>
-                <a:ext cx="5791202" cy="1370888"/>
-              </a:xfrm>
-              <a:prstGeom prst="rect">
-                <a:avLst/>
-              </a:prstGeom>
-              <a:noFill/>
-            </p:spPr>
-            <p:txBody>
-              <a:bodyPr wrap="square">
-                <a:spAutoFit/>
-              </a:bodyPr>
-              <a:lstStyle/>
-              <a:p>
-                <a:pPr/>
-                <a14:m>
-                  <m:oMathPara xmlns:m="http://schemas.openxmlformats.org/officeDocument/2006/math">
-                    <m:oMathParaPr>
-                      <m:jc m:val="centerGroup"/>
-                    </m:oMathParaPr>
-                    <m:oMath xmlns:m="http://schemas.openxmlformats.org/officeDocument/2006/math">
-                      <m:m>
-                        <m:mPr>
-                          <m:plcHide m:val="on"/>
-                          <m:mcs>
-                            <m:mc>
-                              <m:mcPr>
-                                <m:count m:val="2"/>
-                                <m:mcJc m:val="center"/>
-                              </m:mcPr>
-                            </m:mc>
-                          </m:mcs>
-                          <m:ctrlPr>
-                            <a:rPr lang="zh-CN" altLang="en-US" i="1" smtClean="0">
-                              <a:solidFill>
-                                <a:srgbClr val="836967"/>
-                              </a:solidFill>
-                              <a:latin typeface="Cambria Math" panose="02040503050406030204" pitchFamily="18" charset="0"/>
-                            </a:rPr>
-                          </m:ctrlPr>
-                        </m:mPr>
-                        <m:mr>
-                          <m:e>
-                            <m:r>
-                              <a:rPr lang="zh-CN" altLang="en-US" i="1">
-                                <a:latin typeface="Cambria Math" panose="02040503050406030204" pitchFamily="18" charset="0"/>
-                              </a:rPr>
-                              <m:t>𝐾𝐿</m:t>
-                            </m:r>
-                            <m:d>
-                              <m:dPr>
-                                <m:ctrlPr>
-                                  <a:rPr lang="zh-CN" altLang="en-US" i="1">
-                                    <a:solidFill>
-                                      <a:srgbClr val="836967"/>
-                                    </a:solidFill>
-                                    <a:latin typeface="Cambria Math" panose="02040503050406030204" pitchFamily="18" charset="0"/>
-                                  </a:rPr>
-                                </m:ctrlPr>
-                              </m:dPr>
-                              <m:e>
-                                <m:r>
-                                  <a:rPr lang="zh-CN" altLang="en-US" i="1">
-                                    <a:latin typeface="Cambria Math" panose="02040503050406030204" pitchFamily="18" charset="0"/>
-                                  </a:rPr>
-                                  <m:t>𝑝</m:t>
-                                </m:r>
-                                <m:r>
-                                  <a:rPr lang="zh-CN" altLang="en-US" i="0">
-                                    <a:latin typeface="Cambria Math" panose="02040503050406030204" pitchFamily="18" charset="0"/>
-                                  </a:rPr>
-                                  <m:t>∥</m:t>
-                                </m:r>
-                                <m:r>
-                                  <a:rPr lang="zh-CN" altLang="en-US" i="1">
-                                    <a:latin typeface="Cambria Math" panose="02040503050406030204" pitchFamily="18" charset="0"/>
-                                  </a:rPr>
-                                  <m:t>𝑞</m:t>
-                                </m:r>
-                              </m:e>
-                            </m:d>
-                          </m:e>
-                          <m:e>
-                            <m:r>
-                              <a:rPr lang="zh-CN" altLang="en-US" i="0">
-                                <a:latin typeface="Cambria Math" panose="02040503050406030204" pitchFamily="18" charset="0"/>
-                              </a:rPr>
-                              <m:t>=−</m:t>
-                            </m:r>
-                            <m:nary>
-                              <m:naryPr>
-                                <m:grow m:val="on"/>
-                                <m:subHide m:val="on"/>
-                                <m:supHide m:val="on"/>
-                                <m:ctrlPr>
-                                  <a:rPr lang="zh-CN" altLang="en-US" i="1">
-                                    <a:latin typeface="Cambria Math" panose="02040503050406030204" pitchFamily="18" charset="0"/>
-                                  </a:rPr>
-                                </m:ctrlPr>
-                              </m:naryPr>
-                              <m:sub/>
-                              <m:sup/>
-                              <m:e>
-                                <m:r>
-                                  <a:rPr lang="zh-CN" altLang="en-US" i="1">
-                                    <a:latin typeface="Cambria Math" panose="02040503050406030204" pitchFamily="18" charset="0"/>
-                                  </a:rPr>
-                                  <m:t>𝑝</m:t>
-                                </m:r>
-                              </m:e>
-                            </m:nary>
-                            <m:d>
-                              <m:dPr>
-                                <m:ctrlPr>
-                                  <a:rPr lang="zh-CN" altLang="en-US" i="1">
-                                    <a:solidFill>
-                                      <a:srgbClr val="836967"/>
-                                    </a:solidFill>
-                                    <a:latin typeface="Cambria Math" panose="02040503050406030204" pitchFamily="18" charset="0"/>
-                                  </a:rPr>
-                                </m:ctrlPr>
-                              </m:dPr>
-                              <m:e>
-                                <m:r>
-                                  <a:rPr lang="zh-CN" altLang="en-US" i="1">
-                                    <a:latin typeface="Cambria Math" panose="02040503050406030204" pitchFamily="18" charset="0"/>
-                                  </a:rPr>
-                                  <m:t>𝑥</m:t>
-                                </m:r>
-                              </m:e>
-                            </m:d>
-                            <m:r>
-                              <m:rPr>
-                                <m:sty m:val="p"/>
-                              </m:rPr>
-                              <a:rPr lang="zh-CN" altLang="en-US" i="0">
-                                <a:latin typeface="Cambria Math" panose="02040503050406030204" pitchFamily="18" charset="0"/>
-                              </a:rPr>
-                              <m:t>ln</m:t>
-                            </m:r>
-                            <m:r>
-                              <a:rPr lang="zh-CN" altLang="en-US" i="1">
-                                <a:latin typeface="Cambria Math" panose="02040503050406030204" pitchFamily="18" charset="0"/>
-                              </a:rPr>
-                              <m:t>𝑞</m:t>
-                            </m:r>
-                            <m:d>
-                              <m:dPr>
-                                <m:ctrlPr>
-                                  <a:rPr lang="zh-CN" altLang="en-US" i="1">
-                                    <a:solidFill>
-                                      <a:srgbClr val="836967"/>
-                                    </a:solidFill>
-                                    <a:latin typeface="Cambria Math" panose="02040503050406030204" pitchFamily="18" charset="0"/>
-                                  </a:rPr>
-                                </m:ctrlPr>
-                              </m:dPr>
-                              <m:e>
-                                <m:r>
-                                  <a:rPr lang="zh-CN" altLang="en-US" i="1">
-                                    <a:latin typeface="Cambria Math" panose="02040503050406030204" pitchFamily="18" charset="0"/>
-                                  </a:rPr>
-                                  <m:t>𝑥</m:t>
-                                </m:r>
-                              </m:e>
-                            </m:d>
-                            <m:r>
-                              <m:rPr>
-                                <m:sty m:val="p"/>
-                              </m:rPr>
-                              <a:rPr lang="zh-CN" altLang="en-US" i="0">
-                                <a:latin typeface="Cambria Math" panose="02040503050406030204" pitchFamily="18" charset="0"/>
-                              </a:rPr>
-                              <m:t>d</m:t>
-                            </m:r>
-                            <m:r>
-                              <a:rPr lang="zh-CN" altLang="en-US" i="1">
-                                <a:latin typeface="Cambria Math" panose="02040503050406030204" pitchFamily="18" charset="0"/>
-                              </a:rPr>
-                              <m:t>𝑥</m:t>
-                            </m:r>
-                            <m:r>
-                              <a:rPr lang="zh-CN" altLang="en-US" i="0">
-                                <a:latin typeface="Cambria Math" panose="02040503050406030204" pitchFamily="18" charset="0"/>
-                              </a:rPr>
-                              <m:t>−</m:t>
-                            </m:r>
-                            <m:d>
-                              <m:dPr>
-                                <m:ctrlPr>
-                                  <a:rPr lang="zh-CN" altLang="en-US" i="1">
-                                    <a:solidFill>
-                                      <a:srgbClr val="836967"/>
-                                    </a:solidFill>
-                                    <a:latin typeface="Cambria Math" panose="02040503050406030204" pitchFamily="18" charset="0"/>
-                                  </a:rPr>
-                                </m:ctrlPr>
-                              </m:dPr>
-                              <m:e>
-                                <m:r>
-                                  <a:rPr lang="zh-CN" altLang="en-US" i="0">
-                                    <a:latin typeface="Cambria Math" panose="02040503050406030204" pitchFamily="18" charset="0"/>
-                                  </a:rPr>
-                                  <m:t>−</m:t>
-                                </m:r>
-                                <m:nary>
-                                  <m:naryPr>
-                                    <m:grow m:val="on"/>
-                                    <m:subHide m:val="on"/>
-                                    <m:supHide m:val="on"/>
-                                    <m:ctrlPr>
-                                      <a:rPr lang="zh-CN" altLang="en-US" i="1">
-                                        <a:latin typeface="Cambria Math" panose="02040503050406030204" pitchFamily="18" charset="0"/>
-                                      </a:rPr>
-                                    </m:ctrlPr>
-                                  </m:naryPr>
-                                  <m:sub/>
-                                  <m:sup/>
-                                  <m:e>
-                                    <m:r>
-                                      <a:rPr lang="zh-CN" altLang="en-US" i="1">
-                                        <a:latin typeface="Cambria Math" panose="02040503050406030204" pitchFamily="18" charset="0"/>
-                                      </a:rPr>
-                                      <m:t>𝑝</m:t>
-                                    </m:r>
-                                  </m:e>
-                                </m:nary>
-                                <m:d>
-                                  <m:dPr>
-                                    <m:ctrlPr>
-                                      <a:rPr lang="zh-CN" altLang="en-US" i="1">
-                                        <a:solidFill>
-                                          <a:srgbClr val="836967"/>
-                                        </a:solidFill>
-                                        <a:latin typeface="Cambria Math" panose="02040503050406030204" pitchFamily="18" charset="0"/>
-                                      </a:rPr>
-                                    </m:ctrlPr>
-                                  </m:dPr>
-                                  <m:e>
-                                    <m:r>
-                                      <a:rPr lang="zh-CN" altLang="en-US" i="1">
-                                        <a:latin typeface="Cambria Math" panose="02040503050406030204" pitchFamily="18" charset="0"/>
-                                      </a:rPr>
-                                      <m:t>𝑥</m:t>
-                                    </m:r>
-                                  </m:e>
-                                </m:d>
-                                <m:r>
-                                  <m:rPr>
-                                    <m:sty m:val="p"/>
-                                  </m:rPr>
-                                  <a:rPr lang="zh-CN" altLang="en-US" i="0">
-                                    <a:latin typeface="Cambria Math" panose="02040503050406030204" pitchFamily="18" charset="0"/>
-                                  </a:rPr>
-                                  <m:t>ln</m:t>
-                                </m:r>
-                                <m:r>
-                                  <a:rPr lang="zh-CN" altLang="en-US" i="1">
-                                    <a:latin typeface="Cambria Math" panose="02040503050406030204" pitchFamily="18" charset="0"/>
-                                  </a:rPr>
-                                  <m:t>𝑝</m:t>
-                                </m:r>
-                                <m:d>
-                                  <m:dPr>
-                                    <m:ctrlPr>
-                                      <a:rPr lang="zh-CN" altLang="en-US" i="1">
-                                        <a:solidFill>
-                                          <a:srgbClr val="836967"/>
-                                        </a:solidFill>
-                                        <a:latin typeface="Cambria Math" panose="02040503050406030204" pitchFamily="18" charset="0"/>
-                                      </a:rPr>
-                                    </m:ctrlPr>
-                                  </m:dPr>
-                                  <m:e>
-                                    <m:r>
-                                      <a:rPr lang="zh-CN" altLang="en-US" i="1">
-                                        <a:latin typeface="Cambria Math" panose="02040503050406030204" pitchFamily="18" charset="0"/>
-                                      </a:rPr>
-                                      <m:t>𝑥</m:t>
-                                    </m:r>
-                                  </m:e>
-                                </m:d>
-                                <m:r>
-                                  <m:rPr>
-                                    <m:sty m:val="p"/>
-                                  </m:rPr>
-                                  <a:rPr lang="zh-CN" altLang="en-US" i="0">
-                                    <a:latin typeface="Cambria Math" panose="02040503050406030204" pitchFamily="18" charset="0"/>
-                                  </a:rPr>
-                                  <m:t>d</m:t>
-                                </m:r>
-                                <m:r>
-                                  <a:rPr lang="zh-CN" altLang="en-US" i="1">
-                                    <a:latin typeface="Cambria Math" panose="02040503050406030204" pitchFamily="18" charset="0"/>
-                                  </a:rPr>
-                                  <m:t>𝑥</m:t>
-                                </m:r>
-                              </m:e>
-                            </m:d>
-                          </m:e>
-                        </m:mr>
-                        <m:mr>
-                          <m:e/>
-                          <m:e>
-                            <m:r>
-                              <a:rPr lang="zh-CN" altLang="en-US" i="0">
-                                <a:latin typeface="Cambria Math" panose="02040503050406030204" pitchFamily="18" charset="0"/>
-                              </a:rPr>
-                              <m:t>=−</m:t>
-                            </m:r>
-                            <m:nary>
-                              <m:naryPr>
-                                <m:grow m:val="on"/>
-                                <m:subHide m:val="on"/>
-                                <m:supHide m:val="on"/>
-                                <m:ctrlPr>
-                                  <a:rPr lang="zh-CN" altLang="en-US" i="1">
-                                    <a:latin typeface="Cambria Math" panose="02040503050406030204" pitchFamily="18" charset="0"/>
-                                  </a:rPr>
-                                </m:ctrlPr>
-                              </m:naryPr>
-                              <m:sub/>
-                              <m:sup/>
-                              <m:e>
-                                <m:r>
-                                  <a:rPr lang="zh-CN" altLang="en-US" i="1">
-                                    <a:latin typeface="Cambria Math" panose="02040503050406030204" pitchFamily="18" charset="0"/>
-                                  </a:rPr>
-                                  <m:t>𝑝</m:t>
-                                </m:r>
-                              </m:e>
-                            </m:nary>
-                            <m:d>
-                              <m:dPr>
-                                <m:ctrlPr>
-                                  <a:rPr lang="zh-CN" altLang="en-US" i="1">
-                                    <a:solidFill>
-                                      <a:srgbClr val="836967"/>
-                                    </a:solidFill>
-                                    <a:latin typeface="Cambria Math" panose="02040503050406030204" pitchFamily="18" charset="0"/>
-                                  </a:rPr>
-                                </m:ctrlPr>
-                              </m:dPr>
-                              <m:e>
-                                <m:r>
-                                  <a:rPr lang="zh-CN" altLang="en-US" i="1">
-                                    <a:latin typeface="Cambria Math" panose="02040503050406030204" pitchFamily="18" charset="0"/>
-                                  </a:rPr>
-                                  <m:t>𝑥</m:t>
-                                </m:r>
-                              </m:e>
-                            </m:d>
-                            <m:r>
-                              <m:rPr>
-                                <m:sty m:val="p"/>
-                              </m:rPr>
-                              <a:rPr lang="zh-CN" altLang="en-US" i="0">
-                                <a:latin typeface="Cambria Math" panose="02040503050406030204" pitchFamily="18" charset="0"/>
-                              </a:rPr>
-                              <m:t>ln</m:t>
-                            </m:r>
-                            <m:d>
-                              <m:dPr>
-                                <m:begChr m:val="["/>
-                                <m:endChr m:val="]"/>
-                                <m:ctrlPr>
-                                  <a:rPr lang="zh-CN" altLang="en-US" i="1">
-                                    <a:solidFill>
-                                      <a:srgbClr val="836967"/>
-                                    </a:solidFill>
-                                    <a:latin typeface="Cambria Math" panose="02040503050406030204" pitchFamily="18" charset="0"/>
-                                  </a:rPr>
-                                </m:ctrlPr>
-                              </m:dPr>
-                              <m:e>
-                                <m:f>
-                                  <m:fPr>
-                                    <m:ctrlPr>
-                                      <a:rPr lang="zh-CN" altLang="en-US" i="1">
-                                        <a:solidFill>
-                                          <a:srgbClr val="836967"/>
-                                        </a:solidFill>
-                                        <a:latin typeface="Cambria Math" panose="02040503050406030204" pitchFamily="18" charset="0"/>
-                                      </a:rPr>
-                                    </m:ctrlPr>
-                                  </m:fPr>
-                                  <m:num>
-                                    <m:r>
-                                      <a:rPr lang="zh-CN" altLang="en-US" i="1">
-                                        <a:latin typeface="Cambria Math" panose="02040503050406030204" pitchFamily="18" charset="0"/>
-                                      </a:rPr>
-                                      <m:t>𝑞</m:t>
-                                    </m:r>
-                                    <m:d>
-                                      <m:dPr>
-                                        <m:ctrlPr>
-                                          <a:rPr lang="zh-CN" altLang="en-US" i="1">
-                                            <a:solidFill>
-                                              <a:srgbClr val="836967"/>
-                                            </a:solidFill>
-                                            <a:latin typeface="Cambria Math" panose="02040503050406030204" pitchFamily="18" charset="0"/>
-                                          </a:rPr>
-                                        </m:ctrlPr>
-                                      </m:dPr>
-                                      <m:e>
-                                        <m:r>
-                                          <a:rPr lang="zh-CN" altLang="en-US" i="1">
-                                            <a:latin typeface="Cambria Math" panose="02040503050406030204" pitchFamily="18" charset="0"/>
-                                          </a:rPr>
-                                          <m:t>𝑥</m:t>
-                                        </m:r>
-                                      </m:e>
-                                    </m:d>
-                                  </m:num>
-                                  <m:den>
-                                    <m:r>
-                                      <a:rPr lang="zh-CN" altLang="en-US" i="1">
-                                        <a:latin typeface="Cambria Math" panose="02040503050406030204" pitchFamily="18" charset="0"/>
-                                      </a:rPr>
-                                      <m:t>𝑝</m:t>
-                                    </m:r>
-                                    <m:d>
-                                      <m:dPr>
-                                        <m:ctrlPr>
-                                          <a:rPr lang="zh-CN" altLang="en-US" i="1">
-                                            <a:solidFill>
-                                              <a:srgbClr val="836967"/>
-                                            </a:solidFill>
-                                            <a:latin typeface="Cambria Math" panose="02040503050406030204" pitchFamily="18" charset="0"/>
-                                          </a:rPr>
-                                        </m:ctrlPr>
-                                      </m:dPr>
-                                      <m:e>
-                                        <m:r>
-                                          <a:rPr lang="zh-CN" altLang="en-US" i="1">
-                                            <a:latin typeface="Cambria Math" panose="02040503050406030204" pitchFamily="18" charset="0"/>
-                                          </a:rPr>
-                                          <m:t>𝑥</m:t>
-                                        </m:r>
-                                      </m:e>
-                                    </m:d>
-                                  </m:den>
-                                </m:f>
-                              </m:e>
-                            </m:d>
-                            <m:r>
-                              <m:rPr>
-                                <m:sty m:val="p"/>
-                              </m:rPr>
-                              <a:rPr lang="zh-CN" altLang="en-US" i="0">
-                                <a:latin typeface="Cambria Math" panose="02040503050406030204" pitchFamily="18" charset="0"/>
-                              </a:rPr>
-                              <m:t>d</m:t>
-                            </m:r>
-                            <m:r>
-                              <a:rPr lang="zh-CN" altLang="en-US" i="1">
-                                <a:latin typeface="Cambria Math" panose="02040503050406030204" pitchFamily="18" charset="0"/>
-                              </a:rPr>
-                              <m:t>𝑥</m:t>
-                            </m:r>
-                          </m:e>
-                        </m:mr>
-                      </m:m>
-                    </m:oMath>
-                  </m:oMathPara>
-                </a14:m>
-                <a:endParaRPr lang="zh-CN" altLang="en-US"/>
-              </a:p>
-            </p:txBody>
-          </p:sp>
-        </mc:Choice>
-        <mc:Fallback>
-          <p:sp>
-            <p:nvSpPr>
-              <p:cNvPr id="12" name="文本框 11">
-                <a:extLst>
-                  <a:ext uri="{FF2B5EF4-FFF2-40B4-BE49-F238E27FC236}">
-                    <a16:creationId xmlns:a16="http://schemas.microsoft.com/office/drawing/2014/main" id="{44790F29-606D-510E-B395-968AC5E7B824}"/>
-                  </a:ext>
-                </a:extLst>
-              </p:cNvPr>
-              <p:cNvSpPr txBox="1">
-                <a:spLocks noRot="1" noChangeAspect="1" noMove="1" noResize="1" noEditPoints="1" noAdjustHandles="1" noChangeArrowheads="1" noChangeShapeType="1" noTextEdit="1"/>
-              </p:cNvSpPr>
-              <p:nvPr/>
-            </p:nvSpPr>
-            <p:spPr>
-              <a:xfrm>
-                <a:off x="0" y="4353804"/>
-                <a:ext cx="5791202" cy="1370888"/>
-              </a:xfrm>
-              <a:prstGeom prst="rect">
-                <a:avLst/>
-              </a:prstGeom>
-              <a:blipFill>
-                <a:blip r:embed="rId4"/>
-                <a:stretch>
-                  <a:fillRect/>
-                </a:stretch>
-              </a:blipFill>
-            </p:spPr>
-            <p:txBody>
-              <a:bodyPr/>
-              <a:lstStyle/>
-              <a:p>
-                <a:r>
-                  <a:rPr lang="zh-CN" altLang="en-US">
-                    <a:noFill/>
-                  </a:rPr>
-                  <a:t> </a:t>
-                </a:r>
-              </a:p>
-            </p:txBody>
-          </p:sp>
-        </mc:Fallback>
-      </mc:AlternateContent>
-      <p:sp>
-        <p:nvSpPr>
-          <p:cNvPr id="16" name="文本框 15">
+      <p:grpSp>
+        <p:nvGrpSpPr>
+          <p:cNvPr id="7" name="组合 6">
             <a:extLst>
               <a:ext uri="{FF2B5EF4-FFF2-40B4-BE49-F238E27FC236}">
-                <a16:creationId xmlns:a16="http://schemas.microsoft.com/office/drawing/2014/main" id="{6E732A95-65E1-19E8-8941-71122E1A0C44}"/>
+                <a16:creationId xmlns:a16="http://schemas.microsoft.com/office/drawing/2014/main" id="{67682194-EA22-2694-74D1-9231E614E3FD}"/>
               </a:ext>
             </a:extLst>
           </p:cNvPr>
-          <p:cNvSpPr txBox="1"/>
+          <p:cNvGrpSpPr/>
           <p:nvPr/>
-        </p:nvSpPr>
-        <p:spPr>
+        </p:nvGrpSpPr>
+        <p:grpSpPr>
           <a:xfrm>
-            <a:off x="2302255" y="5841267"/>
-            <a:ext cx="881972" cy="369332"/>
+            <a:off x="0" y="4190163"/>
+            <a:ext cx="5791202" cy="2137011"/>
+            <a:chOff x="0" y="4190163"/>
+            <a:chExt cx="5791202" cy="2137011"/>
           </a:xfrm>
-          <a:prstGeom prst="rect">
-            <a:avLst/>
-          </a:prstGeom>
-          <a:noFill/>
-        </p:spPr>
-        <p:txBody>
-          <a:bodyPr wrap="none" rtlCol="0">
-            <a:spAutoFit/>
-          </a:bodyPr>
-          <a:lstStyle/>
-          <a:p>
-            <a:pPr algn="ctr"/>
-            <a:r>
-              <a:rPr lang="en-US" altLang="zh-CN">
-                <a:solidFill>
-                  <a:srgbClr val="3C5CE8"/>
-                </a:solidFill>
-              </a:rPr>
-              <a:t>KL</a:t>
-            </a:r>
-            <a:r>
-              <a:rPr lang="zh-CN" altLang="en-US">
-                <a:solidFill>
-                  <a:srgbClr val="3C5CE8"/>
-                </a:solidFill>
-              </a:rPr>
-              <a:t>散度</a:t>
-            </a:r>
-          </a:p>
-        </p:txBody>
-      </p:sp>
+        </p:grpSpPr>
+        <p:sp>
+          <p:nvSpPr>
+            <p:cNvPr id="13" name="矩形: 圆角 12">
+              <a:extLst>
+                <a:ext uri="{FF2B5EF4-FFF2-40B4-BE49-F238E27FC236}">
+                  <a16:creationId xmlns:a16="http://schemas.microsoft.com/office/drawing/2014/main" id="{EF8097C7-F6D9-97A6-9E6B-A030C053DF78}"/>
+                </a:ext>
+              </a:extLst>
+            </p:cNvPr>
+            <p:cNvSpPr/>
+            <p:nvPr/>
+          </p:nvSpPr>
+          <p:spPr>
+            <a:xfrm>
+              <a:off x="39873" y="4190163"/>
+              <a:ext cx="5650746" cy="2137011"/>
+            </a:xfrm>
+            <a:prstGeom prst="roundRect">
+              <a:avLst>
+                <a:gd name="adj" fmla="val 2889"/>
+              </a:avLst>
+            </a:prstGeom>
+            <a:solidFill>
+              <a:srgbClr val="E8EBFA"/>
+            </a:solidFill>
+            <a:ln w="57150">
+              <a:solidFill>
+                <a:srgbClr val="3C5CE8"/>
+              </a:solidFill>
+            </a:ln>
+          </p:spPr>
+          <p:style>
+            <a:lnRef idx="2">
+              <a:schemeClr val="accent1">
+                <a:shade val="15000"/>
+              </a:schemeClr>
+            </a:lnRef>
+            <a:fillRef idx="1">
+              <a:schemeClr val="accent1"/>
+            </a:fillRef>
+            <a:effectRef idx="0">
+              <a:schemeClr val="accent1"/>
+            </a:effectRef>
+            <a:fontRef idx="minor">
+              <a:schemeClr val="lt1"/>
+            </a:fontRef>
+          </p:style>
+          <p:txBody>
+            <a:bodyPr rtlCol="0" anchor="ctr"/>
+            <a:lstStyle/>
+            <a:p>
+              <a:pPr algn="ctr"/>
+              <a:endParaRPr lang="zh-CN" altLang="en-US"/>
+            </a:p>
+          </p:txBody>
+        </p:sp>
+        <mc:AlternateContent xmlns:mc="http://schemas.openxmlformats.org/markup-compatibility/2006">
+          <mc:Choice xmlns:a14="http://schemas.microsoft.com/office/drawing/2010/main" Requires="a14">
+            <p:sp>
+              <p:nvSpPr>
+                <p:cNvPr id="12" name="文本框 11">
+                  <a:extLst>
+                    <a:ext uri="{FF2B5EF4-FFF2-40B4-BE49-F238E27FC236}">
+                      <a16:creationId xmlns:a16="http://schemas.microsoft.com/office/drawing/2014/main" id="{44790F29-606D-510E-B395-968AC5E7B824}"/>
+                    </a:ext>
+                  </a:extLst>
+                </p:cNvPr>
+                <p:cNvSpPr txBox="1"/>
+                <p:nvPr/>
+              </p:nvSpPr>
+              <p:spPr>
+                <a:xfrm>
+                  <a:off x="0" y="4353804"/>
+                  <a:ext cx="5791202" cy="1370888"/>
+                </a:xfrm>
+                <a:prstGeom prst="rect">
+                  <a:avLst/>
+                </a:prstGeom>
+                <a:noFill/>
+              </p:spPr>
+              <p:txBody>
+                <a:bodyPr wrap="square">
+                  <a:spAutoFit/>
+                </a:bodyPr>
+                <a:lstStyle/>
+                <a:p>
+                  <a:pPr/>
+                  <a14:m>
+                    <m:oMathPara xmlns:m="http://schemas.openxmlformats.org/officeDocument/2006/math">
+                      <m:oMathParaPr>
+                        <m:jc m:val="centerGroup"/>
+                      </m:oMathParaPr>
+                      <m:oMath xmlns:m="http://schemas.openxmlformats.org/officeDocument/2006/math">
+                        <m:m>
+                          <m:mPr>
+                            <m:plcHide m:val="on"/>
+                            <m:mcs>
+                              <m:mc>
+                                <m:mcPr>
+                                  <m:count m:val="2"/>
+                                  <m:mcJc m:val="center"/>
+                                </m:mcPr>
+                              </m:mc>
+                            </m:mcs>
+                            <m:ctrlPr>
+                              <a:rPr lang="zh-CN" altLang="en-US" i="1" smtClean="0">
+                                <a:solidFill>
+                                  <a:srgbClr val="836967"/>
+                                </a:solidFill>
+                                <a:latin typeface="Cambria Math" panose="02040503050406030204" pitchFamily="18" charset="0"/>
+                              </a:rPr>
+                            </m:ctrlPr>
+                          </m:mPr>
+                          <m:mr>
+                            <m:e>
+                              <m:r>
+                                <a:rPr lang="zh-CN" altLang="en-US" i="1">
+                                  <a:latin typeface="Cambria Math" panose="02040503050406030204" pitchFamily="18" charset="0"/>
+                                </a:rPr>
+                                <m:t>𝐾𝐿</m:t>
+                              </m:r>
+                              <m:d>
+                                <m:dPr>
+                                  <m:ctrlPr>
+                                    <a:rPr lang="zh-CN" altLang="en-US" i="1">
+                                      <a:solidFill>
+                                        <a:srgbClr val="836967"/>
+                                      </a:solidFill>
+                                      <a:latin typeface="Cambria Math" panose="02040503050406030204" pitchFamily="18" charset="0"/>
+                                    </a:rPr>
+                                  </m:ctrlPr>
+                                </m:dPr>
+                                <m:e>
+                                  <m:r>
+                                    <a:rPr lang="zh-CN" altLang="en-US" i="1">
+                                      <a:latin typeface="Cambria Math" panose="02040503050406030204" pitchFamily="18" charset="0"/>
+                                    </a:rPr>
+                                    <m:t>𝑝</m:t>
+                                  </m:r>
+                                  <m:r>
+                                    <a:rPr lang="zh-CN" altLang="en-US" i="0">
+                                      <a:latin typeface="Cambria Math" panose="02040503050406030204" pitchFamily="18" charset="0"/>
+                                    </a:rPr>
+                                    <m:t>∥</m:t>
+                                  </m:r>
+                                  <m:r>
+                                    <a:rPr lang="zh-CN" altLang="en-US" i="1">
+                                      <a:latin typeface="Cambria Math" panose="02040503050406030204" pitchFamily="18" charset="0"/>
+                                    </a:rPr>
+                                    <m:t>𝑞</m:t>
+                                  </m:r>
+                                </m:e>
+                              </m:d>
+                            </m:e>
+                            <m:e>
+                              <m:r>
+                                <a:rPr lang="zh-CN" altLang="en-US" i="0">
+                                  <a:latin typeface="Cambria Math" panose="02040503050406030204" pitchFamily="18" charset="0"/>
+                                </a:rPr>
+                                <m:t>=−</m:t>
+                              </m:r>
+                              <m:nary>
+                                <m:naryPr>
+                                  <m:grow m:val="on"/>
+                                  <m:subHide m:val="on"/>
+                                  <m:supHide m:val="on"/>
+                                  <m:ctrlPr>
+                                    <a:rPr lang="zh-CN" altLang="en-US" i="1">
+                                      <a:latin typeface="Cambria Math" panose="02040503050406030204" pitchFamily="18" charset="0"/>
+                                    </a:rPr>
+                                  </m:ctrlPr>
+                                </m:naryPr>
+                                <m:sub/>
+                                <m:sup/>
+                                <m:e>
+                                  <m:r>
+                                    <a:rPr lang="zh-CN" altLang="en-US" i="1">
+                                      <a:latin typeface="Cambria Math" panose="02040503050406030204" pitchFamily="18" charset="0"/>
+                                    </a:rPr>
+                                    <m:t>𝑝</m:t>
+                                  </m:r>
+                                </m:e>
+                              </m:nary>
+                              <m:d>
+                                <m:dPr>
+                                  <m:ctrlPr>
+                                    <a:rPr lang="zh-CN" altLang="en-US" i="1">
+                                      <a:solidFill>
+                                        <a:srgbClr val="836967"/>
+                                      </a:solidFill>
+                                      <a:latin typeface="Cambria Math" panose="02040503050406030204" pitchFamily="18" charset="0"/>
+                                    </a:rPr>
+                                  </m:ctrlPr>
+                                </m:dPr>
+                                <m:e>
+                                  <m:r>
+                                    <a:rPr lang="zh-CN" altLang="en-US" i="1">
+                                      <a:latin typeface="Cambria Math" panose="02040503050406030204" pitchFamily="18" charset="0"/>
+                                    </a:rPr>
+                                    <m:t>𝑥</m:t>
+                                  </m:r>
+                                </m:e>
+                              </m:d>
+                              <m:r>
+                                <m:rPr>
+                                  <m:sty m:val="p"/>
+                                </m:rPr>
+                                <a:rPr lang="zh-CN" altLang="en-US" i="0">
+                                  <a:latin typeface="Cambria Math" panose="02040503050406030204" pitchFamily="18" charset="0"/>
+                                </a:rPr>
+                                <m:t>ln</m:t>
+                              </m:r>
+                              <m:r>
+                                <a:rPr lang="zh-CN" altLang="en-US" i="1">
+                                  <a:latin typeface="Cambria Math" panose="02040503050406030204" pitchFamily="18" charset="0"/>
+                                </a:rPr>
+                                <m:t>𝑞</m:t>
+                              </m:r>
+                              <m:d>
+                                <m:dPr>
+                                  <m:ctrlPr>
+                                    <a:rPr lang="zh-CN" altLang="en-US" i="1">
+                                      <a:solidFill>
+                                        <a:srgbClr val="836967"/>
+                                      </a:solidFill>
+                                      <a:latin typeface="Cambria Math" panose="02040503050406030204" pitchFamily="18" charset="0"/>
+                                    </a:rPr>
+                                  </m:ctrlPr>
+                                </m:dPr>
+                                <m:e>
+                                  <m:r>
+                                    <a:rPr lang="zh-CN" altLang="en-US" i="1">
+                                      <a:latin typeface="Cambria Math" panose="02040503050406030204" pitchFamily="18" charset="0"/>
+                                    </a:rPr>
+                                    <m:t>𝑥</m:t>
+                                  </m:r>
+                                </m:e>
+                              </m:d>
+                              <m:r>
+                                <m:rPr>
+                                  <m:sty m:val="p"/>
+                                </m:rPr>
+                                <a:rPr lang="zh-CN" altLang="en-US" i="0">
+                                  <a:latin typeface="Cambria Math" panose="02040503050406030204" pitchFamily="18" charset="0"/>
+                                </a:rPr>
+                                <m:t>d</m:t>
+                              </m:r>
+                              <m:r>
+                                <a:rPr lang="zh-CN" altLang="en-US" i="1">
+                                  <a:latin typeface="Cambria Math" panose="02040503050406030204" pitchFamily="18" charset="0"/>
+                                </a:rPr>
+                                <m:t>𝑥</m:t>
+                              </m:r>
+                              <m:r>
+                                <a:rPr lang="zh-CN" altLang="en-US" i="0">
+                                  <a:latin typeface="Cambria Math" panose="02040503050406030204" pitchFamily="18" charset="0"/>
+                                </a:rPr>
+                                <m:t>−</m:t>
+                              </m:r>
+                              <m:d>
+                                <m:dPr>
+                                  <m:ctrlPr>
+                                    <a:rPr lang="zh-CN" altLang="en-US" i="1">
+                                      <a:solidFill>
+                                        <a:srgbClr val="836967"/>
+                                      </a:solidFill>
+                                      <a:latin typeface="Cambria Math" panose="02040503050406030204" pitchFamily="18" charset="0"/>
+                                    </a:rPr>
+                                  </m:ctrlPr>
+                                </m:dPr>
+                                <m:e>
+                                  <m:r>
+                                    <a:rPr lang="zh-CN" altLang="en-US" i="0">
+                                      <a:latin typeface="Cambria Math" panose="02040503050406030204" pitchFamily="18" charset="0"/>
+                                    </a:rPr>
+                                    <m:t>−</m:t>
+                                  </m:r>
+                                  <m:nary>
+                                    <m:naryPr>
+                                      <m:grow m:val="on"/>
+                                      <m:subHide m:val="on"/>
+                                      <m:supHide m:val="on"/>
+                                      <m:ctrlPr>
+                                        <a:rPr lang="zh-CN" altLang="en-US" i="1">
+                                          <a:latin typeface="Cambria Math" panose="02040503050406030204" pitchFamily="18" charset="0"/>
+                                        </a:rPr>
+                                      </m:ctrlPr>
+                                    </m:naryPr>
+                                    <m:sub/>
+                                    <m:sup/>
+                                    <m:e>
+                                      <m:r>
+                                        <a:rPr lang="zh-CN" altLang="en-US" i="1">
+                                          <a:latin typeface="Cambria Math" panose="02040503050406030204" pitchFamily="18" charset="0"/>
+                                        </a:rPr>
+                                        <m:t>𝑝</m:t>
+                                      </m:r>
+                                    </m:e>
+                                  </m:nary>
+                                  <m:d>
+                                    <m:dPr>
+                                      <m:ctrlPr>
+                                        <a:rPr lang="zh-CN" altLang="en-US" i="1">
+                                          <a:solidFill>
+                                            <a:srgbClr val="836967"/>
+                                          </a:solidFill>
+                                          <a:latin typeface="Cambria Math" panose="02040503050406030204" pitchFamily="18" charset="0"/>
+                                        </a:rPr>
+                                      </m:ctrlPr>
+                                    </m:dPr>
+                                    <m:e>
+                                      <m:r>
+                                        <a:rPr lang="zh-CN" altLang="en-US" i="1">
+                                          <a:latin typeface="Cambria Math" panose="02040503050406030204" pitchFamily="18" charset="0"/>
+                                        </a:rPr>
+                                        <m:t>𝑥</m:t>
+                                      </m:r>
+                                    </m:e>
+                                  </m:d>
+                                  <m:r>
+                                    <m:rPr>
+                                      <m:sty m:val="p"/>
+                                    </m:rPr>
+                                    <a:rPr lang="zh-CN" altLang="en-US" i="0">
+                                      <a:latin typeface="Cambria Math" panose="02040503050406030204" pitchFamily="18" charset="0"/>
+                                    </a:rPr>
+                                    <m:t>ln</m:t>
+                                  </m:r>
+                                  <m:r>
+                                    <a:rPr lang="zh-CN" altLang="en-US" i="1">
+                                      <a:latin typeface="Cambria Math" panose="02040503050406030204" pitchFamily="18" charset="0"/>
+                                    </a:rPr>
+                                    <m:t>𝑝</m:t>
+                                  </m:r>
+                                  <m:d>
+                                    <m:dPr>
+                                      <m:ctrlPr>
+                                        <a:rPr lang="zh-CN" altLang="en-US" i="1">
+                                          <a:solidFill>
+                                            <a:srgbClr val="836967"/>
+                                          </a:solidFill>
+                                          <a:latin typeface="Cambria Math" panose="02040503050406030204" pitchFamily="18" charset="0"/>
+                                        </a:rPr>
+                                      </m:ctrlPr>
+                                    </m:dPr>
+                                    <m:e>
+                                      <m:r>
+                                        <a:rPr lang="zh-CN" altLang="en-US" i="1">
+                                          <a:latin typeface="Cambria Math" panose="02040503050406030204" pitchFamily="18" charset="0"/>
+                                        </a:rPr>
+                                        <m:t>𝑥</m:t>
+                                      </m:r>
+                                    </m:e>
+                                  </m:d>
+                                  <m:r>
+                                    <m:rPr>
+                                      <m:sty m:val="p"/>
+                                    </m:rPr>
+                                    <a:rPr lang="zh-CN" altLang="en-US" i="0">
+                                      <a:latin typeface="Cambria Math" panose="02040503050406030204" pitchFamily="18" charset="0"/>
+                                    </a:rPr>
+                                    <m:t>d</m:t>
+                                  </m:r>
+                                  <m:r>
+                                    <a:rPr lang="zh-CN" altLang="en-US" i="1">
+                                      <a:latin typeface="Cambria Math" panose="02040503050406030204" pitchFamily="18" charset="0"/>
+                                    </a:rPr>
+                                    <m:t>𝑥</m:t>
+                                  </m:r>
+                                </m:e>
+                              </m:d>
+                            </m:e>
+                          </m:mr>
+                          <m:mr>
+                            <m:e/>
+                            <m:e>
+                              <m:r>
+                                <a:rPr lang="zh-CN" altLang="en-US" i="0">
+                                  <a:latin typeface="Cambria Math" panose="02040503050406030204" pitchFamily="18" charset="0"/>
+                                </a:rPr>
+                                <m:t>=−</m:t>
+                              </m:r>
+                              <m:nary>
+                                <m:naryPr>
+                                  <m:grow m:val="on"/>
+                                  <m:subHide m:val="on"/>
+                                  <m:supHide m:val="on"/>
+                                  <m:ctrlPr>
+                                    <a:rPr lang="zh-CN" altLang="en-US" i="1">
+                                      <a:latin typeface="Cambria Math" panose="02040503050406030204" pitchFamily="18" charset="0"/>
+                                    </a:rPr>
+                                  </m:ctrlPr>
+                                </m:naryPr>
+                                <m:sub/>
+                                <m:sup/>
+                                <m:e>
+                                  <m:r>
+                                    <a:rPr lang="zh-CN" altLang="en-US" i="1">
+                                      <a:latin typeface="Cambria Math" panose="02040503050406030204" pitchFamily="18" charset="0"/>
+                                    </a:rPr>
+                                    <m:t>𝑝</m:t>
+                                  </m:r>
+                                </m:e>
+                              </m:nary>
+                              <m:d>
+                                <m:dPr>
+                                  <m:ctrlPr>
+                                    <a:rPr lang="zh-CN" altLang="en-US" i="1">
+                                      <a:solidFill>
+                                        <a:srgbClr val="836967"/>
+                                      </a:solidFill>
+                                      <a:latin typeface="Cambria Math" panose="02040503050406030204" pitchFamily="18" charset="0"/>
+                                    </a:rPr>
+                                  </m:ctrlPr>
+                                </m:dPr>
+                                <m:e>
+                                  <m:r>
+                                    <a:rPr lang="zh-CN" altLang="en-US" i="1">
+                                      <a:latin typeface="Cambria Math" panose="02040503050406030204" pitchFamily="18" charset="0"/>
+                                    </a:rPr>
+                                    <m:t>𝑥</m:t>
+                                  </m:r>
+                                </m:e>
+                              </m:d>
+                              <m:r>
+                                <m:rPr>
+                                  <m:sty m:val="p"/>
+                                </m:rPr>
+                                <a:rPr lang="zh-CN" altLang="en-US" i="0">
+                                  <a:latin typeface="Cambria Math" panose="02040503050406030204" pitchFamily="18" charset="0"/>
+                                </a:rPr>
+                                <m:t>ln</m:t>
+                              </m:r>
+                              <m:d>
+                                <m:dPr>
+                                  <m:begChr m:val="["/>
+                                  <m:endChr m:val="]"/>
+                                  <m:ctrlPr>
+                                    <a:rPr lang="zh-CN" altLang="en-US" i="1">
+                                      <a:solidFill>
+                                        <a:srgbClr val="836967"/>
+                                      </a:solidFill>
+                                      <a:latin typeface="Cambria Math" panose="02040503050406030204" pitchFamily="18" charset="0"/>
+                                    </a:rPr>
+                                  </m:ctrlPr>
+                                </m:dPr>
+                                <m:e>
+                                  <m:f>
+                                    <m:fPr>
+                                      <m:ctrlPr>
+                                        <a:rPr lang="zh-CN" altLang="en-US" i="1">
+                                          <a:solidFill>
+                                            <a:srgbClr val="836967"/>
+                                          </a:solidFill>
+                                          <a:latin typeface="Cambria Math" panose="02040503050406030204" pitchFamily="18" charset="0"/>
+                                        </a:rPr>
+                                      </m:ctrlPr>
+                                    </m:fPr>
+                                    <m:num>
+                                      <m:r>
+                                        <a:rPr lang="zh-CN" altLang="en-US" i="1">
+                                          <a:latin typeface="Cambria Math" panose="02040503050406030204" pitchFamily="18" charset="0"/>
+                                        </a:rPr>
+                                        <m:t>𝑞</m:t>
+                                      </m:r>
+                                      <m:d>
+                                        <m:dPr>
+                                          <m:ctrlPr>
+                                            <a:rPr lang="zh-CN" altLang="en-US" i="1">
+                                              <a:solidFill>
+                                                <a:srgbClr val="836967"/>
+                                              </a:solidFill>
+                                              <a:latin typeface="Cambria Math" panose="02040503050406030204" pitchFamily="18" charset="0"/>
+                                            </a:rPr>
+                                          </m:ctrlPr>
+                                        </m:dPr>
+                                        <m:e>
+                                          <m:r>
+                                            <a:rPr lang="zh-CN" altLang="en-US" i="1">
+                                              <a:latin typeface="Cambria Math" panose="02040503050406030204" pitchFamily="18" charset="0"/>
+                                            </a:rPr>
+                                            <m:t>𝑥</m:t>
+                                          </m:r>
+                                        </m:e>
+                                      </m:d>
+                                    </m:num>
+                                    <m:den>
+                                      <m:r>
+                                        <a:rPr lang="zh-CN" altLang="en-US" i="1">
+                                          <a:latin typeface="Cambria Math" panose="02040503050406030204" pitchFamily="18" charset="0"/>
+                                        </a:rPr>
+                                        <m:t>𝑝</m:t>
+                                      </m:r>
+                                      <m:d>
+                                        <m:dPr>
+                                          <m:ctrlPr>
+                                            <a:rPr lang="zh-CN" altLang="en-US" i="1">
+                                              <a:solidFill>
+                                                <a:srgbClr val="836967"/>
+                                              </a:solidFill>
+                                              <a:latin typeface="Cambria Math" panose="02040503050406030204" pitchFamily="18" charset="0"/>
+                                            </a:rPr>
+                                          </m:ctrlPr>
+                                        </m:dPr>
+                                        <m:e>
+                                          <m:r>
+                                            <a:rPr lang="zh-CN" altLang="en-US" i="1">
+                                              <a:latin typeface="Cambria Math" panose="02040503050406030204" pitchFamily="18" charset="0"/>
+                                            </a:rPr>
+                                            <m:t>𝑥</m:t>
+                                          </m:r>
+                                        </m:e>
+                                      </m:d>
+                                    </m:den>
+                                  </m:f>
+                                </m:e>
+                              </m:d>
+                              <m:r>
+                                <m:rPr>
+                                  <m:sty m:val="p"/>
+                                </m:rPr>
+                                <a:rPr lang="zh-CN" altLang="en-US" i="0">
+                                  <a:latin typeface="Cambria Math" panose="02040503050406030204" pitchFamily="18" charset="0"/>
+                                </a:rPr>
+                                <m:t>d</m:t>
+                              </m:r>
+                              <m:r>
+                                <a:rPr lang="zh-CN" altLang="en-US" i="1">
+                                  <a:latin typeface="Cambria Math" panose="02040503050406030204" pitchFamily="18" charset="0"/>
+                                </a:rPr>
+                                <m:t>𝑥</m:t>
+                              </m:r>
+                            </m:e>
+                          </m:mr>
+                        </m:m>
+                      </m:oMath>
+                    </m:oMathPara>
+                  </a14:m>
+                  <a:endParaRPr lang="zh-CN" altLang="en-US"/>
+                </a:p>
+              </p:txBody>
+            </p:sp>
+          </mc:Choice>
+          <mc:Fallback>
+            <p:sp>
+              <p:nvSpPr>
+                <p:cNvPr id="12" name="文本框 11">
+                  <a:extLst>
+                    <a:ext uri="{FF2B5EF4-FFF2-40B4-BE49-F238E27FC236}">
+                      <a16:creationId xmlns:a16="http://schemas.microsoft.com/office/drawing/2014/main" id="{44790F29-606D-510E-B395-968AC5E7B824}"/>
+                    </a:ext>
+                  </a:extLst>
+                </p:cNvPr>
+                <p:cNvSpPr txBox="1">
+                  <a:spLocks noRot="1" noChangeAspect="1" noMove="1" noResize="1" noEditPoints="1" noAdjustHandles="1" noChangeArrowheads="1" noChangeShapeType="1" noTextEdit="1"/>
+                </p:cNvSpPr>
+                <p:nvPr/>
+              </p:nvSpPr>
+              <p:spPr>
+                <a:xfrm>
+                  <a:off x="0" y="4353804"/>
+                  <a:ext cx="5791202" cy="1370888"/>
+                </a:xfrm>
+                <a:prstGeom prst="rect">
+                  <a:avLst/>
+                </a:prstGeom>
+                <a:blipFill>
+                  <a:blip r:embed="rId4"/>
+                  <a:stretch>
+                    <a:fillRect/>
+                  </a:stretch>
+                </a:blipFill>
+              </p:spPr>
+              <p:txBody>
+                <a:bodyPr/>
+                <a:lstStyle/>
+                <a:p>
+                  <a:r>
+                    <a:rPr lang="zh-CN" altLang="en-US">
+                      <a:noFill/>
+                    </a:rPr>
+                    <a:t> </a:t>
+                  </a:r>
+                </a:p>
+              </p:txBody>
+            </p:sp>
+          </mc:Fallback>
+        </mc:AlternateContent>
+        <p:sp>
+          <p:nvSpPr>
+            <p:cNvPr id="16" name="文本框 15">
+              <a:extLst>
+                <a:ext uri="{FF2B5EF4-FFF2-40B4-BE49-F238E27FC236}">
+                  <a16:creationId xmlns:a16="http://schemas.microsoft.com/office/drawing/2014/main" id="{6E732A95-65E1-19E8-8941-71122E1A0C44}"/>
+                </a:ext>
+              </a:extLst>
+            </p:cNvPr>
+            <p:cNvSpPr txBox="1"/>
+            <p:nvPr/>
+          </p:nvSpPr>
+          <p:spPr>
+            <a:xfrm>
+              <a:off x="2302255" y="5841267"/>
+              <a:ext cx="881972" cy="369332"/>
+            </a:xfrm>
+            <a:prstGeom prst="rect">
+              <a:avLst/>
+            </a:prstGeom>
+            <a:noFill/>
+          </p:spPr>
+          <p:txBody>
+            <a:bodyPr wrap="none" rtlCol="0">
+              <a:spAutoFit/>
+            </a:bodyPr>
+            <a:lstStyle/>
+            <a:p>
+              <a:pPr algn="ctr"/>
+              <a:r>
+                <a:rPr lang="en-US" altLang="zh-CN">
+                  <a:solidFill>
+                    <a:srgbClr val="3C5CE8"/>
+                  </a:solidFill>
+                </a:rPr>
+                <a:t>KL</a:t>
+              </a:r>
+              <a:r>
+                <a:rPr lang="zh-CN" altLang="en-US">
+                  <a:solidFill>
+                    <a:srgbClr val="3C5CE8"/>
+                  </a:solidFill>
+                </a:rPr>
+                <a:t>散度</a:t>
+              </a:r>
+            </a:p>
+          </p:txBody>
+        </p:sp>
+      </p:grpSp>
     </p:spTree>
     <p:extLst>
       <p:ext uri="{BB962C8B-B14F-4D97-AF65-F5344CB8AC3E}">
@@ -43409,7 +43485,7 @@
                             </p:stCondLst>
                             <p:childTnLst>
                               <p:par>
-                                <p:cTn id="11" presetID="10" presetClass="entr" presetSubtype="0" fill="hold" grpId="0" nodeType="afterEffect">
+                                <p:cTn id="11" presetID="2" presetClass="entr" presetSubtype="8" fill="hold" nodeType="afterEffect">
                                   <p:stCondLst>
                                     <p:cond delay="0"/>
                                   </p:stCondLst>
@@ -43417,6 +43493,88 @@
                                     <p:set>
                                       <p:cBhvr>
                                         <p:cTn id="12" dur="1" fill="hold">
+                                          <p:stCondLst>
+                                            <p:cond delay="0"/>
+                                          </p:stCondLst>
+                                        </p:cTn>
+                                        <p:tgtEl>
+                                          <p:spTgt spid="2"/>
+                                        </p:tgtEl>
+                                        <p:attrNameLst>
+                                          <p:attrName>style.visibility</p:attrName>
+                                        </p:attrNameLst>
+                                      </p:cBhvr>
+                                      <p:to>
+                                        <p:strVal val="visible"/>
+                                      </p:to>
+                                    </p:set>
+                                    <p:anim calcmode="lin" valueType="num">
+                                      <p:cBhvr additive="base">
+                                        <p:cTn id="13" dur="1500" fill="hold"/>
+                                        <p:tgtEl>
+                                          <p:spTgt spid="2"/>
+                                        </p:tgtEl>
+                                        <p:attrNameLst>
+                                          <p:attrName>ppt_x</p:attrName>
+                                        </p:attrNameLst>
+                                      </p:cBhvr>
+                                      <p:tavLst>
+                                        <p:tav tm="0">
+                                          <p:val>
+                                            <p:strVal val="0-#ppt_w/2"/>
+                                          </p:val>
+                                        </p:tav>
+                                        <p:tav tm="100000">
+                                          <p:val>
+                                            <p:strVal val="#ppt_x"/>
+                                          </p:val>
+                                        </p:tav>
+                                      </p:tavLst>
+                                    </p:anim>
+                                    <p:anim calcmode="lin" valueType="num">
+                                      <p:cBhvr additive="base">
+                                        <p:cTn id="14" dur="1500" fill="hold"/>
+                                        <p:tgtEl>
+                                          <p:spTgt spid="2"/>
+                                        </p:tgtEl>
+                                        <p:attrNameLst>
+                                          <p:attrName>ppt_y</p:attrName>
+                                        </p:attrNameLst>
+                                      </p:cBhvr>
+                                      <p:tavLst>
+                                        <p:tav tm="0">
+                                          <p:val>
+                                            <p:strVal val="#ppt_y"/>
+                                          </p:val>
+                                        </p:tav>
+                                        <p:tav tm="100000">
+                                          <p:val>
+                                            <p:strVal val="#ppt_y"/>
+                                          </p:val>
+                                        </p:tav>
+                                      </p:tavLst>
+                                    </p:anim>
+                                  </p:childTnLst>
+                                </p:cTn>
+                              </p:par>
+                            </p:childTnLst>
+                          </p:cTn>
+                        </p:par>
+                        <p:par>
+                          <p:cTn id="15" fill="hold">
+                            <p:stCondLst>
+                              <p:cond delay="2500"/>
+                            </p:stCondLst>
+                            <p:childTnLst>
+                              <p:par>
+                                <p:cTn id="16" presetID="10" presetClass="entr" presetSubtype="0" fill="hold" grpId="0" nodeType="afterEffect">
+                                  <p:stCondLst>
+                                    <p:cond delay="0"/>
+                                  </p:stCondLst>
+                                  <p:childTnLst>
+                                    <p:set>
+                                      <p:cBhvr>
+                                        <p:cTn id="17" dur="1" fill="hold">
                                           <p:stCondLst>
                                             <p:cond delay="0"/>
                                           </p:stCondLst>
@@ -43434,12 +43592,94 @@
                                     </p:set>
                                     <p:animEffect transition="in" filter="fade">
                                       <p:cBhvr>
-                                        <p:cTn id="13" dur="500"/>
+                                        <p:cTn id="18" dur="500"/>
                                         <p:tgtEl>
                                           <p:spTgt spid="5"/>
                                         </p:tgtEl>
                                       </p:cBhvr>
                                     </p:animEffect>
+                                  </p:childTnLst>
+                                </p:cTn>
+                              </p:par>
+                            </p:childTnLst>
+                          </p:cTn>
+                        </p:par>
+                        <p:par>
+                          <p:cTn id="19" fill="hold">
+                            <p:stCondLst>
+                              <p:cond delay="3000"/>
+                            </p:stCondLst>
+                            <p:childTnLst>
+                              <p:par>
+                                <p:cTn id="20" presetID="2" presetClass="entr" presetSubtype="8" fill="hold" nodeType="afterEffect">
+                                  <p:stCondLst>
+                                    <p:cond delay="0"/>
+                                  </p:stCondLst>
+                                  <p:childTnLst>
+                                    <p:set>
+                                      <p:cBhvr>
+                                        <p:cTn id="21" dur="1" fill="hold">
+                                          <p:stCondLst>
+                                            <p:cond delay="0"/>
+                                          </p:stCondLst>
+                                        </p:cTn>
+                                        <p:tgtEl>
+                                          <p:spTgt spid="7"/>
+                                        </p:tgtEl>
+                                        <p:attrNameLst>
+                                          <p:attrName>style.visibility</p:attrName>
+                                        </p:attrNameLst>
+                                      </p:cBhvr>
+                                      <p:to>
+                                        <p:strVal val="visible"/>
+                                      </p:to>
+                                    </p:set>
+                                    <p:anim calcmode="lin" valueType="num">
+                                      <p:cBhvr additive="base">
+                                        <p:cTn id="22" dur="1500" fill="hold"/>
+                                        <p:tgtEl>
+                                          <p:spTgt spid="7"/>
+                                        </p:tgtEl>
+                                        <p:attrNameLst>
+                                          <p:attrName>ppt_x</p:attrName>
+                                        </p:attrNameLst>
+                                      </p:cBhvr>
+                                      <p:tavLst>
+                                        <p:tav tm="0">
+                                          <p:val>
+                                            <p:strVal val="0-#ppt_w/2"/>
+                                          </p:val>
+                                        </p:tav>
+                                        <p:tav tm="100000">
+                                          <p:val>
+                                            <p:strVal val="#ppt_x"/>
+                                          </p:val>
+                                        </p:tav>
+                                      </p:tavLst>
+                                    </p:anim>
+                                    <p:anim calcmode="lin" valueType="num">
+                                      <p:cBhvr additive="base">
+                                        <p:cTn id="23" dur="1500" fill="hold"/>
+                                        <p:tgtEl>
+                                          <p:spTgt spid="7"/>
+                                        </p:tgtEl>
+                                        <p:attrNameLst>
+                                          <p:attrName>ppt_y</p:attrName>
+                                        </p:attrNameLst>
+                                      </p:cBhvr>
+                                      <p:tavLst>
+                                        <p:tav tm="0">
+                                          <p:val>
+                                            <p:strVal val="#ppt_y"/>
+                                          </p:val>
+                                        </p:tav>
+                                        <p:tav tm="100000">
+                                          <p:val>
+                                            <p:strVal val="#ppt_y"/>
+                                          </p:val>
+                                        </p:tav>
+                                      </p:tavLst>
+                                    </p:anim>
                                   </p:childTnLst>
                                 </p:cTn>
                               </p:par>
@@ -43494,6 +43734,2310 @@
           <a:chExt cx="0" cy="0"/>
         </a:xfrm>
       </p:grpSpPr>
+      <p:grpSp>
+        <p:nvGrpSpPr>
+          <p:cNvPr id="6" name="组合 5">
+            <a:extLst>
+              <a:ext uri="{FF2B5EF4-FFF2-40B4-BE49-F238E27FC236}">
+                <a16:creationId xmlns:a16="http://schemas.microsoft.com/office/drawing/2014/main" id="{8A99B1E1-A11A-66E4-3C86-D0A890CBA7AF}"/>
+              </a:ext>
+            </a:extLst>
+          </p:cNvPr>
+          <p:cNvGrpSpPr/>
+          <p:nvPr/>
+        </p:nvGrpSpPr>
+        <p:grpSpPr>
+          <a:xfrm rot="16200000">
+            <a:off x="503683" y="4388307"/>
+            <a:ext cx="10847382" cy="10847382"/>
+            <a:chOff x="8235877" y="-1994691"/>
+            <a:chExt cx="10847382" cy="10847382"/>
+          </a:xfrm>
+        </p:grpSpPr>
+        <p:sp>
+          <p:nvSpPr>
+            <p:cNvPr id="7" name="椭圆 6">
+              <a:extLst>
+                <a:ext uri="{FF2B5EF4-FFF2-40B4-BE49-F238E27FC236}">
+                  <a16:creationId xmlns:a16="http://schemas.microsoft.com/office/drawing/2014/main" id="{B66A628C-E3D6-80B2-4307-A110C4544DDC}"/>
+                </a:ext>
+              </a:extLst>
+            </p:cNvPr>
+            <p:cNvSpPr/>
+            <p:nvPr/>
+          </p:nvSpPr>
+          <p:spPr>
+            <a:xfrm>
+              <a:off x="9409953" y="-820615"/>
+              <a:ext cx="8499230" cy="8499230"/>
+            </a:xfrm>
+            <a:prstGeom prst="ellipse">
+              <a:avLst/>
+            </a:prstGeom>
+            <a:pattFill prst="lgGrid">
+              <a:fgClr>
+                <a:srgbClr val="4060E8"/>
+              </a:fgClr>
+              <a:bgClr>
+                <a:srgbClr val="3C5CE8"/>
+              </a:bgClr>
+            </a:pattFill>
+            <a:ln>
+              <a:noFill/>
+            </a:ln>
+          </p:spPr>
+          <p:style>
+            <a:lnRef idx="2">
+              <a:schemeClr val="accent1">
+                <a:shade val="50000"/>
+              </a:schemeClr>
+            </a:lnRef>
+            <a:fillRef idx="1">
+              <a:schemeClr val="accent1"/>
+            </a:fillRef>
+            <a:effectRef idx="0">
+              <a:schemeClr val="accent1"/>
+            </a:effectRef>
+            <a:fontRef idx="minor">
+              <a:schemeClr val="lt1"/>
+            </a:fontRef>
+          </p:style>
+          <p:txBody>
+            <a:bodyPr rtlCol="0" anchor="ctr"/>
+            <a:lstStyle/>
+            <a:p>
+              <a:pPr algn="ctr"/>
+              <a:endParaRPr lang="zh-CN" altLang="en-US" dirty="0">
+                <a:cs typeface="+mn-ea"/>
+                <a:sym typeface="+mn-lt"/>
+              </a:endParaRPr>
+            </a:p>
+          </p:txBody>
+        </p:sp>
+        <p:grpSp>
+          <p:nvGrpSpPr>
+            <p:cNvPr id="11" name="组合 10">
+              <a:extLst>
+                <a:ext uri="{FF2B5EF4-FFF2-40B4-BE49-F238E27FC236}">
+                  <a16:creationId xmlns:a16="http://schemas.microsoft.com/office/drawing/2014/main" id="{37E79E2B-545A-E715-3DB0-4123E509C883}"/>
+                </a:ext>
+              </a:extLst>
+            </p:cNvPr>
+            <p:cNvGrpSpPr/>
+            <p:nvPr/>
+          </p:nvGrpSpPr>
+          <p:grpSpPr>
+            <a:xfrm>
+              <a:off x="8235877" y="-1994691"/>
+              <a:ext cx="10847382" cy="10847382"/>
+              <a:chOff x="8235877" y="-1994691"/>
+              <a:chExt cx="10847382" cy="10847382"/>
+            </a:xfrm>
+          </p:grpSpPr>
+          <p:sp>
+            <p:nvSpPr>
+              <p:cNvPr id="12" name="椭圆 11">
+                <a:extLst>
+                  <a:ext uri="{FF2B5EF4-FFF2-40B4-BE49-F238E27FC236}">
+                    <a16:creationId xmlns:a16="http://schemas.microsoft.com/office/drawing/2014/main" id="{83106662-9B56-A5A9-7A96-2DA4A67AB7E7}"/>
+                  </a:ext>
+                </a:extLst>
+              </p:cNvPr>
+              <p:cNvSpPr/>
+              <p:nvPr/>
+            </p:nvSpPr>
+            <p:spPr>
+              <a:xfrm>
+                <a:off x="8235877" y="-1994691"/>
+                <a:ext cx="10847382" cy="10847382"/>
+              </a:xfrm>
+              <a:prstGeom prst="ellipse">
+                <a:avLst/>
+              </a:prstGeom>
+              <a:solidFill>
+                <a:srgbClr val="4060E8">
+                  <a:alpha val="15000"/>
+                </a:srgbClr>
+              </a:solidFill>
+              <a:ln>
+                <a:noFill/>
+              </a:ln>
+            </p:spPr>
+            <p:style>
+              <a:lnRef idx="2">
+                <a:schemeClr val="accent1">
+                  <a:shade val="50000"/>
+                </a:schemeClr>
+              </a:lnRef>
+              <a:fillRef idx="1">
+                <a:schemeClr val="accent1"/>
+              </a:fillRef>
+              <a:effectRef idx="0">
+                <a:schemeClr val="accent1"/>
+              </a:effectRef>
+              <a:fontRef idx="minor">
+                <a:schemeClr val="lt1"/>
+              </a:fontRef>
+            </p:style>
+            <p:txBody>
+              <a:bodyPr rtlCol="0" anchor="ctr"/>
+              <a:lstStyle/>
+              <a:p>
+                <a:pPr algn="ctr"/>
+                <a:endParaRPr lang="zh-CN" altLang="en-US">
+                  <a:cs typeface="+mn-ea"/>
+                  <a:sym typeface="+mn-lt"/>
+                </a:endParaRPr>
+              </a:p>
+            </p:txBody>
+          </p:sp>
+          <p:sp>
+            <p:nvSpPr>
+              <p:cNvPr id="13" name="椭圆 12">
+                <a:extLst>
+                  <a:ext uri="{FF2B5EF4-FFF2-40B4-BE49-F238E27FC236}">
+                    <a16:creationId xmlns:a16="http://schemas.microsoft.com/office/drawing/2014/main" id="{7B184B00-C284-140C-3FD8-F2D058997857}"/>
+                  </a:ext>
+                </a:extLst>
+              </p:cNvPr>
+              <p:cNvSpPr/>
+              <p:nvPr/>
+            </p:nvSpPr>
+            <p:spPr>
+              <a:xfrm>
+                <a:off x="8950408" y="-1280160"/>
+                <a:ext cx="9418320" cy="9418320"/>
+              </a:xfrm>
+              <a:prstGeom prst="ellipse">
+                <a:avLst/>
+              </a:prstGeom>
+              <a:solidFill>
+                <a:srgbClr val="4060E8">
+                  <a:alpha val="15000"/>
+                </a:srgbClr>
+              </a:solidFill>
+              <a:ln>
+                <a:noFill/>
+              </a:ln>
+            </p:spPr>
+            <p:style>
+              <a:lnRef idx="2">
+                <a:schemeClr val="accent1">
+                  <a:shade val="50000"/>
+                </a:schemeClr>
+              </a:lnRef>
+              <a:fillRef idx="1">
+                <a:schemeClr val="accent1"/>
+              </a:fillRef>
+              <a:effectRef idx="0">
+                <a:schemeClr val="accent1"/>
+              </a:effectRef>
+              <a:fontRef idx="minor">
+                <a:schemeClr val="lt1"/>
+              </a:fontRef>
+            </p:style>
+            <p:txBody>
+              <a:bodyPr rtlCol="0" anchor="ctr"/>
+              <a:lstStyle/>
+              <a:p>
+                <a:pPr algn="ctr"/>
+                <a:endParaRPr lang="zh-CN" altLang="en-US">
+                  <a:cs typeface="+mn-ea"/>
+                  <a:sym typeface="+mn-lt"/>
+                </a:endParaRPr>
+              </a:p>
+            </p:txBody>
+          </p:sp>
+          <p:sp>
+            <p:nvSpPr>
+              <p:cNvPr id="14" name="椭圆 13">
+                <a:extLst>
+                  <a:ext uri="{FF2B5EF4-FFF2-40B4-BE49-F238E27FC236}">
+                    <a16:creationId xmlns:a16="http://schemas.microsoft.com/office/drawing/2014/main" id="{83C93E27-9BC5-D66D-4AAA-9AA47AF3C44C}"/>
+                  </a:ext>
+                </a:extLst>
+              </p:cNvPr>
+              <p:cNvSpPr/>
+              <p:nvPr/>
+            </p:nvSpPr>
+            <p:spPr>
+              <a:xfrm flipH="1">
+                <a:off x="11556755" y="735323"/>
+                <a:ext cx="72000" cy="72000"/>
+              </a:xfrm>
+              <a:prstGeom prst="ellipse">
+                <a:avLst/>
+              </a:prstGeom>
+              <a:solidFill>
+                <a:schemeClr val="bg1">
+                  <a:lumMod val="95000"/>
+                </a:schemeClr>
+              </a:solidFill>
+              <a:ln>
+                <a:noFill/>
+              </a:ln>
+              <a:scene3d>
+                <a:camera prst="orthographicFront">
+                  <a:rot lat="0" lon="0" rev="0"/>
+                </a:camera>
+                <a:lightRig rig="threePt" dir="t"/>
+              </a:scene3d>
+            </p:spPr>
+            <p:style>
+              <a:lnRef idx="2">
+                <a:schemeClr val="accent1">
+                  <a:shade val="50000"/>
+                </a:schemeClr>
+              </a:lnRef>
+              <a:fillRef idx="1">
+                <a:schemeClr val="accent1"/>
+              </a:fillRef>
+              <a:effectRef idx="0">
+                <a:schemeClr val="accent1"/>
+              </a:effectRef>
+              <a:fontRef idx="minor">
+                <a:schemeClr val="lt1"/>
+              </a:fontRef>
+            </p:style>
+            <p:txBody>
+              <a:bodyPr rtlCol="0" anchor="ctr"/>
+              <a:lstStyle/>
+              <a:p>
+                <a:pPr marL="0" marR="0" lvl="0" indent="0" algn="ctr" defTabSz="914400" rtl="0" eaLnBrk="1" fontAlgn="auto" latinLnBrk="0" hangingPunct="1">
+                  <a:lnSpc>
+                    <a:spcPct val="100000"/>
+                  </a:lnSpc>
+                  <a:spcBef>
+                    <a:spcPts val="0"/>
+                  </a:spcBef>
+                  <a:spcAft>
+                    <a:spcPts val="0"/>
+                  </a:spcAft>
+                  <a:buClrTx/>
+                  <a:buSzTx/>
+                  <a:buFontTx/>
+                  <a:buNone/>
+                  <a:defRPr/>
+                </a:pPr>
+                <a:endParaRPr kumimoji="0" lang="zh-CN" altLang="en-US" sz="1800" b="0" i="0" u="none" strike="noStrike" kern="1200" cap="none" spc="0" normalizeH="0" baseline="0" noProof="0">
+                  <a:ln>
+                    <a:noFill/>
+                  </a:ln>
+                  <a:solidFill>
+                    <a:prstClr val="white"/>
+                  </a:solidFill>
+                  <a:effectLst/>
+                  <a:uLnTx/>
+                  <a:uFillTx/>
+                  <a:cs typeface="+mn-ea"/>
+                  <a:sym typeface="+mn-lt"/>
+                </a:endParaRPr>
+              </a:p>
+            </p:txBody>
+          </p:sp>
+          <p:sp>
+            <p:nvSpPr>
+              <p:cNvPr id="15" name="椭圆 14">
+                <a:extLst>
+                  <a:ext uri="{FF2B5EF4-FFF2-40B4-BE49-F238E27FC236}">
+                    <a16:creationId xmlns:a16="http://schemas.microsoft.com/office/drawing/2014/main" id="{2524A7A0-DCBB-A7D7-6D4A-CD9EEC0224B1}"/>
+                  </a:ext>
+                </a:extLst>
+              </p:cNvPr>
+              <p:cNvSpPr/>
+              <p:nvPr/>
+            </p:nvSpPr>
+            <p:spPr>
+              <a:xfrm flipH="1">
+                <a:off x="11404355" y="735323"/>
+                <a:ext cx="72000" cy="72000"/>
+              </a:xfrm>
+              <a:prstGeom prst="ellipse">
+                <a:avLst/>
+              </a:prstGeom>
+              <a:solidFill>
+                <a:schemeClr val="bg1">
+                  <a:lumMod val="95000"/>
+                </a:schemeClr>
+              </a:solidFill>
+              <a:ln>
+                <a:noFill/>
+              </a:ln>
+              <a:scene3d>
+                <a:camera prst="orthographicFront">
+                  <a:rot lat="0" lon="0" rev="0"/>
+                </a:camera>
+                <a:lightRig rig="threePt" dir="t"/>
+              </a:scene3d>
+            </p:spPr>
+            <p:style>
+              <a:lnRef idx="2">
+                <a:schemeClr val="accent1">
+                  <a:shade val="50000"/>
+                </a:schemeClr>
+              </a:lnRef>
+              <a:fillRef idx="1">
+                <a:schemeClr val="accent1"/>
+              </a:fillRef>
+              <a:effectRef idx="0">
+                <a:schemeClr val="accent1"/>
+              </a:effectRef>
+              <a:fontRef idx="minor">
+                <a:schemeClr val="lt1"/>
+              </a:fontRef>
+            </p:style>
+            <p:txBody>
+              <a:bodyPr rtlCol="0" anchor="ctr"/>
+              <a:lstStyle/>
+              <a:p>
+                <a:pPr marL="0" marR="0" lvl="0" indent="0" algn="ctr" defTabSz="914400" rtl="0" eaLnBrk="1" fontAlgn="auto" latinLnBrk="0" hangingPunct="1">
+                  <a:lnSpc>
+                    <a:spcPct val="100000"/>
+                  </a:lnSpc>
+                  <a:spcBef>
+                    <a:spcPts val="0"/>
+                  </a:spcBef>
+                  <a:spcAft>
+                    <a:spcPts val="0"/>
+                  </a:spcAft>
+                  <a:buClrTx/>
+                  <a:buSzTx/>
+                  <a:buFontTx/>
+                  <a:buNone/>
+                  <a:defRPr/>
+                </a:pPr>
+                <a:endParaRPr kumimoji="0" lang="zh-CN" altLang="en-US" sz="1800" b="0" i="0" u="none" strike="noStrike" kern="1200" cap="none" spc="0" normalizeH="0" baseline="0" noProof="0">
+                  <a:ln>
+                    <a:noFill/>
+                  </a:ln>
+                  <a:solidFill>
+                    <a:prstClr val="white"/>
+                  </a:solidFill>
+                  <a:effectLst/>
+                  <a:uLnTx/>
+                  <a:uFillTx/>
+                  <a:cs typeface="+mn-ea"/>
+                  <a:sym typeface="+mn-lt"/>
+                </a:endParaRPr>
+              </a:p>
+            </p:txBody>
+          </p:sp>
+          <p:sp>
+            <p:nvSpPr>
+              <p:cNvPr id="16" name="椭圆 15">
+                <a:extLst>
+                  <a:ext uri="{FF2B5EF4-FFF2-40B4-BE49-F238E27FC236}">
+                    <a16:creationId xmlns:a16="http://schemas.microsoft.com/office/drawing/2014/main" id="{818661EA-D552-799A-60FB-067B36539AB1}"/>
+                  </a:ext>
+                </a:extLst>
+              </p:cNvPr>
+              <p:cNvSpPr/>
+              <p:nvPr/>
+            </p:nvSpPr>
+            <p:spPr>
+              <a:xfrm flipH="1">
+                <a:off x="11251955" y="735323"/>
+                <a:ext cx="72000" cy="72000"/>
+              </a:xfrm>
+              <a:prstGeom prst="ellipse">
+                <a:avLst/>
+              </a:prstGeom>
+              <a:solidFill>
+                <a:schemeClr val="bg1">
+                  <a:lumMod val="95000"/>
+                </a:schemeClr>
+              </a:solidFill>
+              <a:ln>
+                <a:noFill/>
+              </a:ln>
+              <a:scene3d>
+                <a:camera prst="orthographicFront">
+                  <a:rot lat="0" lon="0" rev="0"/>
+                </a:camera>
+                <a:lightRig rig="threePt" dir="t"/>
+              </a:scene3d>
+            </p:spPr>
+            <p:style>
+              <a:lnRef idx="2">
+                <a:schemeClr val="accent1">
+                  <a:shade val="50000"/>
+                </a:schemeClr>
+              </a:lnRef>
+              <a:fillRef idx="1">
+                <a:schemeClr val="accent1"/>
+              </a:fillRef>
+              <a:effectRef idx="0">
+                <a:schemeClr val="accent1"/>
+              </a:effectRef>
+              <a:fontRef idx="minor">
+                <a:schemeClr val="lt1"/>
+              </a:fontRef>
+            </p:style>
+            <p:txBody>
+              <a:bodyPr rtlCol="0" anchor="ctr"/>
+              <a:lstStyle/>
+              <a:p>
+                <a:pPr marL="0" marR="0" lvl="0" indent="0" algn="ctr" defTabSz="914400" rtl="0" eaLnBrk="1" fontAlgn="auto" latinLnBrk="0" hangingPunct="1">
+                  <a:lnSpc>
+                    <a:spcPct val="100000"/>
+                  </a:lnSpc>
+                  <a:spcBef>
+                    <a:spcPts val="0"/>
+                  </a:spcBef>
+                  <a:spcAft>
+                    <a:spcPts val="0"/>
+                  </a:spcAft>
+                  <a:buClrTx/>
+                  <a:buSzTx/>
+                  <a:buFontTx/>
+                  <a:buNone/>
+                  <a:defRPr/>
+                </a:pPr>
+                <a:endParaRPr kumimoji="0" lang="zh-CN" altLang="en-US" sz="1800" b="0" i="0" u="none" strike="noStrike" kern="1200" cap="none" spc="0" normalizeH="0" baseline="0" noProof="0">
+                  <a:ln>
+                    <a:noFill/>
+                  </a:ln>
+                  <a:solidFill>
+                    <a:prstClr val="white"/>
+                  </a:solidFill>
+                  <a:effectLst/>
+                  <a:uLnTx/>
+                  <a:uFillTx/>
+                  <a:cs typeface="+mn-ea"/>
+                  <a:sym typeface="+mn-lt"/>
+                </a:endParaRPr>
+              </a:p>
+            </p:txBody>
+          </p:sp>
+          <p:sp>
+            <p:nvSpPr>
+              <p:cNvPr id="17" name="椭圆 16">
+                <a:extLst>
+                  <a:ext uri="{FF2B5EF4-FFF2-40B4-BE49-F238E27FC236}">
+                    <a16:creationId xmlns:a16="http://schemas.microsoft.com/office/drawing/2014/main" id="{77625BF1-CE11-F72F-CFCF-5809FEDA9C87}"/>
+                  </a:ext>
+                </a:extLst>
+              </p:cNvPr>
+              <p:cNvSpPr/>
+              <p:nvPr/>
+            </p:nvSpPr>
+            <p:spPr>
+              <a:xfrm flipH="1">
+                <a:off x="11099555" y="735323"/>
+                <a:ext cx="72000" cy="72000"/>
+              </a:xfrm>
+              <a:prstGeom prst="ellipse">
+                <a:avLst/>
+              </a:prstGeom>
+              <a:solidFill>
+                <a:schemeClr val="bg1">
+                  <a:lumMod val="95000"/>
+                </a:schemeClr>
+              </a:solidFill>
+              <a:ln>
+                <a:noFill/>
+              </a:ln>
+              <a:scene3d>
+                <a:camera prst="orthographicFront">
+                  <a:rot lat="0" lon="0" rev="0"/>
+                </a:camera>
+                <a:lightRig rig="threePt" dir="t"/>
+              </a:scene3d>
+            </p:spPr>
+            <p:style>
+              <a:lnRef idx="2">
+                <a:schemeClr val="accent1">
+                  <a:shade val="50000"/>
+                </a:schemeClr>
+              </a:lnRef>
+              <a:fillRef idx="1">
+                <a:schemeClr val="accent1"/>
+              </a:fillRef>
+              <a:effectRef idx="0">
+                <a:schemeClr val="accent1"/>
+              </a:effectRef>
+              <a:fontRef idx="minor">
+                <a:schemeClr val="lt1"/>
+              </a:fontRef>
+            </p:style>
+            <p:txBody>
+              <a:bodyPr rtlCol="0" anchor="ctr"/>
+              <a:lstStyle/>
+              <a:p>
+                <a:pPr marL="0" marR="0" lvl="0" indent="0" algn="ctr" defTabSz="914400" rtl="0" eaLnBrk="1" fontAlgn="auto" latinLnBrk="0" hangingPunct="1">
+                  <a:lnSpc>
+                    <a:spcPct val="100000"/>
+                  </a:lnSpc>
+                  <a:spcBef>
+                    <a:spcPts val="0"/>
+                  </a:spcBef>
+                  <a:spcAft>
+                    <a:spcPts val="0"/>
+                  </a:spcAft>
+                  <a:buClrTx/>
+                  <a:buSzTx/>
+                  <a:buFontTx/>
+                  <a:buNone/>
+                  <a:defRPr/>
+                </a:pPr>
+                <a:endParaRPr kumimoji="0" lang="zh-CN" altLang="en-US" sz="1800" b="0" i="0" u="none" strike="noStrike" kern="1200" cap="none" spc="0" normalizeH="0" baseline="0" noProof="0">
+                  <a:ln>
+                    <a:noFill/>
+                  </a:ln>
+                  <a:solidFill>
+                    <a:prstClr val="white"/>
+                  </a:solidFill>
+                  <a:effectLst/>
+                  <a:uLnTx/>
+                  <a:uFillTx/>
+                  <a:cs typeface="+mn-ea"/>
+                  <a:sym typeface="+mn-lt"/>
+                </a:endParaRPr>
+              </a:p>
+            </p:txBody>
+          </p:sp>
+          <p:sp>
+            <p:nvSpPr>
+              <p:cNvPr id="18" name="椭圆 17">
+                <a:extLst>
+                  <a:ext uri="{FF2B5EF4-FFF2-40B4-BE49-F238E27FC236}">
+                    <a16:creationId xmlns:a16="http://schemas.microsoft.com/office/drawing/2014/main" id="{B2261E1C-64CE-3CBD-6F04-90AF158C3C30}"/>
+                  </a:ext>
+                </a:extLst>
+              </p:cNvPr>
+              <p:cNvSpPr/>
+              <p:nvPr/>
+            </p:nvSpPr>
+            <p:spPr>
+              <a:xfrm flipH="1">
+                <a:off x="10947155" y="735323"/>
+                <a:ext cx="72000" cy="72000"/>
+              </a:xfrm>
+              <a:prstGeom prst="ellipse">
+                <a:avLst/>
+              </a:prstGeom>
+              <a:solidFill>
+                <a:schemeClr val="bg1">
+                  <a:lumMod val="95000"/>
+                </a:schemeClr>
+              </a:solidFill>
+              <a:ln>
+                <a:noFill/>
+              </a:ln>
+              <a:scene3d>
+                <a:camera prst="orthographicFront">
+                  <a:rot lat="0" lon="0" rev="0"/>
+                </a:camera>
+                <a:lightRig rig="threePt" dir="t"/>
+              </a:scene3d>
+            </p:spPr>
+            <p:style>
+              <a:lnRef idx="2">
+                <a:schemeClr val="accent1">
+                  <a:shade val="50000"/>
+                </a:schemeClr>
+              </a:lnRef>
+              <a:fillRef idx="1">
+                <a:schemeClr val="accent1"/>
+              </a:fillRef>
+              <a:effectRef idx="0">
+                <a:schemeClr val="accent1"/>
+              </a:effectRef>
+              <a:fontRef idx="minor">
+                <a:schemeClr val="lt1"/>
+              </a:fontRef>
+            </p:style>
+            <p:txBody>
+              <a:bodyPr rtlCol="0" anchor="ctr"/>
+              <a:lstStyle/>
+              <a:p>
+                <a:pPr marL="0" marR="0" lvl="0" indent="0" algn="ctr" defTabSz="914400" rtl="0" eaLnBrk="1" fontAlgn="auto" latinLnBrk="0" hangingPunct="1">
+                  <a:lnSpc>
+                    <a:spcPct val="100000"/>
+                  </a:lnSpc>
+                  <a:spcBef>
+                    <a:spcPts val="0"/>
+                  </a:spcBef>
+                  <a:spcAft>
+                    <a:spcPts val="0"/>
+                  </a:spcAft>
+                  <a:buClrTx/>
+                  <a:buSzTx/>
+                  <a:buFontTx/>
+                  <a:buNone/>
+                  <a:defRPr/>
+                </a:pPr>
+                <a:endParaRPr kumimoji="0" lang="zh-CN" altLang="en-US" sz="1800" b="0" i="0" u="none" strike="noStrike" kern="1200" cap="none" spc="0" normalizeH="0" baseline="0" noProof="0">
+                  <a:ln>
+                    <a:noFill/>
+                  </a:ln>
+                  <a:solidFill>
+                    <a:prstClr val="white"/>
+                  </a:solidFill>
+                  <a:effectLst/>
+                  <a:uLnTx/>
+                  <a:uFillTx/>
+                  <a:cs typeface="+mn-ea"/>
+                  <a:sym typeface="+mn-lt"/>
+                </a:endParaRPr>
+              </a:p>
+            </p:txBody>
+          </p:sp>
+          <p:sp>
+            <p:nvSpPr>
+              <p:cNvPr id="19" name="椭圆 18">
+                <a:extLst>
+                  <a:ext uri="{FF2B5EF4-FFF2-40B4-BE49-F238E27FC236}">
+                    <a16:creationId xmlns:a16="http://schemas.microsoft.com/office/drawing/2014/main" id="{B929337F-EFBE-30BC-5BE3-1C6E01ACCB18}"/>
+                  </a:ext>
+                </a:extLst>
+              </p:cNvPr>
+              <p:cNvSpPr/>
+              <p:nvPr/>
+            </p:nvSpPr>
+            <p:spPr>
+              <a:xfrm flipH="1">
+                <a:off x="10794755" y="735323"/>
+                <a:ext cx="72000" cy="72000"/>
+              </a:xfrm>
+              <a:prstGeom prst="ellipse">
+                <a:avLst/>
+              </a:prstGeom>
+              <a:solidFill>
+                <a:schemeClr val="bg1">
+                  <a:lumMod val="95000"/>
+                </a:schemeClr>
+              </a:solidFill>
+              <a:ln>
+                <a:noFill/>
+              </a:ln>
+              <a:scene3d>
+                <a:camera prst="orthographicFront">
+                  <a:rot lat="0" lon="0" rev="0"/>
+                </a:camera>
+                <a:lightRig rig="threePt" dir="t"/>
+              </a:scene3d>
+            </p:spPr>
+            <p:style>
+              <a:lnRef idx="2">
+                <a:schemeClr val="accent1">
+                  <a:shade val="50000"/>
+                </a:schemeClr>
+              </a:lnRef>
+              <a:fillRef idx="1">
+                <a:schemeClr val="accent1"/>
+              </a:fillRef>
+              <a:effectRef idx="0">
+                <a:schemeClr val="accent1"/>
+              </a:effectRef>
+              <a:fontRef idx="minor">
+                <a:schemeClr val="lt1"/>
+              </a:fontRef>
+            </p:style>
+            <p:txBody>
+              <a:bodyPr rtlCol="0" anchor="ctr"/>
+              <a:lstStyle/>
+              <a:p>
+                <a:pPr marL="0" marR="0" lvl="0" indent="0" algn="ctr" defTabSz="914400" rtl="0" eaLnBrk="1" fontAlgn="auto" latinLnBrk="0" hangingPunct="1">
+                  <a:lnSpc>
+                    <a:spcPct val="100000"/>
+                  </a:lnSpc>
+                  <a:spcBef>
+                    <a:spcPts val="0"/>
+                  </a:spcBef>
+                  <a:spcAft>
+                    <a:spcPts val="0"/>
+                  </a:spcAft>
+                  <a:buClrTx/>
+                  <a:buSzTx/>
+                  <a:buFontTx/>
+                  <a:buNone/>
+                  <a:defRPr/>
+                </a:pPr>
+                <a:endParaRPr kumimoji="0" lang="zh-CN" altLang="en-US" sz="1800" b="0" i="0" u="none" strike="noStrike" kern="1200" cap="none" spc="0" normalizeH="0" baseline="0" noProof="0">
+                  <a:ln>
+                    <a:noFill/>
+                  </a:ln>
+                  <a:solidFill>
+                    <a:prstClr val="white"/>
+                  </a:solidFill>
+                  <a:effectLst/>
+                  <a:uLnTx/>
+                  <a:uFillTx/>
+                  <a:cs typeface="+mn-ea"/>
+                  <a:sym typeface="+mn-lt"/>
+                </a:endParaRPr>
+              </a:p>
+            </p:txBody>
+          </p:sp>
+          <p:sp>
+            <p:nvSpPr>
+              <p:cNvPr id="20" name="椭圆 19">
+                <a:extLst>
+                  <a:ext uri="{FF2B5EF4-FFF2-40B4-BE49-F238E27FC236}">
+                    <a16:creationId xmlns:a16="http://schemas.microsoft.com/office/drawing/2014/main" id="{CAED2F70-A091-ACAA-F47D-D168F2F2BC71}"/>
+                  </a:ext>
+                </a:extLst>
+              </p:cNvPr>
+              <p:cNvSpPr/>
+              <p:nvPr/>
+            </p:nvSpPr>
+            <p:spPr>
+              <a:xfrm flipH="1">
+                <a:off x="11556755" y="910302"/>
+                <a:ext cx="72000" cy="72000"/>
+              </a:xfrm>
+              <a:prstGeom prst="ellipse">
+                <a:avLst/>
+              </a:prstGeom>
+              <a:solidFill>
+                <a:schemeClr val="bg1">
+                  <a:lumMod val="95000"/>
+                </a:schemeClr>
+              </a:solidFill>
+              <a:ln>
+                <a:noFill/>
+              </a:ln>
+              <a:scene3d>
+                <a:camera prst="orthographicFront">
+                  <a:rot lat="0" lon="0" rev="0"/>
+                </a:camera>
+                <a:lightRig rig="threePt" dir="t"/>
+              </a:scene3d>
+            </p:spPr>
+            <p:style>
+              <a:lnRef idx="2">
+                <a:schemeClr val="accent1">
+                  <a:shade val="50000"/>
+                </a:schemeClr>
+              </a:lnRef>
+              <a:fillRef idx="1">
+                <a:schemeClr val="accent1"/>
+              </a:fillRef>
+              <a:effectRef idx="0">
+                <a:schemeClr val="accent1"/>
+              </a:effectRef>
+              <a:fontRef idx="minor">
+                <a:schemeClr val="lt1"/>
+              </a:fontRef>
+            </p:style>
+            <p:txBody>
+              <a:bodyPr rtlCol="0" anchor="ctr"/>
+              <a:lstStyle/>
+              <a:p>
+                <a:pPr marL="0" marR="0" lvl="0" indent="0" algn="ctr" defTabSz="914400" rtl="0" eaLnBrk="1" fontAlgn="auto" latinLnBrk="0" hangingPunct="1">
+                  <a:lnSpc>
+                    <a:spcPct val="100000"/>
+                  </a:lnSpc>
+                  <a:spcBef>
+                    <a:spcPts val="0"/>
+                  </a:spcBef>
+                  <a:spcAft>
+                    <a:spcPts val="0"/>
+                  </a:spcAft>
+                  <a:buClrTx/>
+                  <a:buSzTx/>
+                  <a:buFontTx/>
+                  <a:buNone/>
+                  <a:defRPr/>
+                </a:pPr>
+                <a:endParaRPr kumimoji="0" lang="zh-CN" altLang="en-US" sz="1800" b="0" i="0" u="none" strike="noStrike" kern="1200" cap="none" spc="0" normalizeH="0" baseline="0" noProof="0">
+                  <a:ln>
+                    <a:noFill/>
+                  </a:ln>
+                  <a:solidFill>
+                    <a:prstClr val="white"/>
+                  </a:solidFill>
+                  <a:effectLst/>
+                  <a:uLnTx/>
+                  <a:uFillTx/>
+                  <a:cs typeface="+mn-ea"/>
+                  <a:sym typeface="+mn-lt"/>
+                </a:endParaRPr>
+              </a:p>
+            </p:txBody>
+          </p:sp>
+          <p:sp>
+            <p:nvSpPr>
+              <p:cNvPr id="21" name="椭圆 20">
+                <a:extLst>
+                  <a:ext uri="{FF2B5EF4-FFF2-40B4-BE49-F238E27FC236}">
+                    <a16:creationId xmlns:a16="http://schemas.microsoft.com/office/drawing/2014/main" id="{9CC429A2-55CB-1061-9FDE-EA1EBB190F1F}"/>
+                  </a:ext>
+                </a:extLst>
+              </p:cNvPr>
+              <p:cNvSpPr/>
+              <p:nvPr/>
+            </p:nvSpPr>
+            <p:spPr>
+              <a:xfrm flipH="1">
+                <a:off x="11404355" y="910302"/>
+                <a:ext cx="72000" cy="72000"/>
+              </a:xfrm>
+              <a:prstGeom prst="ellipse">
+                <a:avLst/>
+              </a:prstGeom>
+              <a:solidFill>
+                <a:schemeClr val="bg1">
+                  <a:lumMod val="95000"/>
+                </a:schemeClr>
+              </a:solidFill>
+              <a:ln>
+                <a:noFill/>
+              </a:ln>
+              <a:scene3d>
+                <a:camera prst="orthographicFront">
+                  <a:rot lat="0" lon="0" rev="0"/>
+                </a:camera>
+                <a:lightRig rig="threePt" dir="t"/>
+              </a:scene3d>
+            </p:spPr>
+            <p:style>
+              <a:lnRef idx="2">
+                <a:schemeClr val="accent1">
+                  <a:shade val="50000"/>
+                </a:schemeClr>
+              </a:lnRef>
+              <a:fillRef idx="1">
+                <a:schemeClr val="accent1"/>
+              </a:fillRef>
+              <a:effectRef idx="0">
+                <a:schemeClr val="accent1"/>
+              </a:effectRef>
+              <a:fontRef idx="minor">
+                <a:schemeClr val="lt1"/>
+              </a:fontRef>
+            </p:style>
+            <p:txBody>
+              <a:bodyPr rtlCol="0" anchor="ctr"/>
+              <a:lstStyle/>
+              <a:p>
+                <a:pPr marL="0" marR="0" lvl="0" indent="0" algn="ctr" defTabSz="914400" rtl="0" eaLnBrk="1" fontAlgn="auto" latinLnBrk="0" hangingPunct="1">
+                  <a:lnSpc>
+                    <a:spcPct val="100000"/>
+                  </a:lnSpc>
+                  <a:spcBef>
+                    <a:spcPts val="0"/>
+                  </a:spcBef>
+                  <a:spcAft>
+                    <a:spcPts val="0"/>
+                  </a:spcAft>
+                  <a:buClrTx/>
+                  <a:buSzTx/>
+                  <a:buFontTx/>
+                  <a:buNone/>
+                  <a:defRPr/>
+                </a:pPr>
+                <a:endParaRPr kumimoji="0" lang="zh-CN" altLang="en-US" sz="1800" b="0" i="0" u="none" strike="noStrike" kern="1200" cap="none" spc="0" normalizeH="0" baseline="0" noProof="0">
+                  <a:ln>
+                    <a:noFill/>
+                  </a:ln>
+                  <a:solidFill>
+                    <a:prstClr val="white"/>
+                  </a:solidFill>
+                  <a:effectLst/>
+                  <a:uLnTx/>
+                  <a:uFillTx/>
+                  <a:cs typeface="+mn-ea"/>
+                  <a:sym typeface="+mn-lt"/>
+                </a:endParaRPr>
+              </a:p>
+            </p:txBody>
+          </p:sp>
+          <p:sp>
+            <p:nvSpPr>
+              <p:cNvPr id="22" name="椭圆 21">
+                <a:extLst>
+                  <a:ext uri="{FF2B5EF4-FFF2-40B4-BE49-F238E27FC236}">
+                    <a16:creationId xmlns:a16="http://schemas.microsoft.com/office/drawing/2014/main" id="{06765D3F-8FB0-99ED-DBB7-EB17535BDA08}"/>
+                  </a:ext>
+                </a:extLst>
+              </p:cNvPr>
+              <p:cNvSpPr/>
+              <p:nvPr/>
+            </p:nvSpPr>
+            <p:spPr>
+              <a:xfrm flipH="1">
+                <a:off x="11251955" y="910302"/>
+                <a:ext cx="72000" cy="72000"/>
+              </a:xfrm>
+              <a:prstGeom prst="ellipse">
+                <a:avLst/>
+              </a:prstGeom>
+              <a:solidFill>
+                <a:schemeClr val="bg1">
+                  <a:lumMod val="95000"/>
+                </a:schemeClr>
+              </a:solidFill>
+              <a:ln>
+                <a:noFill/>
+              </a:ln>
+              <a:scene3d>
+                <a:camera prst="orthographicFront">
+                  <a:rot lat="0" lon="0" rev="0"/>
+                </a:camera>
+                <a:lightRig rig="threePt" dir="t"/>
+              </a:scene3d>
+            </p:spPr>
+            <p:style>
+              <a:lnRef idx="2">
+                <a:schemeClr val="accent1">
+                  <a:shade val="50000"/>
+                </a:schemeClr>
+              </a:lnRef>
+              <a:fillRef idx="1">
+                <a:schemeClr val="accent1"/>
+              </a:fillRef>
+              <a:effectRef idx="0">
+                <a:schemeClr val="accent1"/>
+              </a:effectRef>
+              <a:fontRef idx="minor">
+                <a:schemeClr val="lt1"/>
+              </a:fontRef>
+            </p:style>
+            <p:txBody>
+              <a:bodyPr rtlCol="0" anchor="ctr"/>
+              <a:lstStyle/>
+              <a:p>
+                <a:pPr marL="0" marR="0" lvl="0" indent="0" algn="ctr" defTabSz="914400" rtl="0" eaLnBrk="1" fontAlgn="auto" latinLnBrk="0" hangingPunct="1">
+                  <a:lnSpc>
+                    <a:spcPct val="100000"/>
+                  </a:lnSpc>
+                  <a:spcBef>
+                    <a:spcPts val="0"/>
+                  </a:spcBef>
+                  <a:spcAft>
+                    <a:spcPts val="0"/>
+                  </a:spcAft>
+                  <a:buClrTx/>
+                  <a:buSzTx/>
+                  <a:buFontTx/>
+                  <a:buNone/>
+                  <a:defRPr/>
+                </a:pPr>
+                <a:endParaRPr kumimoji="0" lang="zh-CN" altLang="en-US" sz="1800" b="0" i="0" u="none" strike="noStrike" kern="1200" cap="none" spc="0" normalizeH="0" baseline="0" noProof="0">
+                  <a:ln>
+                    <a:noFill/>
+                  </a:ln>
+                  <a:solidFill>
+                    <a:prstClr val="white"/>
+                  </a:solidFill>
+                  <a:effectLst/>
+                  <a:uLnTx/>
+                  <a:uFillTx/>
+                  <a:cs typeface="+mn-ea"/>
+                  <a:sym typeface="+mn-lt"/>
+                </a:endParaRPr>
+              </a:p>
+            </p:txBody>
+          </p:sp>
+          <p:sp>
+            <p:nvSpPr>
+              <p:cNvPr id="23" name="椭圆 22">
+                <a:extLst>
+                  <a:ext uri="{FF2B5EF4-FFF2-40B4-BE49-F238E27FC236}">
+                    <a16:creationId xmlns:a16="http://schemas.microsoft.com/office/drawing/2014/main" id="{DE0048F1-20CE-69D0-06E9-36394DDAA5C9}"/>
+                  </a:ext>
+                </a:extLst>
+              </p:cNvPr>
+              <p:cNvSpPr/>
+              <p:nvPr/>
+            </p:nvSpPr>
+            <p:spPr>
+              <a:xfrm flipH="1">
+                <a:off x="11099555" y="910302"/>
+                <a:ext cx="72000" cy="72000"/>
+              </a:xfrm>
+              <a:prstGeom prst="ellipse">
+                <a:avLst/>
+              </a:prstGeom>
+              <a:solidFill>
+                <a:schemeClr val="bg1">
+                  <a:lumMod val="95000"/>
+                </a:schemeClr>
+              </a:solidFill>
+              <a:ln>
+                <a:noFill/>
+              </a:ln>
+              <a:scene3d>
+                <a:camera prst="orthographicFront">
+                  <a:rot lat="0" lon="0" rev="0"/>
+                </a:camera>
+                <a:lightRig rig="threePt" dir="t"/>
+              </a:scene3d>
+            </p:spPr>
+            <p:style>
+              <a:lnRef idx="2">
+                <a:schemeClr val="accent1">
+                  <a:shade val="50000"/>
+                </a:schemeClr>
+              </a:lnRef>
+              <a:fillRef idx="1">
+                <a:schemeClr val="accent1"/>
+              </a:fillRef>
+              <a:effectRef idx="0">
+                <a:schemeClr val="accent1"/>
+              </a:effectRef>
+              <a:fontRef idx="minor">
+                <a:schemeClr val="lt1"/>
+              </a:fontRef>
+            </p:style>
+            <p:txBody>
+              <a:bodyPr rtlCol="0" anchor="ctr"/>
+              <a:lstStyle/>
+              <a:p>
+                <a:pPr marL="0" marR="0" lvl="0" indent="0" algn="ctr" defTabSz="914400" rtl="0" eaLnBrk="1" fontAlgn="auto" latinLnBrk="0" hangingPunct="1">
+                  <a:lnSpc>
+                    <a:spcPct val="100000"/>
+                  </a:lnSpc>
+                  <a:spcBef>
+                    <a:spcPts val="0"/>
+                  </a:spcBef>
+                  <a:spcAft>
+                    <a:spcPts val="0"/>
+                  </a:spcAft>
+                  <a:buClrTx/>
+                  <a:buSzTx/>
+                  <a:buFontTx/>
+                  <a:buNone/>
+                  <a:defRPr/>
+                </a:pPr>
+                <a:endParaRPr kumimoji="0" lang="zh-CN" altLang="en-US" sz="1800" b="0" i="0" u="none" strike="noStrike" kern="1200" cap="none" spc="0" normalizeH="0" baseline="0" noProof="0">
+                  <a:ln>
+                    <a:noFill/>
+                  </a:ln>
+                  <a:solidFill>
+                    <a:prstClr val="white"/>
+                  </a:solidFill>
+                  <a:effectLst/>
+                  <a:uLnTx/>
+                  <a:uFillTx/>
+                  <a:cs typeface="+mn-ea"/>
+                  <a:sym typeface="+mn-lt"/>
+                </a:endParaRPr>
+              </a:p>
+            </p:txBody>
+          </p:sp>
+          <p:sp>
+            <p:nvSpPr>
+              <p:cNvPr id="24" name="椭圆 23">
+                <a:extLst>
+                  <a:ext uri="{FF2B5EF4-FFF2-40B4-BE49-F238E27FC236}">
+                    <a16:creationId xmlns:a16="http://schemas.microsoft.com/office/drawing/2014/main" id="{DC24494D-95DD-4A69-DDEB-0B0465D357FA}"/>
+                  </a:ext>
+                </a:extLst>
+              </p:cNvPr>
+              <p:cNvSpPr/>
+              <p:nvPr/>
+            </p:nvSpPr>
+            <p:spPr>
+              <a:xfrm flipH="1">
+                <a:off x="10947155" y="910302"/>
+                <a:ext cx="72000" cy="72000"/>
+              </a:xfrm>
+              <a:prstGeom prst="ellipse">
+                <a:avLst/>
+              </a:prstGeom>
+              <a:solidFill>
+                <a:schemeClr val="bg1">
+                  <a:lumMod val="95000"/>
+                </a:schemeClr>
+              </a:solidFill>
+              <a:ln>
+                <a:noFill/>
+              </a:ln>
+              <a:scene3d>
+                <a:camera prst="orthographicFront">
+                  <a:rot lat="0" lon="0" rev="0"/>
+                </a:camera>
+                <a:lightRig rig="threePt" dir="t"/>
+              </a:scene3d>
+            </p:spPr>
+            <p:style>
+              <a:lnRef idx="2">
+                <a:schemeClr val="accent1">
+                  <a:shade val="50000"/>
+                </a:schemeClr>
+              </a:lnRef>
+              <a:fillRef idx="1">
+                <a:schemeClr val="accent1"/>
+              </a:fillRef>
+              <a:effectRef idx="0">
+                <a:schemeClr val="accent1"/>
+              </a:effectRef>
+              <a:fontRef idx="minor">
+                <a:schemeClr val="lt1"/>
+              </a:fontRef>
+            </p:style>
+            <p:txBody>
+              <a:bodyPr rtlCol="0" anchor="ctr"/>
+              <a:lstStyle/>
+              <a:p>
+                <a:pPr marL="0" marR="0" lvl="0" indent="0" algn="ctr" defTabSz="914400" rtl="0" eaLnBrk="1" fontAlgn="auto" latinLnBrk="0" hangingPunct="1">
+                  <a:lnSpc>
+                    <a:spcPct val="100000"/>
+                  </a:lnSpc>
+                  <a:spcBef>
+                    <a:spcPts val="0"/>
+                  </a:spcBef>
+                  <a:spcAft>
+                    <a:spcPts val="0"/>
+                  </a:spcAft>
+                  <a:buClrTx/>
+                  <a:buSzTx/>
+                  <a:buFontTx/>
+                  <a:buNone/>
+                  <a:defRPr/>
+                </a:pPr>
+                <a:endParaRPr kumimoji="0" lang="zh-CN" altLang="en-US" sz="1800" b="0" i="0" u="none" strike="noStrike" kern="1200" cap="none" spc="0" normalizeH="0" baseline="0" noProof="0">
+                  <a:ln>
+                    <a:noFill/>
+                  </a:ln>
+                  <a:solidFill>
+                    <a:prstClr val="white"/>
+                  </a:solidFill>
+                  <a:effectLst/>
+                  <a:uLnTx/>
+                  <a:uFillTx/>
+                  <a:cs typeface="+mn-ea"/>
+                  <a:sym typeface="+mn-lt"/>
+                </a:endParaRPr>
+              </a:p>
+            </p:txBody>
+          </p:sp>
+          <p:sp>
+            <p:nvSpPr>
+              <p:cNvPr id="25" name="椭圆 24">
+                <a:extLst>
+                  <a:ext uri="{FF2B5EF4-FFF2-40B4-BE49-F238E27FC236}">
+                    <a16:creationId xmlns:a16="http://schemas.microsoft.com/office/drawing/2014/main" id="{C83ECD3D-C9EC-7638-AD5F-C8BAD268D823}"/>
+                  </a:ext>
+                </a:extLst>
+              </p:cNvPr>
+              <p:cNvSpPr/>
+              <p:nvPr/>
+            </p:nvSpPr>
+            <p:spPr>
+              <a:xfrm flipH="1">
+                <a:off x="10794755" y="910302"/>
+                <a:ext cx="72000" cy="72000"/>
+              </a:xfrm>
+              <a:prstGeom prst="ellipse">
+                <a:avLst/>
+              </a:prstGeom>
+              <a:solidFill>
+                <a:schemeClr val="bg1">
+                  <a:lumMod val="95000"/>
+                </a:schemeClr>
+              </a:solidFill>
+              <a:ln>
+                <a:noFill/>
+              </a:ln>
+              <a:scene3d>
+                <a:camera prst="orthographicFront">
+                  <a:rot lat="0" lon="0" rev="0"/>
+                </a:camera>
+                <a:lightRig rig="threePt" dir="t"/>
+              </a:scene3d>
+            </p:spPr>
+            <p:style>
+              <a:lnRef idx="2">
+                <a:schemeClr val="accent1">
+                  <a:shade val="50000"/>
+                </a:schemeClr>
+              </a:lnRef>
+              <a:fillRef idx="1">
+                <a:schemeClr val="accent1"/>
+              </a:fillRef>
+              <a:effectRef idx="0">
+                <a:schemeClr val="accent1"/>
+              </a:effectRef>
+              <a:fontRef idx="minor">
+                <a:schemeClr val="lt1"/>
+              </a:fontRef>
+            </p:style>
+            <p:txBody>
+              <a:bodyPr rtlCol="0" anchor="ctr"/>
+              <a:lstStyle/>
+              <a:p>
+                <a:pPr marL="0" marR="0" lvl="0" indent="0" algn="ctr" defTabSz="914400" rtl="0" eaLnBrk="1" fontAlgn="auto" latinLnBrk="0" hangingPunct="1">
+                  <a:lnSpc>
+                    <a:spcPct val="100000"/>
+                  </a:lnSpc>
+                  <a:spcBef>
+                    <a:spcPts val="0"/>
+                  </a:spcBef>
+                  <a:spcAft>
+                    <a:spcPts val="0"/>
+                  </a:spcAft>
+                  <a:buClrTx/>
+                  <a:buSzTx/>
+                  <a:buFontTx/>
+                  <a:buNone/>
+                  <a:defRPr/>
+                </a:pPr>
+                <a:endParaRPr kumimoji="0" lang="zh-CN" altLang="en-US" sz="1800" b="0" i="0" u="none" strike="noStrike" kern="1200" cap="none" spc="0" normalizeH="0" baseline="0" noProof="0">
+                  <a:ln>
+                    <a:noFill/>
+                  </a:ln>
+                  <a:solidFill>
+                    <a:prstClr val="white"/>
+                  </a:solidFill>
+                  <a:effectLst/>
+                  <a:uLnTx/>
+                  <a:uFillTx/>
+                  <a:cs typeface="+mn-ea"/>
+                  <a:sym typeface="+mn-lt"/>
+                </a:endParaRPr>
+              </a:p>
+            </p:txBody>
+          </p:sp>
+          <p:sp>
+            <p:nvSpPr>
+              <p:cNvPr id="26" name="椭圆 25">
+                <a:extLst>
+                  <a:ext uri="{FF2B5EF4-FFF2-40B4-BE49-F238E27FC236}">
+                    <a16:creationId xmlns:a16="http://schemas.microsoft.com/office/drawing/2014/main" id="{5C728A7C-5E41-0A76-B231-62C0B4A71D70}"/>
+                  </a:ext>
+                </a:extLst>
+              </p:cNvPr>
+              <p:cNvSpPr/>
+              <p:nvPr/>
+            </p:nvSpPr>
+            <p:spPr>
+              <a:xfrm flipH="1">
+                <a:off x="11556755" y="1085281"/>
+                <a:ext cx="72000" cy="72000"/>
+              </a:xfrm>
+              <a:prstGeom prst="ellipse">
+                <a:avLst/>
+              </a:prstGeom>
+              <a:solidFill>
+                <a:schemeClr val="bg1">
+                  <a:lumMod val="95000"/>
+                </a:schemeClr>
+              </a:solidFill>
+              <a:ln>
+                <a:noFill/>
+              </a:ln>
+              <a:scene3d>
+                <a:camera prst="orthographicFront">
+                  <a:rot lat="0" lon="0" rev="0"/>
+                </a:camera>
+                <a:lightRig rig="threePt" dir="t"/>
+              </a:scene3d>
+            </p:spPr>
+            <p:style>
+              <a:lnRef idx="2">
+                <a:schemeClr val="accent1">
+                  <a:shade val="50000"/>
+                </a:schemeClr>
+              </a:lnRef>
+              <a:fillRef idx="1">
+                <a:schemeClr val="accent1"/>
+              </a:fillRef>
+              <a:effectRef idx="0">
+                <a:schemeClr val="accent1"/>
+              </a:effectRef>
+              <a:fontRef idx="minor">
+                <a:schemeClr val="lt1"/>
+              </a:fontRef>
+            </p:style>
+            <p:txBody>
+              <a:bodyPr rtlCol="0" anchor="ctr"/>
+              <a:lstStyle/>
+              <a:p>
+                <a:pPr marL="0" marR="0" lvl="0" indent="0" algn="ctr" defTabSz="914400" rtl="0" eaLnBrk="1" fontAlgn="auto" latinLnBrk="0" hangingPunct="1">
+                  <a:lnSpc>
+                    <a:spcPct val="100000"/>
+                  </a:lnSpc>
+                  <a:spcBef>
+                    <a:spcPts val="0"/>
+                  </a:spcBef>
+                  <a:spcAft>
+                    <a:spcPts val="0"/>
+                  </a:spcAft>
+                  <a:buClrTx/>
+                  <a:buSzTx/>
+                  <a:buFontTx/>
+                  <a:buNone/>
+                  <a:defRPr/>
+                </a:pPr>
+                <a:endParaRPr kumimoji="0" lang="zh-CN" altLang="en-US" sz="1800" b="0" i="0" u="none" strike="noStrike" kern="1200" cap="none" spc="0" normalizeH="0" baseline="0" noProof="0">
+                  <a:ln>
+                    <a:noFill/>
+                  </a:ln>
+                  <a:solidFill>
+                    <a:prstClr val="white"/>
+                  </a:solidFill>
+                  <a:effectLst/>
+                  <a:uLnTx/>
+                  <a:uFillTx/>
+                  <a:cs typeface="+mn-ea"/>
+                  <a:sym typeface="+mn-lt"/>
+                </a:endParaRPr>
+              </a:p>
+            </p:txBody>
+          </p:sp>
+          <p:sp>
+            <p:nvSpPr>
+              <p:cNvPr id="27" name="椭圆 26">
+                <a:extLst>
+                  <a:ext uri="{FF2B5EF4-FFF2-40B4-BE49-F238E27FC236}">
+                    <a16:creationId xmlns:a16="http://schemas.microsoft.com/office/drawing/2014/main" id="{EB6026BA-D399-3F14-25DA-B90DB77CC78D}"/>
+                  </a:ext>
+                </a:extLst>
+              </p:cNvPr>
+              <p:cNvSpPr/>
+              <p:nvPr/>
+            </p:nvSpPr>
+            <p:spPr>
+              <a:xfrm flipH="1">
+                <a:off x="11404355" y="1085281"/>
+                <a:ext cx="72000" cy="72000"/>
+              </a:xfrm>
+              <a:prstGeom prst="ellipse">
+                <a:avLst/>
+              </a:prstGeom>
+              <a:solidFill>
+                <a:schemeClr val="bg1">
+                  <a:lumMod val="95000"/>
+                </a:schemeClr>
+              </a:solidFill>
+              <a:ln>
+                <a:noFill/>
+              </a:ln>
+              <a:scene3d>
+                <a:camera prst="orthographicFront">
+                  <a:rot lat="0" lon="0" rev="0"/>
+                </a:camera>
+                <a:lightRig rig="threePt" dir="t"/>
+              </a:scene3d>
+            </p:spPr>
+            <p:style>
+              <a:lnRef idx="2">
+                <a:schemeClr val="accent1">
+                  <a:shade val="50000"/>
+                </a:schemeClr>
+              </a:lnRef>
+              <a:fillRef idx="1">
+                <a:schemeClr val="accent1"/>
+              </a:fillRef>
+              <a:effectRef idx="0">
+                <a:schemeClr val="accent1"/>
+              </a:effectRef>
+              <a:fontRef idx="minor">
+                <a:schemeClr val="lt1"/>
+              </a:fontRef>
+            </p:style>
+            <p:txBody>
+              <a:bodyPr rtlCol="0" anchor="ctr"/>
+              <a:lstStyle/>
+              <a:p>
+                <a:pPr marL="0" marR="0" lvl="0" indent="0" algn="ctr" defTabSz="914400" rtl="0" eaLnBrk="1" fontAlgn="auto" latinLnBrk="0" hangingPunct="1">
+                  <a:lnSpc>
+                    <a:spcPct val="100000"/>
+                  </a:lnSpc>
+                  <a:spcBef>
+                    <a:spcPts val="0"/>
+                  </a:spcBef>
+                  <a:spcAft>
+                    <a:spcPts val="0"/>
+                  </a:spcAft>
+                  <a:buClrTx/>
+                  <a:buSzTx/>
+                  <a:buFontTx/>
+                  <a:buNone/>
+                  <a:defRPr/>
+                </a:pPr>
+                <a:endParaRPr kumimoji="0" lang="zh-CN" altLang="en-US" sz="1800" b="0" i="0" u="none" strike="noStrike" kern="1200" cap="none" spc="0" normalizeH="0" baseline="0" noProof="0">
+                  <a:ln>
+                    <a:noFill/>
+                  </a:ln>
+                  <a:solidFill>
+                    <a:prstClr val="white"/>
+                  </a:solidFill>
+                  <a:effectLst/>
+                  <a:uLnTx/>
+                  <a:uFillTx/>
+                  <a:cs typeface="+mn-ea"/>
+                  <a:sym typeface="+mn-lt"/>
+                </a:endParaRPr>
+              </a:p>
+            </p:txBody>
+          </p:sp>
+          <p:sp>
+            <p:nvSpPr>
+              <p:cNvPr id="28" name="椭圆 27">
+                <a:extLst>
+                  <a:ext uri="{FF2B5EF4-FFF2-40B4-BE49-F238E27FC236}">
+                    <a16:creationId xmlns:a16="http://schemas.microsoft.com/office/drawing/2014/main" id="{9C9D95BC-1578-1F6C-19E9-055BEF83DE7D}"/>
+                  </a:ext>
+                </a:extLst>
+              </p:cNvPr>
+              <p:cNvSpPr/>
+              <p:nvPr/>
+            </p:nvSpPr>
+            <p:spPr>
+              <a:xfrm flipH="1">
+                <a:off x="11251955" y="1085281"/>
+                <a:ext cx="72000" cy="72000"/>
+              </a:xfrm>
+              <a:prstGeom prst="ellipse">
+                <a:avLst/>
+              </a:prstGeom>
+              <a:solidFill>
+                <a:schemeClr val="bg1">
+                  <a:lumMod val="95000"/>
+                </a:schemeClr>
+              </a:solidFill>
+              <a:ln>
+                <a:noFill/>
+              </a:ln>
+              <a:scene3d>
+                <a:camera prst="orthographicFront">
+                  <a:rot lat="0" lon="0" rev="0"/>
+                </a:camera>
+                <a:lightRig rig="threePt" dir="t"/>
+              </a:scene3d>
+            </p:spPr>
+            <p:style>
+              <a:lnRef idx="2">
+                <a:schemeClr val="accent1">
+                  <a:shade val="50000"/>
+                </a:schemeClr>
+              </a:lnRef>
+              <a:fillRef idx="1">
+                <a:schemeClr val="accent1"/>
+              </a:fillRef>
+              <a:effectRef idx="0">
+                <a:schemeClr val="accent1"/>
+              </a:effectRef>
+              <a:fontRef idx="minor">
+                <a:schemeClr val="lt1"/>
+              </a:fontRef>
+            </p:style>
+            <p:txBody>
+              <a:bodyPr rtlCol="0" anchor="ctr"/>
+              <a:lstStyle/>
+              <a:p>
+                <a:pPr marL="0" marR="0" lvl="0" indent="0" algn="ctr" defTabSz="914400" rtl="0" eaLnBrk="1" fontAlgn="auto" latinLnBrk="0" hangingPunct="1">
+                  <a:lnSpc>
+                    <a:spcPct val="100000"/>
+                  </a:lnSpc>
+                  <a:spcBef>
+                    <a:spcPts val="0"/>
+                  </a:spcBef>
+                  <a:spcAft>
+                    <a:spcPts val="0"/>
+                  </a:spcAft>
+                  <a:buClrTx/>
+                  <a:buSzTx/>
+                  <a:buFontTx/>
+                  <a:buNone/>
+                  <a:defRPr/>
+                </a:pPr>
+                <a:endParaRPr kumimoji="0" lang="zh-CN" altLang="en-US" sz="1800" b="0" i="0" u="none" strike="noStrike" kern="1200" cap="none" spc="0" normalizeH="0" baseline="0" noProof="0">
+                  <a:ln>
+                    <a:noFill/>
+                  </a:ln>
+                  <a:solidFill>
+                    <a:prstClr val="white"/>
+                  </a:solidFill>
+                  <a:effectLst/>
+                  <a:uLnTx/>
+                  <a:uFillTx/>
+                  <a:cs typeface="+mn-ea"/>
+                  <a:sym typeface="+mn-lt"/>
+                </a:endParaRPr>
+              </a:p>
+            </p:txBody>
+          </p:sp>
+          <p:sp>
+            <p:nvSpPr>
+              <p:cNvPr id="29" name="椭圆 28">
+                <a:extLst>
+                  <a:ext uri="{FF2B5EF4-FFF2-40B4-BE49-F238E27FC236}">
+                    <a16:creationId xmlns:a16="http://schemas.microsoft.com/office/drawing/2014/main" id="{96E07B03-9633-4566-E7A0-EAA35B270F6F}"/>
+                  </a:ext>
+                </a:extLst>
+              </p:cNvPr>
+              <p:cNvSpPr/>
+              <p:nvPr/>
+            </p:nvSpPr>
+            <p:spPr>
+              <a:xfrm flipH="1">
+                <a:off x="11099555" y="1085281"/>
+                <a:ext cx="72000" cy="72000"/>
+              </a:xfrm>
+              <a:prstGeom prst="ellipse">
+                <a:avLst/>
+              </a:prstGeom>
+              <a:solidFill>
+                <a:schemeClr val="bg1">
+                  <a:lumMod val="95000"/>
+                </a:schemeClr>
+              </a:solidFill>
+              <a:ln>
+                <a:noFill/>
+              </a:ln>
+              <a:scene3d>
+                <a:camera prst="orthographicFront">
+                  <a:rot lat="0" lon="0" rev="0"/>
+                </a:camera>
+                <a:lightRig rig="threePt" dir="t"/>
+              </a:scene3d>
+            </p:spPr>
+            <p:style>
+              <a:lnRef idx="2">
+                <a:schemeClr val="accent1">
+                  <a:shade val="50000"/>
+                </a:schemeClr>
+              </a:lnRef>
+              <a:fillRef idx="1">
+                <a:schemeClr val="accent1"/>
+              </a:fillRef>
+              <a:effectRef idx="0">
+                <a:schemeClr val="accent1"/>
+              </a:effectRef>
+              <a:fontRef idx="minor">
+                <a:schemeClr val="lt1"/>
+              </a:fontRef>
+            </p:style>
+            <p:txBody>
+              <a:bodyPr rtlCol="0" anchor="ctr"/>
+              <a:lstStyle/>
+              <a:p>
+                <a:pPr marL="0" marR="0" lvl="0" indent="0" algn="ctr" defTabSz="914400" rtl="0" eaLnBrk="1" fontAlgn="auto" latinLnBrk="0" hangingPunct="1">
+                  <a:lnSpc>
+                    <a:spcPct val="100000"/>
+                  </a:lnSpc>
+                  <a:spcBef>
+                    <a:spcPts val="0"/>
+                  </a:spcBef>
+                  <a:spcAft>
+                    <a:spcPts val="0"/>
+                  </a:spcAft>
+                  <a:buClrTx/>
+                  <a:buSzTx/>
+                  <a:buFontTx/>
+                  <a:buNone/>
+                  <a:defRPr/>
+                </a:pPr>
+                <a:endParaRPr kumimoji="0" lang="zh-CN" altLang="en-US" sz="1800" b="0" i="0" u="none" strike="noStrike" kern="1200" cap="none" spc="0" normalizeH="0" baseline="0" noProof="0">
+                  <a:ln>
+                    <a:noFill/>
+                  </a:ln>
+                  <a:solidFill>
+                    <a:prstClr val="white"/>
+                  </a:solidFill>
+                  <a:effectLst/>
+                  <a:uLnTx/>
+                  <a:uFillTx/>
+                  <a:cs typeface="+mn-ea"/>
+                  <a:sym typeface="+mn-lt"/>
+                </a:endParaRPr>
+              </a:p>
+            </p:txBody>
+          </p:sp>
+          <p:sp>
+            <p:nvSpPr>
+              <p:cNvPr id="30" name="椭圆 29">
+                <a:extLst>
+                  <a:ext uri="{FF2B5EF4-FFF2-40B4-BE49-F238E27FC236}">
+                    <a16:creationId xmlns:a16="http://schemas.microsoft.com/office/drawing/2014/main" id="{90955519-A0CF-AFAC-BE8D-E888A63A01F7}"/>
+                  </a:ext>
+                </a:extLst>
+              </p:cNvPr>
+              <p:cNvSpPr/>
+              <p:nvPr/>
+            </p:nvSpPr>
+            <p:spPr>
+              <a:xfrm flipH="1">
+                <a:off x="10947155" y="1085281"/>
+                <a:ext cx="72000" cy="72000"/>
+              </a:xfrm>
+              <a:prstGeom prst="ellipse">
+                <a:avLst/>
+              </a:prstGeom>
+              <a:solidFill>
+                <a:schemeClr val="bg1">
+                  <a:lumMod val="95000"/>
+                </a:schemeClr>
+              </a:solidFill>
+              <a:ln>
+                <a:noFill/>
+              </a:ln>
+              <a:scene3d>
+                <a:camera prst="orthographicFront">
+                  <a:rot lat="0" lon="0" rev="0"/>
+                </a:camera>
+                <a:lightRig rig="threePt" dir="t"/>
+              </a:scene3d>
+            </p:spPr>
+            <p:style>
+              <a:lnRef idx="2">
+                <a:schemeClr val="accent1">
+                  <a:shade val="50000"/>
+                </a:schemeClr>
+              </a:lnRef>
+              <a:fillRef idx="1">
+                <a:schemeClr val="accent1"/>
+              </a:fillRef>
+              <a:effectRef idx="0">
+                <a:schemeClr val="accent1"/>
+              </a:effectRef>
+              <a:fontRef idx="minor">
+                <a:schemeClr val="lt1"/>
+              </a:fontRef>
+            </p:style>
+            <p:txBody>
+              <a:bodyPr rtlCol="0" anchor="ctr"/>
+              <a:lstStyle/>
+              <a:p>
+                <a:pPr marL="0" marR="0" lvl="0" indent="0" algn="ctr" defTabSz="914400" rtl="0" eaLnBrk="1" fontAlgn="auto" latinLnBrk="0" hangingPunct="1">
+                  <a:lnSpc>
+                    <a:spcPct val="100000"/>
+                  </a:lnSpc>
+                  <a:spcBef>
+                    <a:spcPts val="0"/>
+                  </a:spcBef>
+                  <a:spcAft>
+                    <a:spcPts val="0"/>
+                  </a:spcAft>
+                  <a:buClrTx/>
+                  <a:buSzTx/>
+                  <a:buFontTx/>
+                  <a:buNone/>
+                  <a:defRPr/>
+                </a:pPr>
+                <a:endParaRPr kumimoji="0" lang="zh-CN" altLang="en-US" sz="1800" b="0" i="0" u="none" strike="noStrike" kern="1200" cap="none" spc="0" normalizeH="0" baseline="0" noProof="0">
+                  <a:ln>
+                    <a:noFill/>
+                  </a:ln>
+                  <a:solidFill>
+                    <a:prstClr val="white"/>
+                  </a:solidFill>
+                  <a:effectLst/>
+                  <a:uLnTx/>
+                  <a:uFillTx/>
+                  <a:cs typeface="+mn-ea"/>
+                  <a:sym typeface="+mn-lt"/>
+                </a:endParaRPr>
+              </a:p>
+            </p:txBody>
+          </p:sp>
+          <p:sp>
+            <p:nvSpPr>
+              <p:cNvPr id="31" name="椭圆 30">
+                <a:extLst>
+                  <a:ext uri="{FF2B5EF4-FFF2-40B4-BE49-F238E27FC236}">
+                    <a16:creationId xmlns:a16="http://schemas.microsoft.com/office/drawing/2014/main" id="{3B359E0A-D3DF-A87A-41FD-D5C4A007C1A9}"/>
+                  </a:ext>
+                </a:extLst>
+              </p:cNvPr>
+              <p:cNvSpPr/>
+              <p:nvPr/>
+            </p:nvSpPr>
+            <p:spPr>
+              <a:xfrm flipH="1">
+                <a:off x="10794755" y="1085281"/>
+                <a:ext cx="72000" cy="72000"/>
+              </a:xfrm>
+              <a:prstGeom prst="ellipse">
+                <a:avLst/>
+              </a:prstGeom>
+              <a:solidFill>
+                <a:schemeClr val="bg1">
+                  <a:lumMod val="95000"/>
+                </a:schemeClr>
+              </a:solidFill>
+              <a:ln>
+                <a:noFill/>
+              </a:ln>
+              <a:scene3d>
+                <a:camera prst="orthographicFront">
+                  <a:rot lat="0" lon="0" rev="0"/>
+                </a:camera>
+                <a:lightRig rig="threePt" dir="t"/>
+              </a:scene3d>
+            </p:spPr>
+            <p:style>
+              <a:lnRef idx="2">
+                <a:schemeClr val="accent1">
+                  <a:shade val="50000"/>
+                </a:schemeClr>
+              </a:lnRef>
+              <a:fillRef idx="1">
+                <a:schemeClr val="accent1"/>
+              </a:fillRef>
+              <a:effectRef idx="0">
+                <a:schemeClr val="accent1"/>
+              </a:effectRef>
+              <a:fontRef idx="minor">
+                <a:schemeClr val="lt1"/>
+              </a:fontRef>
+            </p:style>
+            <p:txBody>
+              <a:bodyPr rtlCol="0" anchor="ctr"/>
+              <a:lstStyle/>
+              <a:p>
+                <a:pPr marL="0" marR="0" lvl="0" indent="0" algn="ctr" defTabSz="914400" rtl="0" eaLnBrk="1" fontAlgn="auto" latinLnBrk="0" hangingPunct="1">
+                  <a:lnSpc>
+                    <a:spcPct val="100000"/>
+                  </a:lnSpc>
+                  <a:spcBef>
+                    <a:spcPts val="0"/>
+                  </a:spcBef>
+                  <a:spcAft>
+                    <a:spcPts val="0"/>
+                  </a:spcAft>
+                  <a:buClrTx/>
+                  <a:buSzTx/>
+                  <a:buFontTx/>
+                  <a:buNone/>
+                  <a:defRPr/>
+                </a:pPr>
+                <a:endParaRPr kumimoji="0" lang="zh-CN" altLang="en-US" sz="1800" b="0" i="0" u="none" strike="noStrike" kern="1200" cap="none" spc="0" normalizeH="0" baseline="0" noProof="0">
+                  <a:ln>
+                    <a:noFill/>
+                  </a:ln>
+                  <a:solidFill>
+                    <a:prstClr val="white"/>
+                  </a:solidFill>
+                  <a:effectLst/>
+                  <a:uLnTx/>
+                  <a:uFillTx/>
+                  <a:cs typeface="+mn-ea"/>
+                  <a:sym typeface="+mn-lt"/>
+                </a:endParaRPr>
+              </a:p>
+            </p:txBody>
+          </p:sp>
+          <p:sp>
+            <p:nvSpPr>
+              <p:cNvPr id="32" name="椭圆 31">
+                <a:extLst>
+                  <a:ext uri="{FF2B5EF4-FFF2-40B4-BE49-F238E27FC236}">
+                    <a16:creationId xmlns:a16="http://schemas.microsoft.com/office/drawing/2014/main" id="{A3357D99-65AC-9F97-D159-BE9A948A6AA0}"/>
+                  </a:ext>
+                </a:extLst>
+              </p:cNvPr>
+              <p:cNvSpPr/>
+              <p:nvPr/>
+            </p:nvSpPr>
+            <p:spPr>
+              <a:xfrm flipH="1">
+                <a:off x="11556755" y="1260261"/>
+                <a:ext cx="72000" cy="72000"/>
+              </a:xfrm>
+              <a:prstGeom prst="ellipse">
+                <a:avLst/>
+              </a:prstGeom>
+              <a:solidFill>
+                <a:schemeClr val="bg1">
+                  <a:lumMod val="95000"/>
+                </a:schemeClr>
+              </a:solidFill>
+              <a:ln>
+                <a:noFill/>
+              </a:ln>
+              <a:scene3d>
+                <a:camera prst="orthographicFront">
+                  <a:rot lat="0" lon="0" rev="0"/>
+                </a:camera>
+                <a:lightRig rig="threePt" dir="t"/>
+              </a:scene3d>
+            </p:spPr>
+            <p:style>
+              <a:lnRef idx="2">
+                <a:schemeClr val="accent1">
+                  <a:shade val="50000"/>
+                </a:schemeClr>
+              </a:lnRef>
+              <a:fillRef idx="1">
+                <a:schemeClr val="accent1"/>
+              </a:fillRef>
+              <a:effectRef idx="0">
+                <a:schemeClr val="accent1"/>
+              </a:effectRef>
+              <a:fontRef idx="minor">
+                <a:schemeClr val="lt1"/>
+              </a:fontRef>
+            </p:style>
+            <p:txBody>
+              <a:bodyPr rtlCol="0" anchor="ctr"/>
+              <a:lstStyle/>
+              <a:p>
+                <a:pPr marL="0" marR="0" lvl="0" indent="0" algn="ctr" defTabSz="914400" rtl="0" eaLnBrk="1" fontAlgn="auto" latinLnBrk="0" hangingPunct="1">
+                  <a:lnSpc>
+                    <a:spcPct val="100000"/>
+                  </a:lnSpc>
+                  <a:spcBef>
+                    <a:spcPts val="0"/>
+                  </a:spcBef>
+                  <a:spcAft>
+                    <a:spcPts val="0"/>
+                  </a:spcAft>
+                  <a:buClrTx/>
+                  <a:buSzTx/>
+                  <a:buFontTx/>
+                  <a:buNone/>
+                  <a:defRPr/>
+                </a:pPr>
+                <a:endParaRPr kumimoji="0" lang="zh-CN" altLang="en-US" sz="1800" b="0" i="0" u="none" strike="noStrike" kern="1200" cap="none" spc="0" normalizeH="0" baseline="0" noProof="0">
+                  <a:ln>
+                    <a:noFill/>
+                  </a:ln>
+                  <a:solidFill>
+                    <a:prstClr val="white"/>
+                  </a:solidFill>
+                  <a:effectLst/>
+                  <a:uLnTx/>
+                  <a:uFillTx/>
+                  <a:cs typeface="+mn-ea"/>
+                  <a:sym typeface="+mn-lt"/>
+                </a:endParaRPr>
+              </a:p>
+            </p:txBody>
+          </p:sp>
+          <p:sp>
+            <p:nvSpPr>
+              <p:cNvPr id="33" name="椭圆 32">
+                <a:extLst>
+                  <a:ext uri="{FF2B5EF4-FFF2-40B4-BE49-F238E27FC236}">
+                    <a16:creationId xmlns:a16="http://schemas.microsoft.com/office/drawing/2014/main" id="{FE4F5762-BA2D-FD4A-1D6A-F6DD9293B7AF}"/>
+                  </a:ext>
+                </a:extLst>
+              </p:cNvPr>
+              <p:cNvSpPr/>
+              <p:nvPr/>
+            </p:nvSpPr>
+            <p:spPr>
+              <a:xfrm flipH="1">
+                <a:off x="11404355" y="1260261"/>
+                <a:ext cx="72000" cy="72000"/>
+              </a:xfrm>
+              <a:prstGeom prst="ellipse">
+                <a:avLst/>
+              </a:prstGeom>
+              <a:solidFill>
+                <a:schemeClr val="bg1">
+                  <a:lumMod val="95000"/>
+                </a:schemeClr>
+              </a:solidFill>
+              <a:ln>
+                <a:noFill/>
+              </a:ln>
+              <a:scene3d>
+                <a:camera prst="orthographicFront">
+                  <a:rot lat="0" lon="0" rev="0"/>
+                </a:camera>
+                <a:lightRig rig="threePt" dir="t"/>
+              </a:scene3d>
+            </p:spPr>
+            <p:style>
+              <a:lnRef idx="2">
+                <a:schemeClr val="accent1">
+                  <a:shade val="50000"/>
+                </a:schemeClr>
+              </a:lnRef>
+              <a:fillRef idx="1">
+                <a:schemeClr val="accent1"/>
+              </a:fillRef>
+              <a:effectRef idx="0">
+                <a:schemeClr val="accent1"/>
+              </a:effectRef>
+              <a:fontRef idx="minor">
+                <a:schemeClr val="lt1"/>
+              </a:fontRef>
+            </p:style>
+            <p:txBody>
+              <a:bodyPr rtlCol="0" anchor="ctr"/>
+              <a:lstStyle/>
+              <a:p>
+                <a:pPr marL="0" marR="0" lvl="0" indent="0" algn="ctr" defTabSz="914400" rtl="0" eaLnBrk="1" fontAlgn="auto" latinLnBrk="0" hangingPunct="1">
+                  <a:lnSpc>
+                    <a:spcPct val="100000"/>
+                  </a:lnSpc>
+                  <a:spcBef>
+                    <a:spcPts val="0"/>
+                  </a:spcBef>
+                  <a:spcAft>
+                    <a:spcPts val="0"/>
+                  </a:spcAft>
+                  <a:buClrTx/>
+                  <a:buSzTx/>
+                  <a:buFontTx/>
+                  <a:buNone/>
+                  <a:defRPr/>
+                </a:pPr>
+                <a:endParaRPr kumimoji="0" lang="zh-CN" altLang="en-US" sz="1800" b="0" i="0" u="none" strike="noStrike" kern="1200" cap="none" spc="0" normalizeH="0" baseline="0" noProof="0">
+                  <a:ln>
+                    <a:noFill/>
+                  </a:ln>
+                  <a:solidFill>
+                    <a:prstClr val="white"/>
+                  </a:solidFill>
+                  <a:effectLst/>
+                  <a:uLnTx/>
+                  <a:uFillTx/>
+                  <a:cs typeface="+mn-ea"/>
+                  <a:sym typeface="+mn-lt"/>
+                </a:endParaRPr>
+              </a:p>
+            </p:txBody>
+          </p:sp>
+          <p:sp>
+            <p:nvSpPr>
+              <p:cNvPr id="34" name="椭圆 33">
+                <a:extLst>
+                  <a:ext uri="{FF2B5EF4-FFF2-40B4-BE49-F238E27FC236}">
+                    <a16:creationId xmlns:a16="http://schemas.microsoft.com/office/drawing/2014/main" id="{102A06DC-21E7-03E4-699E-2854B455E81D}"/>
+                  </a:ext>
+                </a:extLst>
+              </p:cNvPr>
+              <p:cNvSpPr/>
+              <p:nvPr/>
+            </p:nvSpPr>
+            <p:spPr>
+              <a:xfrm flipH="1">
+                <a:off x="11251955" y="1260261"/>
+                <a:ext cx="72000" cy="72000"/>
+              </a:xfrm>
+              <a:prstGeom prst="ellipse">
+                <a:avLst/>
+              </a:prstGeom>
+              <a:solidFill>
+                <a:schemeClr val="bg1">
+                  <a:lumMod val="95000"/>
+                </a:schemeClr>
+              </a:solidFill>
+              <a:ln>
+                <a:noFill/>
+              </a:ln>
+              <a:scene3d>
+                <a:camera prst="orthographicFront">
+                  <a:rot lat="0" lon="0" rev="0"/>
+                </a:camera>
+                <a:lightRig rig="threePt" dir="t"/>
+              </a:scene3d>
+            </p:spPr>
+            <p:style>
+              <a:lnRef idx="2">
+                <a:schemeClr val="accent1">
+                  <a:shade val="50000"/>
+                </a:schemeClr>
+              </a:lnRef>
+              <a:fillRef idx="1">
+                <a:schemeClr val="accent1"/>
+              </a:fillRef>
+              <a:effectRef idx="0">
+                <a:schemeClr val="accent1"/>
+              </a:effectRef>
+              <a:fontRef idx="minor">
+                <a:schemeClr val="lt1"/>
+              </a:fontRef>
+            </p:style>
+            <p:txBody>
+              <a:bodyPr rtlCol="0" anchor="ctr"/>
+              <a:lstStyle/>
+              <a:p>
+                <a:pPr marL="0" marR="0" lvl="0" indent="0" algn="ctr" defTabSz="914400" rtl="0" eaLnBrk="1" fontAlgn="auto" latinLnBrk="0" hangingPunct="1">
+                  <a:lnSpc>
+                    <a:spcPct val="100000"/>
+                  </a:lnSpc>
+                  <a:spcBef>
+                    <a:spcPts val="0"/>
+                  </a:spcBef>
+                  <a:spcAft>
+                    <a:spcPts val="0"/>
+                  </a:spcAft>
+                  <a:buClrTx/>
+                  <a:buSzTx/>
+                  <a:buFontTx/>
+                  <a:buNone/>
+                  <a:defRPr/>
+                </a:pPr>
+                <a:endParaRPr kumimoji="0" lang="zh-CN" altLang="en-US" sz="1800" b="0" i="0" u="none" strike="noStrike" kern="1200" cap="none" spc="0" normalizeH="0" baseline="0" noProof="0">
+                  <a:ln>
+                    <a:noFill/>
+                  </a:ln>
+                  <a:solidFill>
+                    <a:prstClr val="white"/>
+                  </a:solidFill>
+                  <a:effectLst/>
+                  <a:uLnTx/>
+                  <a:uFillTx/>
+                  <a:cs typeface="+mn-ea"/>
+                  <a:sym typeface="+mn-lt"/>
+                </a:endParaRPr>
+              </a:p>
+            </p:txBody>
+          </p:sp>
+          <p:sp>
+            <p:nvSpPr>
+              <p:cNvPr id="35" name="椭圆 34">
+                <a:extLst>
+                  <a:ext uri="{FF2B5EF4-FFF2-40B4-BE49-F238E27FC236}">
+                    <a16:creationId xmlns:a16="http://schemas.microsoft.com/office/drawing/2014/main" id="{B98CA245-77B7-DDB9-7F8F-DDBCF41A1157}"/>
+                  </a:ext>
+                </a:extLst>
+              </p:cNvPr>
+              <p:cNvSpPr/>
+              <p:nvPr/>
+            </p:nvSpPr>
+            <p:spPr>
+              <a:xfrm flipH="1">
+                <a:off x="11099555" y="1260261"/>
+                <a:ext cx="72000" cy="72000"/>
+              </a:xfrm>
+              <a:prstGeom prst="ellipse">
+                <a:avLst/>
+              </a:prstGeom>
+              <a:solidFill>
+                <a:schemeClr val="bg1">
+                  <a:lumMod val="95000"/>
+                </a:schemeClr>
+              </a:solidFill>
+              <a:ln>
+                <a:noFill/>
+              </a:ln>
+              <a:scene3d>
+                <a:camera prst="orthographicFront">
+                  <a:rot lat="0" lon="0" rev="0"/>
+                </a:camera>
+                <a:lightRig rig="threePt" dir="t"/>
+              </a:scene3d>
+            </p:spPr>
+            <p:style>
+              <a:lnRef idx="2">
+                <a:schemeClr val="accent1">
+                  <a:shade val="50000"/>
+                </a:schemeClr>
+              </a:lnRef>
+              <a:fillRef idx="1">
+                <a:schemeClr val="accent1"/>
+              </a:fillRef>
+              <a:effectRef idx="0">
+                <a:schemeClr val="accent1"/>
+              </a:effectRef>
+              <a:fontRef idx="minor">
+                <a:schemeClr val="lt1"/>
+              </a:fontRef>
+            </p:style>
+            <p:txBody>
+              <a:bodyPr rtlCol="0" anchor="ctr"/>
+              <a:lstStyle/>
+              <a:p>
+                <a:pPr marL="0" marR="0" lvl="0" indent="0" algn="ctr" defTabSz="914400" rtl="0" eaLnBrk="1" fontAlgn="auto" latinLnBrk="0" hangingPunct="1">
+                  <a:lnSpc>
+                    <a:spcPct val="100000"/>
+                  </a:lnSpc>
+                  <a:spcBef>
+                    <a:spcPts val="0"/>
+                  </a:spcBef>
+                  <a:spcAft>
+                    <a:spcPts val="0"/>
+                  </a:spcAft>
+                  <a:buClrTx/>
+                  <a:buSzTx/>
+                  <a:buFontTx/>
+                  <a:buNone/>
+                  <a:defRPr/>
+                </a:pPr>
+                <a:endParaRPr kumimoji="0" lang="zh-CN" altLang="en-US" sz="1800" b="0" i="0" u="none" strike="noStrike" kern="1200" cap="none" spc="0" normalizeH="0" baseline="0" noProof="0">
+                  <a:ln>
+                    <a:noFill/>
+                  </a:ln>
+                  <a:solidFill>
+                    <a:prstClr val="white"/>
+                  </a:solidFill>
+                  <a:effectLst/>
+                  <a:uLnTx/>
+                  <a:uFillTx/>
+                  <a:cs typeface="+mn-ea"/>
+                  <a:sym typeface="+mn-lt"/>
+                </a:endParaRPr>
+              </a:p>
+            </p:txBody>
+          </p:sp>
+          <p:sp>
+            <p:nvSpPr>
+              <p:cNvPr id="36" name="椭圆 35">
+                <a:extLst>
+                  <a:ext uri="{FF2B5EF4-FFF2-40B4-BE49-F238E27FC236}">
+                    <a16:creationId xmlns:a16="http://schemas.microsoft.com/office/drawing/2014/main" id="{AC15ACAC-4ACB-E21E-E581-459BCD4A963C}"/>
+                  </a:ext>
+                </a:extLst>
+              </p:cNvPr>
+              <p:cNvSpPr/>
+              <p:nvPr/>
+            </p:nvSpPr>
+            <p:spPr>
+              <a:xfrm flipH="1">
+                <a:off x="10947155" y="1260261"/>
+                <a:ext cx="72000" cy="72000"/>
+              </a:xfrm>
+              <a:prstGeom prst="ellipse">
+                <a:avLst/>
+              </a:prstGeom>
+              <a:solidFill>
+                <a:schemeClr val="bg1">
+                  <a:lumMod val="95000"/>
+                </a:schemeClr>
+              </a:solidFill>
+              <a:ln>
+                <a:noFill/>
+              </a:ln>
+              <a:scene3d>
+                <a:camera prst="orthographicFront">
+                  <a:rot lat="0" lon="0" rev="0"/>
+                </a:camera>
+                <a:lightRig rig="threePt" dir="t"/>
+              </a:scene3d>
+            </p:spPr>
+            <p:style>
+              <a:lnRef idx="2">
+                <a:schemeClr val="accent1">
+                  <a:shade val="50000"/>
+                </a:schemeClr>
+              </a:lnRef>
+              <a:fillRef idx="1">
+                <a:schemeClr val="accent1"/>
+              </a:fillRef>
+              <a:effectRef idx="0">
+                <a:schemeClr val="accent1"/>
+              </a:effectRef>
+              <a:fontRef idx="minor">
+                <a:schemeClr val="lt1"/>
+              </a:fontRef>
+            </p:style>
+            <p:txBody>
+              <a:bodyPr rtlCol="0" anchor="ctr"/>
+              <a:lstStyle/>
+              <a:p>
+                <a:pPr marL="0" marR="0" lvl="0" indent="0" algn="ctr" defTabSz="914400" rtl="0" eaLnBrk="1" fontAlgn="auto" latinLnBrk="0" hangingPunct="1">
+                  <a:lnSpc>
+                    <a:spcPct val="100000"/>
+                  </a:lnSpc>
+                  <a:spcBef>
+                    <a:spcPts val="0"/>
+                  </a:spcBef>
+                  <a:spcAft>
+                    <a:spcPts val="0"/>
+                  </a:spcAft>
+                  <a:buClrTx/>
+                  <a:buSzTx/>
+                  <a:buFontTx/>
+                  <a:buNone/>
+                  <a:defRPr/>
+                </a:pPr>
+                <a:endParaRPr kumimoji="0" lang="zh-CN" altLang="en-US" sz="1800" b="0" i="0" u="none" strike="noStrike" kern="1200" cap="none" spc="0" normalizeH="0" baseline="0" noProof="0">
+                  <a:ln>
+                    <a:noFill/>
+                  </a:ln>
+                  <a:solidFill>
+                    <a:prstClr val="white"/>
+                  </a:solidFill>
+                  <a:effectLst/>
+                  <a:uLnTx/>
+                  <a:uFillTx/>
+                  <a:cs typeface="+mn-ea"/>
+                  <a:sym typeface="+mn-lt"/>
+                </a:endParaRPr>
+              </a:p>
+            </p:txBody>
+          </p:sp>
+          <p:sp>
+            <p:nvSpPr>
+              <p:cNvPr id="37" name="椭圆 36">
+                <a:extLst>
+                  <a:ext uri="{FF2B5EF4-FFF2-40B4-BE49-F238E27FC236}">
+                    <a16:creationId xmlns:a16="http://schemas.microsoft.com/office/drawing/2014/main" id="{02D9A45E-745C-E77E-554E-E8F21C9CDB5E}"/>
+                  </a:ext>
+                </a:extLst>
+              </p:cNvPr>
+              <p:cNvSpPr/>
+              <p:nvPr/>
+            </p:nvSpPr>
+            <p:spPr>
+              <a:xfrm flipH="1">
+                <a:off x="10794755" y="1260261"/>
+                <a:ext cx="72000" cy="72000"/>
+              </a:xfrm>
+              <a:prstGeom prst="ellipse">
+                <a:avLst/>
+              </a:prstGeom>
+              <a:solidFill>
+                <a:schemeClr val="bg1">
+                  <a:lumMod val="95000"/>
+                </a:schemeClr>
+              </a:solidFill>
+              <a:ln>
+                <a:noFill/>
+              </a:ln>
+              <a:scene3d>
+                <a:camera prst="orthographicFront">
+                  <a:rot lat="0" lon="0" rev="0"/>
+                </a:camera>
+                <a:lightRig rig="threePt" dir="t"/>
+              </a:scene3d>
+            </p:spPr>
+            <p:style>
+              <a:lnRef idx="2">
+                <a:schemeClr val="accent1">
+                  <a:shade val="50000"/>
+                </a:schemeClr>
+              </a:lnRef>
+              <a:fillRef idx="1">
+                <a:schemeClr val="accent1"/>
+              </a:fillRef>
+              <a:effectRef idx="0">
+                <a:schemeClr val="accent1"/>
+              </a:effectRef>
+              <a:fontRef idx="minor">
+                <a:schemeClr val="lt1"/>
+              </a:fontRef>
+            </p:style>
+            <p:txBody>
+              <a:bodyPr rtlCol="0" anchor="ctr"/>
+              <a:lstStyle/>
+              <a:p>
+                <a:pPr marL="0" marR="0" lvl="0" indent="0" algn="ctr" defTabSz="914400" rtl="0" eaLnBrk="1" fontAlgn="auto" latinLnBrk="0" hangingPunct="1">
+                  <a:lnSpc>
+                    <a:spcPct val="100000"/>
+                  </a:lnSpc>
+                  <a:spcBef>
+                    <a:spcPts val="0"/>
+                  </a:spcBef>
+                  <a:spcAft>
+                    <a:spcPts val="0"/>
+                  </a:spcAft>
+                  <a:buClrTx/>
+                  <a:buSzTx/>
+                  <a:buFontTx/>
+                  <a:buNone/>
+                  <a:defRPr/>
+                </a:pPr>
+                <a:endParaRPr kumimoji="0" lang="zh-CN" altLang="en-US" sz="1800" b="0" i="0" u="none" strike="noStrike" kern="1200" cap="none" spc="0" normalizeH="0" baseline="0" noProof="0">
+                  <a:ln>
+                    <a:noFill/>
+                  </a:ln>
+                  <a:solidFill>
+                    <a:prstClr val="white"/>
+                  </a:solidFill>
+                  <a:effectLst/>
+                  <a:uLnTx/>
+                  <a:uFillTx/>
+                  <a:cs typeface="+mn-ea"/>
+                  <a:sym typeface="+mn-lt"/>
+                </a:endParaRPr>
+              </a:p>
+            </p:txBody>
+          </p:sp>
+        </p:grpSp>
+      </p:grpSp>
       <p:grpSp>
         <p:nvGrpSpPr>
           <p:cNvPr id="4" name="组合 3">
@@ -43882,8 +46426,8 @@
           </p:txBody>
         </p:sp>
       </p:grpSp>
-      <mc:AlternateContent xmlns:mc="http://schemas.openxmlformats.org/markup-compatibility/2006">
-        <mc:Choice xmlns:a14="http://schemas.microsoft.com/office/drawing/2010/main" Requires="a14">
+      <mc:AlternateContent xmlns:mc="http://schemas.openxmlformats.org/markup-compatibility/2006" xmlns:a14="http://schemas.microsoft.com/office/drawing/2010/main">
+        <mc:Choice Requires="a14">
           <p:sp>
             <p:nvSpPr>
               <p:cNvPr id="5" name="矩形 4">
@@ -44827,7 +47371,7 @@
             </p:txBody>
           </p:sp>
         </mc:Choice>
-        <mc:Fallback>
+        <mc:Fallback xmlns="">
           <p:sp>
             <p:nvSpPr>
               <p:cNvPr id="5" name="矩形 4">
